--- a/student presentation template.pptx
+++ b/student presentation template.pptx
@@ -1,31 +1,32 @@
 
 <file path=ppt/presentation.xml><?xml version="1.0" encoding="utf-8"?>
-<p:presentation xmlns:a="http://schemas.openxmlformats.org/drawingml/2006/main" xmlns:r="http://schemas.openxmlformats.org/officeDocument/2006/relationships" xmlns:mc="http://schemas.openxmlformats.org/markup-compatibility/2006" xmlns:mv="urn:schemas-microsoft-com:mac:vml" xmlns:p="http://schemas.openxmlformats.org/presentationml/2006/main" xmlns:c="http://schemas.openxmlformats.org/drawingml/2006/chart" xmlns:dgm="http://schemas.openxmlformats.org/drawingml/2006/diagram" xmlns:o="urn:schemas-microsoft-com:office:office" xmlns:v="urn:schemas-microsoft-com:vml" xmlns:pvml="urn:schemas-microsoft-com:office:powerpoint" xmlns:com="http://schemas.openxmlformats.org/drawingml/2006/compatibility" xmlns:p14="http://schemas.microsoft.com/office/powerpoint/2010/main" xmlns:p15="http://schemas.microsoft.com/office/powerpoint/2012/main" xmlns:ahyp="http://schemas.microsoft.com/office/drawing/2018/hyperlinkcolor" autoCompressPictures="0" strictFirstAndLastChars="0" saveSubsetFonts="1">
+<p:presentation xmlns:a="http://schemas.openxmlformats.org/drawingml/2006/main" xmlns:r="http://schemas.openxmlformats.org/officeDocument/2006/relationships" xmlns:p="http://schemas.openxmlformats.org/presentationml/2006/main" strictFirstAndLastChars="0" saveSubsetFonts="1" autoCompressPictures="0">
   <p:sldMasterIdLst>
-    <p:sldMasterId id="2147483659" r:id="rId4"/>
+    <p:sldMasterId id="2147483659" r:id="rId1"/>
   </p:sldMasterIdLst>
   <p:notesMasterIdLst>
-    <p:notesMasterId r:id="rId5"/>
+    <p:notesMasterId r:id="rId16"/>
   </p:notesMasterIdLst>
   <p:sldIdLst>
-    <p:sldId id="256" r:id="rId6"/>
-    <p:sldId id="257" r:id="rId7"/>
-    <p:sldId id="258" r:id="rId8"/>
-    <p:sldId id="259" r:id="rId9"/>
-    <p:sldId id="260" r:id="rId10"/>
-    <p:sldId id="261" r:id="rId11"/>
-    <p:sldId id="262" r:id="rId12"/>
-    <p:sldId id="263" r:id="rId13"/>
-    <p:sldId id="264" r:id="rId14"/>
-    <p:sldId id="265" r:id="rId15"/>
-    <p:sldId id="266" r:id="rId16"/>
-    <p:sldId id="267" r:id="rId17"/>
-    <p:sldId id="268" r:id="rId18"/>
+    <p:sldId id="256" r:id="rId2"/>
+    <p:sldId id="257" r:id="rId3"/>
+    <p:sldId id="258" r:id="rId4"/>
+    <p:sldId id="259" r:id="rId5"/>
+    <p:sldId id="260" r:id="rId6"/>
+    <p:sldId id="269" r:id="rId7"/>
+    <p:sldId id="261" r:id="rId8"/>
+    <p:sldId id="262" r:id="rId9"/>
+    <p:sldId id="263" r:id="rId10"/>
+    <p:sldId id="264" r:id="rId11"/>
+    <p:sldId id="265" r:id="rId12"/>
+    <p:sldId id="266" r:id="rId13"/>
+    <p:sldId id="267" r:id="rId14"/>
+    <p:sldId id="268" r:id="rId15"/>
   </p:sldIdLst>
-  <p:sldSz cy="5143500" cx="9144000"/>
+  <p:sldSz cx="9144000" cy="5143500" type="screen16x9"/>
   <p:notesSz cx="6858000" cy="9144000"/>
   <p:defaultTextStyle>
-    <a:defPPr lvl="0" marR="0" rtl="0" algn="l">
+    <a:defPPr marR="0" lvl="0" algn="l" rtl="0">
       <a:lnSpc>
         <a:spcPct val="100000"/>
       </a:lnSpc>
@@ -36,7 +37,7 @@
         <a:spcPts val="0"/>
       </a:spcAft>
     </a:defPPr>
-    <a:lvl1pPr lvl="0" marR="0" rtl="0" algn="l">
+    <a:lvl1pPr marR="0" lvl="0" algn="l" rtl="0">
       <a:lnSpc>
         <a:spcPct val="100000"/>
       </a:lnSpc>
@@ -50,7 +51,7 @@
         <a:srgbClr val="000000"/>
       </a:buClr>
       <a:buFont typeface="Arial"/>
-      <a:defRPr b="0" i="0" sz="1400" u="none" cap="none" strike="noStrike">
+      <a:defRPr sz="1400" b="0" i="0" u="none" strike="noStrike" cap="none">
         <a:solidFill>
           <a:srgbClr val="000000"/>
         </a:solidFill>
@@ -60,7 +61,7 @@
         <a:sym typeface="Arial"/>
       </a:defRPr>
     </a:lvl1pPr>
-    <a:lvl2pPr lvl="1" marR="0" rtl="0" algn="l">
+    <a:lvl2pPr marR="0" lvl="1" algn="l" rtl="0">
       <a:lnSpc>
         <a:spcPct val="100000"/>
       </a:lnSpc>
@@ -74,7 +75,7 @@
         <a:srgbClr val="000000"/>
       </a:buClr>
       <a:buFont typeface="Arial"/>
-      <a:defRPr b="0" i="0" sz="1400" u="none" cap="none" strike="noStrike">
+      <a:defRPr sz="1400" b="0" i="0" u="none" strike="noStrike" cap="none">
         <a:solidFill>
           <a:srgbClr val="000000"/>
         </a:solidFill>
@@ -84,7 +85,7 @@
         <a:sym typeface="Arial"/>
       </a:defRPr>
     </a:lvl2pPr>
-    <a:lvl3pPr lvl="2" marR="0" rtl="0" algn="l">
+    <a:lvl3pPr marR="0" lvl="2" algn="l" rtl="0">
       <a:lnSpc>
         <a:spcPct val="100000"/>
       </a:lnSpc>
@@ -98,7 +99,7 @@
         <a:srgbClr val="000000"/>
       </a:buClr>
       <a:buFont typeface="Arial"/>
-      <a:defRPr b="0" i="0" sz="1400" u="none" cap="none" strike="noStrike">
+      <a:defRPr sz="1400" b="0" i="0" u="none" strike="noStrike" cap="none">
         <a:solidFill>
           <a:srgbClr val="000000"/>
         </a:solidFill>
@@ -108,7 +109,7 @@
         <a:sym typeface="Arial"/>
       </a:defRPr>
     </a:lvl3pPr>
-    <a:lvl4pPr lvl="3" marR="0" rtl="0" algn="l">
+    <a:lvl4pPr marR="0" lvl="3" algn="l" rtl="0">
       <a:lnSpc>
         <a:spcPct val="100000"/>
       </a:lnSpc>
@@ -122,7 +123,7 @@
         <a:srgbClr val="000000"/>
       </a:buClr>
       <a:buFont typeface="Arial"/>
-      <a:defRPr b="0" i="0" sz="1400" u="none" cap="none" strike="noStrike">
+      <a:defRPr sz="1400" b="0" i="0" u="none" strike="noStrike" cap="none">
         <a:solidFill>
           <a:srgbClr val="000000"/>
         </a:solidFill>
@@ -132,7 +133,7 @@
         <a:sym typeface="Arial"/>
       </a:defRPr>
     </a:lvl4pPr>
-    <a:lvl5pPr lvl="4" marR="0" rtl="0" algn="l">
+    <a:lvl5pPr marR="0" lvl="4" algn="l" rtl="0">
       <a:lnSpc>
         <a:spcPct val="100000"/>
       </a:lnSpc>
@@ -146,7 +147,7 @@
         <a:srgbClr val="000000"/>
       </a:buClr>
       <a:buFont typeface="Arial"/>
-      <a:defRPr b="0" i="0" sz="1400" u="none" cap="none" strike="noStrike">
+      <a:defRPr sz="1400" b="0" i="0" u="none" strike="noStrike" cap="none">
         <a:solidFill>
           <a:srgbClr val="000000"/>
         </a:solidFill>
@@ -156,7 +157,7 @@
         <a:sym typeface="Arial"/>
       </a:defRPr>
     </a:lvl5pPr>
-    <a:lvl6pPr lvl="5" marR="0" rtl="0" algn="l">
+    <a:lvl6pPr marR="0" lvl="5" algn="l" rtl="0">
       <a:lnSpc>
         <a:spcPct val="100000"/>
       </a:lnSpc>
@@ -170,7 +171,7 @@
         <a:srgbClr val="000000"/>
       </a:buClr>
       <a:buFont typeface="Arial"/>
-      <a:defRPr b="0" i="0" sz="1400" u="none" cap="none" strike="noStrike">
+      <a:defRPr sz="1400" b="0" i="0" u="none" strike="noStrike" cap="none">
         <a:solidFill>
           <a:srgbClr val="000000"/>
         </a:solidFill>
@@ -180,7 +181,7 @@
         <a:sym typeface="Arial"/>
       </a:defRPr>
     </a:lvl6pPr>
-    <a:lvl7pPr lvl="6" marR="0" rtl="0" algn="l">
+    <a:lvl7pPr marR="0" lvl="6" algn="l" rtl="0">
       <a:lnSpc>
         <a:spcPct val="100000"/>
       </a:lnSpc>
@@ -194,7 +195,7 @@
         <a:srgbClr val="000000"/>
       </a:buClr>
       <a:buFont typeface="Arial"/>
-      <a:defRPr b="0" i="0" sz="1400" u="none" cap="none" strike="noStrike">
+      <a:defRPr sz="1400" b="0" i="0" u="none" strike="noStrike" cap="none">
         <a:solidFill>
           <a:srgbClr val="000000"/>
         </a:solidFill>
@@ -204,7 +205,7 @@
         <a:sym typeface="Arial"/>
       </a:defRPr>
     </a:lvl7pPr>
-    <a:lvl8pPr lvl="7" marR="0" rtl="0" algn="l">
+    <a:lvl8pPr marR="0" lvl="7" algn="l" rtl="0">
       <a:lnSpc>
         <a:spcPct val="100000"/>
       </a:lnSpc>
@@ -218,7 +219,7 @@
         <a:srgbClr val="000000"/>
       </a:buClr>
       <a:buFont typeface="Arial"/>
-      <a:defRPr b="0" i="0" sz="1400" u="none" cap="none" strike="noStrike">
+      <a:defRPr sz="1400" b="0" i="0" u="none" strike="noStrike" cap="none">
         <a:solidFill>
           <a:srgbClr val="000000"/>
         </a:solidFill>
@@ -228,7 +229,7 @@
         <a:sym typeface="Arial"/>
       </a:defRPr>
     </a:lvl8pPr>
-    <a:lvl9pPr lvl="8" marR="0" rtl="0" algn="l">
+    <a:lvl9pPr marR="0" lvl="8" algn="l" rtl="0">
       <a:lnSpc>
         <a:spcPct val="100000"/>
       </a:lnSpc>
@@ -242,7 +243,7 @@
         <a:srgbClr val="000000"/>
       </a:buClr>
       <a:buFont typeface="Arial"/>
-      <a:defRPr b="0" i="0" sz="1400" u="none" cap="none" strike="noStrike">
+      <a:defRPr sz="1400" b="0" i="0" u="none" strike="noStrike" cap="none">
         <a:solidFill>
           <a:srgbClr val="000000"/>
         </a:solidFill>
@@ -255,7 +256,7 @@
   </p:defaultTextStyle>
   <p:extLst>
     <p:ext uri="{EFAFB233-063F-42B5-8137-9DF3F51BA10A}">
-      <p15:sldGuideLst>
+      <p15:sldGuideLst xmlns:p15="http://schemas.microsoft.com/office/powerpoint/2012/main">
         <p15:guide id="1" orient="horz" pos="1620">
           <p15:clr>
             <a:srgbClr val="747775"/>
@@ -273,11 +274,16 @@
 </file>
 
 <file path=ppt/notesMasters/notesMaster1.xml><?xml version="1.0" encoding="utf-8"?>
-<p:notesMaster xmlns:a="http://schemas.openxmlformats.org/drawingml/2006/main" xmlns:r="http://schemas.openxmlformats.org/officeDocument/2006/relationships" xmlns:mc="http://schemas.openxmlformats.org/markup-compatibility/2006" xmlns:mv="urn:schemas-microsoft-com:mac:vml" xmlns:p="http://schemas.openxmlformats.org/presentationml/2006/main" xmlns:c="http://schemas.openxmlformats.org/drawingml/2006/chart" xmlns:dgm="http://schemas.openxmlformats.org/drawingml/2006/diagram" xmlns:o="urn:schemas-microsoft-com:office:office" xmlns:v="urn:schemas-microsoft-com:vml" xmlns:pvml="urn:schemas-microsoft-com:office:powerpoint" xmlns:com="http://schemas.openxmlformats.org/drawingml/2006/compatibility" xmlns:p14="http://schemas.microsoft.com/office/powerpoint/2010/main" xmlns:p15="http://schemas.microsoft.com/office/powerpoint/2012/main" xmlns:ahyp="http://schemas.microsoft.com/office/drawing/2018/hyperlinkcolor">
+<p:notesMaster xmlns:a="http://schemas.openxmlformats.org/drawingml/2006/main" xmlns:r="http://schemas.openxmlformats.org/officeDocument/2006/relationships" xmlns:p="http://schemas.openxmlformats.org/presentationml/2006/main">
   <p:cSld>
+    <p:bg>
+      <p:bgRef idx="1001">
+        <a:schemeClr val="bg1"/>
+      </p:bgRef>
+    </p:bg>
     <p:spTree>
       <p:nvGrpSpPr>
-        <p:cNvPr id="2" name="Shape 2"/>
+        <p:cNvPr id="1" name="Shape 2"/>
         <p:cNvGrpSpPr/>
         <p:nvPr/>
       </p:nvGrpSpPr>
@@ -292,9 +298,11 @@
       <p:sp>
         <p:nvSpPr>
           <p:cNvPr id="3" name="Google Shape;3;n"/>
-          <p:cNvSpPr/>
+          <p:cNvSpPr>
+            <a:spLocks noGrp="1" noRot="1" noChangeAspect="1"/>
+          </p:cNvSpPr>
           <p:nvPr>
-            <p:ph idx="2" type="sldImg"/>
+            <p:ph type="sldImg" idx="2"/>
           </p:nvPr>
         </p:nvSpPr>
         <p:spPr>
@@ -303,9 +311,13 @@
             <a:ext cx="6096075" cy="3429000"/>
           </a:xfrm>
           <a:custGeom>
-            <a:rect b="b" l="l" r="r" t="t"/>
+            <a:avLst/>
+            <a:gdLst/>
+            <a:ahLst/>
+            <a:cxnLst/>
+            <a:rect l="l" t="t" r="r" b="b"/>
             <a:pathLst>
-              <a:path extrusionOk="0" h="120000" w="120000">
+              <a:path w="120000" h="120000" extrusionOk="0">
                 <a:moveTo>
                   <a:pt x="0" y="0"/>
                 </a:moveTo>
@@ -323,23 +335,25 @@
             </a:pathLst>
           </a:custGeom>
           <a:noFill/>
-          <a:ln cap="flat" cmpd="sng" w="9525">
+          <a:ln w="9525" cap="flat" cmpd="sng">
             <a:solidFill>
               <a:srgbClr val="000000"/>
             </a:solidFill>
             <a:prstDash val="solid"/>
             <a:round/>
-            <a:headEnd len="sm" w="sm" type="none"/>
-            <a:tailEnd len="sm" w="sm" type="none"/>
+            <a:headEnd type="none" w="sm" len="sm"/>
+            <a:tailEnd type="none" w="sm" len="sm"/>
           </a:ln>
         </p:spPr>
       </p:sp>
       <p:sp>
         <p:nvSpPr>
           <p:cNvPr id="4" name="Google Shape;4;n"/>
-          <p:cNvSpPr txBox="1"/>
+          <p:cNvSpPr txBox="1">
+            <a:spLocks noGrp="1"/>
+          </p:cNvSpPr>
           <p:nvPr>
-            <p:ph idx="1" type="body"/>
+            <p:ph type="body" idx="1"/>
           </p:nvPr>
         </p:nvSpPr>
         <p:spPr>
@@ -356,11 +370,11 @@
           </a:ln>
         </p:spPr>
         <p:txBody>
-          <a:bodyPr anchorCtr="0" anchor="t" bIns="91425" lIns="91425" spcFirstLastPara="1" rIns="91425" wrap="square" tIns="91425">
+          <a:bodyPr spcFirstLastPara="1" wrap="square" lIns="91425" tIns="91425" rIns="91425" bIns="91425" anchor="t" anchorCtr="0">
             <a:noAutofit/>
           </a:bodyPr>
           <a:lstStyle>
-            <a:lvl1pPr indent="-298450" lvl="0" marL="457200">
+            <a:lvl1pPr marL="457200" lvl="0" indent="-298450">
               <a:spcBef>
                 <a:spcPts val="0"/>
               </a:spcBef>
@@ -371,7 +385,7 @@
               <a:buChar char="●"/>
               <a:defRPr sz="1100"/>
             </a:lvl1pPr>
-            <a:lvl2pPr indent="-298450" lvl="1" marL="914400">
+            <a:lvl2pPr marL="914400" lvl="1" indent="-298450">
               <a:spcBef>
                 <a:spcPts val="0"/>
               </a:spcBef>
@@ -382,7 +396,7 @@
               <a:buChar char="○"/>
               <a:defRPr sz="1100"/>
             </a:lvl2pPr>
-            <a:lvl3pPr indent="-298450" lvl="2" marL="1371600">
+            <a:lvl3pPr marL="1371600" lvl="2" indent="-298450">
               <a:spcBef>
                 <a:spcPts val="0"/>
               </a:spcBef>
@@ -393,7 +407,7 @@
               <a:buChar char="■"/>
               <a:defRPr sz="1100"/>
             </a:lvl3pPr>
-            <a:lvl4pPr indent="-298450" lvl="3" marL="1828800">
+            <a:lvl4pPr marL="1828800" lvl="3" indent="-298450">
               <a:spcBef>
                 <a:spcPts val="0"/>
               </a:spcBef>
@@ -404,7 +418,7 @@
               <a:buChar char="●"/>
               <a:defRPr sz="1100"/>
             </a:lvl4pPr>
-            <a:lvl5pPr indent="-298450" lvl="4" marL="2286000">
+            <a:lvl5pPr marL="2286000" lvl="4" indent="-298450">
               <a:spcBef>
                 <a:spcPts val="0"/>
               </a:spcBef>
@@ -415,7 +429,7 @@
               <a:buChar char="○"/>
               <a:defRPr sz="1100"/>
             </a:lvl5pPr>
-            <a:lvl6pPr indent="-298450" lvl="5" marL="2743200">
+            <a:lvl6pPr marL="2743200" lvl="5" indent="-298450">
               <a:spcBef>
                 <a:spcPts val="0"/>
               </a:spcBef>
@@ -426,7 +440,7 @@
               <a:buChar char="■"/>
               <a:defRPr sz="1100"/>
             </a:lvl6pPr>
-            <a:lvl7pPr indent="-298450" lvl="6" marL="3200400">
+            <a:lvl7pPr marL="3200400" lvl="6" indent="-298450">
               <a:spcBef>
                 <a:spcPts val="0"/>
               </a:spcBef>
@@ -437,7 +451,7 @@
               <a:buChar char="●"/>
               <a:defRPr sz="1100"/>
             </a:lvl7pPr>
-            <a:lvl8pPr indent="-298450" lvl="7" marL="3657600">
+            <a:lvl8pPr marL="3657600" lvl="7" indent="-298450">
               <a:spcBef>
                 <a:spcPts val="0"/>
               </a:spcBef>
@@ -448,7 +462,7 @@
               <a:buChar char="○"/>
               <a:defRPr sz="1100"/>
             </a:lvl8pPr>
-            <a:lvl9pPr indent="-298450" lvl="8" marL="4114800">
+            <a:lvl9pPr marL="4114800" lvl="8" indent="-298450">
               <a:spcBef>
                 <a:spcPts val="0"/>
               </a:spcBef>
@@ -460,14 +474,16 @@
               <a:defRPr sz="1100"/>
             </a:lvl9pPr>
           </a:lstStyle>
-          <a:p/>
+          <a:p>
+            <a:endParaRPr/>
+          </a:p>
         </p:txBody>
       </p:sp>
     </p:spTree>
   </p:cSld>
-  <p:clrMap accent1="accent1" accent2="accent2" accent3="accent3" accent4="accent4" accent5="accent5" accent6="accent6" bg1="lt1" bg2="dk2" tx1="dk1" tx2="lt2" folHlink="folHlink" hlink="hlink"/>
+  <p:clrMap bg1="lt1" tx1="dk1" bg2="dk2" tx2="lt2" accent1="accent1" accent2="accent2" accent3="accent3" accent4="accent4" accent5="accent5" accent6="accent6" hlink="hlink" folHlink="folHlink"/>
   <p:notesStyle>
-    <a:defPPr lvl="0" marR="0" rtl="0" algn="l">
+    <a:defPPr marR="0" lvl="0" algn="l" rtl="0">
       <a:lnSpc>
         <a:spcPct val="100000"/>
       </a:lnSpc>
@@ -478,7 +494,7 @@
         <a:spcPts val="0"/>
       </a:spcAft>
     </a:defPPr>
-    <a:lvl1pPr lvl="0" marR="0" rtl="0" algn="l">
+    <a:lvl1pPr marR="0" lvl="0" algn="l" rtl="0">
       <a:lnSpc>
         <a:spcPct val="100000"/>
       </a:lnSpc>
@@ -492,7 +508,7 @@
         <a:srgbClr val="000000"/>
       </a:buClr>
       <a:buFont typeface="Arial"/>
-      <a:defRPr b="0" i="0" sz="1400" u="none" cap="none" strike="noStrike">
+      <a:defRPr sz="1400" b="0" i="0" u="none" strike="noStrike" cap="none">
         <a:solidFill>
           <a:srgbClr val="000000"/>
         </a:solidFill>
@@ -502,7 +518,7 @@
         <a:sym typeface="Arial"/>
       </a:defRPr>
     </a:lvl1pPr>
-    <a:lvl2pPr lvl="1" marR="0" rtl="0" algn="l">
+    <a:lvl2pPr marR="0" lvl="1" algn="l" rtl="0">
       <a:lnSpc>
         <a:spcPct val="100000"/>
       </a:lnSpc>
@@ -516,7 +532,7 @@
         <a:srgbClr val="000000"/>
       </a:buClr>
       <a:buFont typeface="Arial"/>
-      <a:defRPr b="0" i="0" sz="1400" u="none" cap="none" strike="noStrike">
+      <a:defRPr sz="1400" b="0" i="0" u="none" strike="noStrike" cap="none">
         <a:solidFill>
           <a:srgbClr val="000000"/>
         </a:solidFill>
@@ -526,7 +542,7 @@
         <a:sym typeface="Arial"/>
       </a:defRPr>
     </a:lvl2pPr>
-    <a:lvl3pPr lvl="2" marR="0" rtl="0" algn="l">
+    <a:lvl3pPr marR="0" lvl="2" algn="l" rtl="0">
       <a:lnSpc>
         <a:spcPct val="100000"/>
       </a:lnSpc>
@@ -540,7 +556,7 @@
         <a:srgbClr val="000000"/>
       </a:buClr>
       <a:buFont typeface="Arial"/>
-      <a:defRPr b="0" i="0" sz="1400" u="none" cap="none" strike="noStrike">
+      <a:defRPr sz="1400" b="0" i="0" u="none" strike="noStrike" cap="none">
         <a:solidFill>
           <a:srgbClr val="000000"/>
         </a:solidFill>
@@ -550,7 +566,7 @@
         <a:sym typeface="Arial"/>
       </a:defRPr>
     </a:lvl3pPr>
-    <a:lvl4pPr lvl="3" marR="0" rtl="0" algn="l">
+    <a:lvl4pPr marR="0" lvl="3" algn="l" rtl="0">
       <a:lnSpc>
         <a:spcPct val="100000"/>
       </a:lnSpc>
@@ -564,7 +580,7 @@
         <a:srgbClr val="000000"/>
       </a:buClr>
       <a:buFont typeface="Arial"/>
-      <a:defRPr b="0" i="0" sz="1400" u="none" cap="none" strike="noStrike">
+      <a:defRPr sz="1400" b="0" i="0" u="none" strike="noStrike" cap="none">
         <a:solidFill>
           <a:srgbClr val="000000"/>
         </a:solidFill>
@@ -574,7 +590,7 @@
         <a:sym typeface="Arial"/>
       </a:defRPr>
     </a:lvl4pPr>
-    <a:lvl5pPr lvl="4" marR="0" rtl="0" algn="l">
+    <a:lvl5pPr marR="0" lvl="4" algn="l" rtl="0">
       <a:lnSpc>
         <a:spcPct val="100000"/>
       </a:lnSpc>
@@ -588,7 +604,7 @@
         <a:srgbClr val="000000"/>
       </a:buClr>
       <a:buFont typeface="Arial"/>
-      <a:defRPr b="0" i="0" sz="1400" u="none" cap="none" strike="noStrike">
+      <a:defRPr sz="1400" b="0" i="0" u="none" strike="noStrike" cap="none">
         <a:solidFill>
           <a:srgbClr val="000000"/>
         </a:solidFill>
@@ -598,7 +614,7 @@
         <a:sym typeface="Arial"/>
       </a:defRPr>
     </a:lvl5pPr>
-    <a:lvl6pPr lvl="5" marR="0" rtl="0" algn="l">
+    <a:lvl6pPr marR="0" lvl="5" algn="l" rtl="0">
       <a:lnSpc>
         <a:spcPct val="100000"/>
       </a:lnSpc>
@@ -612,7 +628,7 @@
         <a:srgbClr val="000000"/>
       </a:buClr>
       <a:buFont typeface="Arial"/>
-      <a:defRPr b="0" i="0" sz="1400" u="none" cap="none" strike="noStrike">
+      <a:defRPr sz="1400" b="0" i="0" u="none" strike="noStrike" cap="none">
         <a:solidFill>
           <a:srgbClr val="000000"/>
         </a:solidFill>
@@ -622,7 +638,7 @@
         <a:sym typeface="Arial"/>
       </a:defRPr>
     </a:lvl6pPr>
-    <a:lvl7pPr lvl="6" marR="0" rtl="0" algn="l">
+    <a:lvl7pPr marR="0" lvl="6" algn="l" rtl="0">
       <a:lnSpc>
         <a:spcPct val="100000"/>
       </a:lnSpc>
@@ -636,7 +652,7 @@
         <a:srgbClr val="000000"/>
       </a:buClr>
       <a:buFont typeface="Arial"/>
-      <a:defRPr b="0" i="0" sz="1400" u="none" cap="none" strike="noStrike">
+      <a:defRPr sz="1400" b="0" i="0" u="none" strike="noStrike" cap="none">
         <a:solidFill>
           <a:srgbClr val="000000"/>
         </a:solidFill>
@@ -646,7 +662,7 @@
         <a:sym typeface="Arial"/>
       </a:defRPr>
     </a:lvl7pPr>
-    <a:lvl8pPr lvl="7" marR="0" rtl="0" algn="l">
+    <a:lvl8pPr marR="0" lvl="7" algn="l" rtl="0">
       <a:lnSpc>
         <a:spcPct val="100000"/>
       </a:lnSpc>
@@ -660,7 +676,7 @@
         <a:srgbClr val="000000"/>
       </a:buClr>
       <a:buFont typeface="Arial"/>
-      <a:defRPr b="0" i="0" sz="1400" u="none" cap="none" strike="noStrike">
+      <a:defRPr sz="1400" b="0" i="0" u="none" strike="noStrike" cap="none">
         <a:solidFill>
           <a:srgbClr val="000000"/>
         </a:solidFill>
@@ -670,7 +686,7 @@
         <a:sym typeface="Arial"/>
       </a:defRPr>
     </a:lvl8pPr>
-    <a:lvl9pPr lvl="8" marR="0" rtl="0" algn="l">
+    <a:lvl9pPr marR="0" lvl="8" algn="l" rtl="0">
       <a:lnSpc>
         <a:spcPct val="100000"/>
       </a:lnSpc>
@@ -684,7 +700,7 @@
         <a:srgbClr val="000000"/>
       </a:buClr>
       <a:buFont typeface="Arial"/>
-      <a:defRPr b="0" i="0" sz="1400" u="none" cap="none" strike="noStrike">
+      <a:defRPr sz="1400" b="0" i="0" u="none" strike="noStrike" cap="none">
         <a:solidFill>
           <a:srgbClr val="000000"/>
         </a:solidFill>
@@ -699,11 +715,11 @@
 </file>
 
 <file path=ppt/notesSlides/notesSlide1.xml><?xml version="1.0" encoding="utf-8"?>
-<p:notes xmlns:a="http://schemas.openxmlformats.org/drawingml/2006/main" xmlns:r="http://schemas.openxmlformats.org/officeDocument/2006/relationships" xmlns:mc="http://schemas.openxmlformats.org/markup-compatibility/2006" xmlns:mv="urn:schemas-microsoft-com:mac:vml" xmlns:p="http://schemas.openxmlformats.org/presentationml/2006/main" xmlns:c="http://schemas.openxmlformats.org/drawingml/2006/chart" xmlns:dgm="http://schemas.openxmlformats.org/drawingml/2006/diagram" xmlns:o="urn:schemas-microsoft-com:office:office" xmlns:v="urn:schemas-microsoft-com:vml" xmlns:pvml="urn:schemas-microsoft-com:office:powerpoint" xmlns:com="http://schemas.openxmlformats.org/drawingml/2006/compatibility" xmlns:p14="http://schemas.microsoft.com/office/powerpoint/2010/main" xmlns:p15="http://schemas.microsoft.com/office/powerpoint/2012/main" xmlns:ahyp="http://schemas.microsoft.com/office/drawing/2018/hyperlinkcolor" showMasterPhAnim="0" showMasterSp="0">
+<p:notes xmlns:a="http://schemas.openxmlformats.org/drawingml/2006/main" xmlns:r="http://schemas.openxmlformats.org/officeDocument/2006/relationships" xmlns:p="http://schemas.openxmlformats.org/presentationml/2006/main" showMasterSp="0" showMasterPhAnim="0">
   <p:cSld>
     <p:spTree>
       <p:nvGrpSpPr>
-        <p:cNvPr id="50" name="Shape 50"/>
+        <p:cNvPr id="1" name="Shape 50"/>
         <p:cNvGrpSpPr/>
         <p:nvPr/>
       </p:nvGrpSpPr>
@@ -718,9 +734,11 @@
       <p:sp>
         <p:nvSpPr>
           <p:cNvPr id="51" name="Google Shape;51;g276e6d67bee_0_106:notes"/>
-          <p:cNvSpPr/>
+          <p:cNvSpPr>
+            <a:spLocks noGrp="1" noRot="1" noChangeAspect="1"/>
+          </p:cNvSpPr>
           <p:nvPr>
-            <p:ph idx="2" type="sldImg"/>
+            <p:ph type="sldImg" idx="2"/>
           </p:nvPr>
         </p:nvSpPr>
         <p:spPr>
@@ -729,9 +747,13 @@
             <a:ext cx="6096000" cy="3429000"/>
           </a:xfrm>
           <a:custGeom>
-            <a:rect b="b" l="l" r="r" t="t"/>
+            <a:avLst/>
+            <a:gdLst/>
+            <a:ahLst/>
+            <a:cxnLst/>
+            <a:rect l="l" t="t" r="r" b="b"/>
             <a:pathLst>
-              <a:path extrusionOk="0" h="120000" w="120000">
+              <a:path w="120000" h="120000" extrusionOk="0">
                 <a:moveTo>
                   <a:pt x="0" y="0"/>
                 </a:moveTo>
@@ -753,9 +775,11 @@
       <p:sp>
         <p:nvSpPr>
           <p:cNvPr id="52" name="Google Shape;52;g276e6d67bee_0_106:notes"/>
-          <p:cNvSpPr txBox="1"/>
+          <p:cNvSpPr txBox="1">
+            <a:spLocks noGrp="1"/>
+          </p:cNvSpPr>
           <p:nvPr>
-            <p:ph idx="1" type="body"/>
+            <p:ph type="body" idx="1"/>
           </p:nvPr>
         </p:nvSpPr>
         <p:spPr>
@@ -768,23 +792,20 @@
           </a:prstGeom>
         </p:spPr>
         <p:txBody>
-          <a:bodyPr anchorCtr="0" anchor="t" bIns="91425" lIns="91425" spcFirstLastPara="1" rIns="91425" wrap="square" tIns="91425">
+          <a:bodyPr spcFirstLastPara="1" wrap="square" lIns="91425" tIns="91425" rIns="91425" bIns="91425" anchor="t" anchorCtr="0">
             <a:noAutofit/>
           </a:bodyPr>
           <a:lstStyle/>
           <a:p>
-            <a:pPr indent="0" lvl="0" marL="0" rtl="0" algn="l">
-              <a:spcBef>
-                <a:spcPts val="0"/>
-              </a:spcBef>
-              <a:spcAft>
-                <a:spcPts val="0"/>
-              </a:spcAft>
-              <a:buNone/>
-            </a:pPr>
-            <a:r>
-              <a:t/>
-            </a:r>
+            <a:pPr marL="0" lvl="0" indent="0" algn="l" rtl="0">
+              <a:spcBef>
+                <a:spcPts val="0"/>
+              </a:spcBef>
+              <a:spcAft>
+                <a:spcPts val="0"/>
+              </a:spcAft>
+              <a:buNone/>
+            </a:pPr>
             <a:endParaRPr/>
           </a:p>
         </p:txBody>
@@ -798,11 +819,115 @@
 </file>
 
 <file path=ppt/notesSlides/notesSlide10.xml><?xml version="1.0" encoding="utf-8"?>
-<p:notes xmlns:a="http://schemas.openxmlformats.org/drawingml/2006/main" xmlns:r="http://schemas.openxmlformats.org/officeDocument/2006/relationships" xmlns:mc="http://schemas.openxmlformats.org/markup-compatibility/2006" xmlns:mv="urn:schemas-microsoft-com:mac:vml" xmlns:p="http://schemas.openxmlformats.org/presentationml/2006/main" xmlns:c="http://schemas.openxmlformats.org/drawingml/2006/chart" xmlns:dgm="http://schemas.openxmlformats.org/drawingml/2006/diagram" xmlns:o="urn:schemas-microsoft-com:office:office" xmlns:v="urn:schemas-microsoft-com:vml" xmlns:pvml="urn:schemas-microsoft-com:office:powerpoint" xmlns:com="http://schemas.openxmlformats.org/drawingml/2006/compatibility" xmlns:p14="http://schemas.microsoft.com/office/powerpoint/2010/main" xmlns:p15="http://schemas.microsoft.com/office/powerpoint/2012/main" xmlns:ahyp="http://schemas.microsoft.com/office/drawing/2018/hyperlinkcolor" showMasterPhAnim="0" showMasterSp="0">
+<p:notes xmlns:a="http://schemas.openxmlformats.org/drawingml/2006/main" xmlns:r="http://schemas.openxmlformats.org/officeDocument/2006/relationships" xmlns:p="http://schemas.openxmlformats.org/presentationml/2006/main" showMasterSp="0" showMasterPhAnim="0">
   <p:cSld>
     <p:spTree>
       <p:nvGrpSpPr>
-        <p:cNvPr id="108" name="Shape 108"/>
+        <p:cNvPr id="1" name="Shape 101"/>
+        <p:cNvGrpSpPr/>
+        <p:nvPr/>
+      </p:nvGrpSpPr>
+      <p:grpSpPr>
+        <a:xfrm>
+          <a:off x="0" y="0"/>
+          <a:ext cx="0" cy="0"/>
+          <a:chOff x="0" y="0"/>
+          <a:chExt cx="0" cy="0"/>
+        </a:xfrm>
+      </p:grpSpPr>
+      <p:sp>
+        <p:nvSpPr>
+          <p:cNvPr id="102" name="Google Shape;102;g276a0c73d5a_0_5:notes"/>
+          <p:cNvSpPr>
+            <a:spLocks noGrp="1" noRot="1" noChangeAspect="1"/>
+          </p:cNvSpPr>
+          <p:nvPr>
+            <p:ph type="sldImg" idx="2"/>
+          </p:nvPr>
+        </p:nvSpPr>
+        <p:spPr>
+          <a:xfrm>
+            <a:off x="381300" y="685800"/>
+            <a:ext cx="6096000" cy="3429000"/>
+          </a:xfrm>
+          <a:custGeom>
+            <a:avLst/>
+            <a:gdLst/>
+            <a:ahLst/>
+            <a:cxnLst/>
+            <a:rect l="l" t="t" r="r" b="b"/>
+            <a:pathLst>
+              <a:path w="120000" h="120000" extrusionOk="0">
+                <a:moveTo>
+                  <a:pt x="0" y="0"/>
+                </a:moveTo>
+                <a:lnTo>
+                  <a:pt x="120000" y="0"/>
+                </a:lnTo>
+                <a:lnTo>
+                  <a:pt x="120000" y="120000"/>
+                </a:lnTo>
+                <a:lnTo>
+                  <a:pt x="0" y="120000"/>
+                </a:lnTo>
+                <a:close/>
+              </a:path>
+            </a:pathLst>
+          </a:custGeom>
+        </p:spPr>
+      </p:sp>
+      <p:sp>
+        <p:nvSpPr>
+          <p:cNvPr id="103" name="Google Shape;103;g276a0c73d5a_0_5:notes"/>
+          <p:cNvSpPr txBox="1">
+            <a:spLocks noGrp="1"/>
+          </p:cNvSpPr>
+          <p:nvPr>
+            <p:ph type="body" idx="1"/>
+          </p:nvPr>
+        </p:nvSpPr>
+        <p:spPr>
+          <a:xfrm>
+            <a:off x="685800" y="4343400"/>
+            <a:ext cx="5486400" cy="4114800"/>
+          </a:xfrm>
+          <a:prstGeom prst="rect">
+            <a:avLst/>
+          </a:prstGeom>
+        </p:spPr>
+        <p:txBody>
+          <a:bodyPr spcFirstLastPara="1" wrap="square" lIns="91425" tIns="91425" rIns="91425" bIns="91425" anchor="t" anchorCtr="0">
+            <a:noAutofit/>
+          </a:bodyPr>
+          <a:lstStyle/>
+          <a:p>
+            <a:pPr marL="0" lvl="0" indent="0" algn="l" rtl="0">
+              <a:spcBef>
+                <a:spcPts val="0"/>
+              </a:spcBef>
+              <a:spcAft>
+                <a:spcPts val="0"/>
+              </a:spcAft>
+              <a:buNone/>
+            </a:pPr>
+            <a:endParaRPr/>
+          </a:p>
+        </p:txBody>
+      </p:sp>
+    </p:spTree>
+  </p:cSld>
+  <p:clrMapOvr>
+    <a:masterClrMapping/>
+  </p:clrMapOvr>
+</p:notes>
+</file>
+
+<file path=ppt/notesSlides/notesSlide11.xml><?xml version="1.0" encoding="utf-8"?>
+<p:notes xmlns:a="http://schemas.openxmlformats.org/drawingml/2006/main" xmlns:r="http://schemas.openxmlformats.org/officeDocument/2006/relationships" xmlns:p="http://schemas.openxmlformats.org/presentationml/2006/main" showMasterSp="0" showMasterPhAnim="0">
+  <p:cSld>
+    <p:spTree>
+      <p:nvGrpSpPr>
+        <p:cNvPr id="1" name="Shape 108"/>
         <p:cNvGrpSpPr/>
         <p:nvPr/>
       </p:nvGrpSpPr>
@@ -817,9 +942,11 @@
       <p:sp>
         <p:nvSpPr>
           <p:cNvPr id="109" name="Google Shape;109;g276a0c73d5a_0_10:notes"/>
-          <p:cNvSpPr/>
+          <p:cNvSpPr>
+            <a:spLocks noGrp="1" noRot="1" noChangeAspect="1"/>
+          </p:cNvSpPr>
           <p:nvPr>
-            <p:ph idx="2" type="sldImg"/>
+            <p:ph type="sldImg" idx="2"/>
           </p:nvPr>
         </p:nvSpPr>
         <p:spPr>
@@ -828,9 +955,13 @@
             <a:ext cx="6096000" cy="3429000"/>
           </a:xfrm>
           <a:custGeom>
-            <a:rect b="b" l="l" r="r" t="t"/>
+            <a:avLst/>
+            <a:gdLst/>
+            <a:ahLst/>
+            <a:cxnLst/>
+            <a:rect l="l" t="t" r="r" b="b"/>
             <a:pathLst>
-              <a:path extrusionOk="0" h="120000" w="120000">
+              <a:path w="120000" h="120000" extrusionOk="0">
                 <a:moveTo>
                   <a:pt x="0" y="0"/>
                 </a:moveTo>
@@ -852,9 +983,11 @@
       <p:sp>
         <p:nvSpPr>
           <p:cNvPr id="110" name="Google Shape;110;g276a0c73d5a_0_10:notes"/>
-          <p:cNvSpPr txBox="1"/>
+          <p:cNvSpPr txBox="1">
+            <a:spLocks noGrp="1"/>
+          </p:cNvSpPr>
           <p:nvPr>
-            <p:ph idx="1" type="body"/>
+            <p:ph type="body" idx="1"/>
           </p:nvPr>
         </p:nvSpPr>
         <p:spPr>
@@ -867,23 +1000,20 @@
           </a:prstGeom>
         </p:spPr>
         <p:txBody>
-          <a:bodyPr anchorCtr="0" anchor="t" bIns="91425" lIns="91425" spcFirstLastPara="1" rIns="91425" wrap="square" tIns="91425">
+          <a:bodyPr spcFirstLastPara="1" wrap="square" lIns="91425" tIns="91425" rIns="91425" bIns="91425" anchor="t" anchorCtr="0">
             <a:noAutofit/>
           </a:bodyPr>
           <a:lstStyle/>
           <a:p>
-            <a:pPr indent="0" lvl="0" marL="0" rtl="0" algn="l">
-              <a:spcBef>
-                <a:spcPts val="0"/>
-              </a:spcBef>
-              <a:spcAft>
-                <a:spcPts val="0"/>
-              </a:spcAft>
-              <a:buNone/>
-            </a:pPr>
-            <a:r>
-              <a:t/>
-            </a:r>
+            <a:pPr marL="0" lvl="0" indent="0" algn="l" rtl="0">
+              <a:spcBef>
+                <a:spcPts val="0"/>
+              </a:spcBef>
+              <a:spcAft>
+                <a:spcPts val="0"/>
+              </a:spcAft>
+              <a:buNone/>
+            </a:pPr>
             <a:endParaRPr/>
           </a:p>
         </p:txBody>
@@ -896,12 +1026,12 @@
 </p:notes>
 </file>
 
-<file path=ppt/notesSlides/notesSlide11.xml><?xml version="1.0" encoding="utf-8"?>
-<p:notes xmlns:a="http://schemas.openxmlformats.org/drawingml/2006/main" xmlns:r="http://schemas.openxmlformats.org/officeDocument/2006/relationships" xmlns:mc="http://schemas.openxmlformats.org/markup-compatibility/2006" xmlns:mv="urn:schemas-microsoft-com:mac:vml" xmlns:p="http://schemas.openxmlformats.org/presentationml/2006/main" xmlns:c="http://schemas.openxmlformats.org/drawingml/2006/chart" xmlns:dgm="http://schemas.openxmlformats.org/drawingml/2006/diagram" xmlns:o="urn:schemas-microsoft-com:office:office" xmlns:v="urn:schemas-microsoft-com:vml" xmlns:pvml="urn:schemas-microsoft-com:office:powerpoint" xmlns:com="http://schemas.openxmlformats.org/drawingml/2006/compatibility" xmlns:p14="http://schemas.microsoft.com/office/powerpoint/2010/main" xmlns:p15="http://schemas.microsoft.com/office/powerpoint/2012/main" xmlns:ahyp="http://schemas.microsoft.com/office/drawing/2018/hyperlinkcolor" showMasterPhAnim="0" showMasterSp="0">
+<file path=ppt/notesSlides/notesSlide12.xml><?xml version="1.0" encoding="utf-8"?>
+<p:notes xmlns:a="http://schemas.openxmlformats.org/drawingml/2006/main" xmlns:r="http://schemas.openxmlformats.org/officeDocument/2006/relationships" xmlns:p="http://schemas.openxmlformats.org/presentationml/2006/main" showMasterSp="0" showMasterPhAnim="0">
   <p:cSld>
     <p:spTree>
       <p:nvGrpSpPr>
-        <p:cNvPr id="115" name="Shape 115"/>
+        <p:cNvPr id="1" name="Shape 115"/>
         <p:cNvGrpSpPr/>
         <p:nvPr/>
       </p:nvGrpSpPr>
@@ -916,9 +1046,11 @@
       <p:sp>
         <p:nvSpPr>
           <p:cNvPr id="116" name="Google Shape;116;g276d995db1b_0_7:notes"/>
-          <p:cNvSpPr/>
+          <p:cNvSpPr>
+            <a:spLocks noGrp="1" noRot="1" noChangeAspect="1"/>
+          </p:cNvSpPr>
           <p:nvPr>
-            <p:ph idx="2" type="sldImg"/>
+            <p:ph type="sldImg" idx="2"/>
           </p:nvPr>
         </p:nvSpPr>
         <p:spPr>
@@ -927,9 +1059,13 @@
             <a:ext cx="6096000" cy="3429000"/>
           </a:xfrm>
           <a:custGeom>
-            <a:rect b="b" l="l" r="r" t="t"/>
+            <a:avLst/>
+            <a:gdLst/>
+            <a:ahLst/>
+            <a:cxnLst/>
+            <a:rect l="l" t="t" r="r" b="b"/>
             <a:pathLst>
-              <a:path extrusionOk="0" h="120000" w="120000">
+              <a:path w="120000" h="120000" extrusionOk="0">
                 <a:moveTo>
                   <a:pt x="0" y="0"/>
                 </a:moveTo>
@@ -951,9 +1087,11 @@
       <p:sp>
         <p:nvSpPr>
           <p:cNvPr id="117" name="Google Shape;117;g276d995db1b_0_7:notes"/>
-          <p:cNvSpPr txBox="1"/>
+          <p:cNvSpPr txBox="1">
+            <a:spLocks noGrp="1"/>
+          </p:cNvSpPr>
           <p:nvPr>
-            <p:ph idx="1" type="body"/>
+            <p:ph type="body" idx="1"/>
           </p:nvPr>
         </p:nvSpPr>
         <p:spPr>
@@ -966,23 +1104,20 @@
           </a:prstGeom>
         </p:spPr>
         <p:txBody>
-          <a:bodyPr anchorCtr="0" anchor="t" bIns="91425" lIns="91425" spcFirstLastPara="1" rIns="91425" wrap="square" tIns="91425">
+          <a:bodyPr spcFirstLastPara="1" wrap="square" lIns="91425" tIns="91425" rIns="91425" bIns="91425" anchor="t" anchorCtr="0">
             <a:noAutofit/>
           </a:bodyPr>
           <a:lstStyle/>
           <a:p>
-            <a:pPr indent="0" lvl="0" marL="0" rtl="0" algn="l">
-              <a:spcBef>
-                <a:spcPts val="0"/>
-              </a:spcBef>
-              <a:spcAft>
-                <a:spcPts val="0"/>
-              </a:spcAft>
-              <a:buNone/>
-            </a:pPr>
-            <a:r>
-              <a:t/>
-            </a:r>
+            <a:pPr marL="0" lvl="0" indent="0" algn="l" rtl="0">
+              <a:spcBef>
+                <a:spcPts val="0"/>
+              </a:spcBef>
+              <a:spcAft>
+                <a:spcPts val="0"/>
+              </a:spcAft>
+              <a:buNone/>
+            </a:pPr>
             <a:endParaRPr/>
           </a:p>
         </p:txBody>
@@ -995,12 +1130,12 @@
 </p:notes>
 </file>
 
-<file path=ppt/notesSlides/notesSlide12.xml><?xml version="1.0" encoding="utf-8"?>
-<p:notes xmlns:a="http://schemas.openxmlformats.org/drawingml/2006/main" xmlns:r="http://schemas.openxmlformats.org/officeDocument/2006/relationships" xmlns:mc="http://schemas.openxmlformats.org/markup-compatibility/2006" xmlns:mv="urn:schemas-microsoft-com:mac:vml" xmlns:p="http://schemas.openxmlformats.org/presentationml/2006/main" xmlns:c="http://schemas.openxmlformats.org/drawingml/2006/chart" xmlns:dgm="http://schemas.openxmlformats.org/drawingml/2006/diagram" xmlns:o="urn:schemas-microsoft-com:office:office" xmlns:v="urn:schemas-microsoft-com:vml" xmlns:pvml="urn:schemas-microsoft-com:office:powerpoint" xmlns:com="http://schemas.openxmlformats.org/drawingml/2006/compatibility" xmlns:p14="http://schemas.microsoft.com/office/powerpoint/2010/main" xmlns:p15="http://schemas.microsoft.com/office/powerpoint/2012/main" xmlns:ahyp="http://schemas.microsoft.com/office/drawing/2018/hyperlinkcolor" showMasterPhAnim="0" showMasterSp="0">
+<file path=ppt/notesSlides/notesSlide13.xml><?xml version="1.0" encoding="utf-8"?>
+<p:notes xmlns:a="http://schemas.openxmlformats.org/drawingml/2006/main" xmlns:r="http://schemas.openxmlformats.org/officeDocument/2006/relationships" xmlns:p="http://schemas.openxmlformats.org/presentationml/2006/main" showMasterSp="0" showMasterPhAnim="0">
   <p:cSld>
     <p:spTree>
       <p:nvGrpSpPr>
-        <p:cNvPr id="121" name="Shape 121"/>
+        <p:cNvPr id="1" name="Shape 121"/>
         <p:cNvGrpSpPr/>
         <p:nvPr/>
       </p:nvGrpSpPr>
@@ -1015,9 +1150,11 @@
       <p:sp>
         <p:nvSpPr>
           <p:cNvPr id="122" name="Google Shape;122;g276d995db1b_0_2:notes"/>
-          <p:cNvSpPr/>
+          <p:cNvSpPr>
+            <a:spLocks noGrp="1" noRot="1" noChangeAspect="1"/>
+          </p:cNvSpPr>
           <p:nvPr>
-            <p:ph idx="2" type="sldImg"/>
+            <p:ph type="sldImg" idx="2"/>
           </p:nvPr>
         </p:nvSpPr>
         <p:spPr>
@@ -1026,9 +1163,13 @@
             <a:ext cx="6096000" cy="3429000"/>
           </a:xfrm>
           <a:custGeom>
-            <a:rect b="b" l="l" r="r" t="t"/>
+            <a:avLst/>
+            <a:gdLst/>
+            <a:ahLst/>
+            <a:cxnLst/>
+            <a:rect l="l" t="t" r="r" b="b"/>
             <a:pathLst>
-              <a:path extrusionOk="0" h="120000" w="120000">
+              <a:path w="120000" h="120000" extrusionOk="0">
                 <a:moveTo>
                   <a:pt x="0" y="0"/>
                 </a:moveTo>
@@ -1050,9 +1191,11 @@
       <p:sp>
         <p:nvSpPr>
           <p:cNvPr id="123" name="Google Shape;123;g276d995db1b_0_2:notes"/>
-          <p:cNvSpPr txBox="1"/>
+          <p:cNvSpPr txBox="1">
+            <a:spLocks noGrp="1"/>
+          </p:cNvSpPr>
           <p:nvPr>
-            <p:ph idx="1" type="body"/>
+            <p:ph type="body" idx="1"/>
           </p:nvPr>
         </p:nvSpPr>
         <p:spPr>
@@ -1065,23 +1208,20 @@
           </a:prstGeom>
         </p:spPr>
         <p:txBody>
-          <a:bodyPr anchorCtr="0" anchor="t" bIns="91425" lIns="91425" spcFirstLastPara="1" rIns="91425" wrap="square" tIns="91425">
+          <a:bodyPr spcFirstLastPara="1" wrap="square" lIns="91425" tIns="91425" rIns="91425" bIns="91425" anchor="t" anchorCtr="0">
             <a:noAutofit/>
           </a:bodyPr>
           <a:lstStyle/>
           <a:p>
-            <a:pPr indent="0" lvl="0" marL="0" rtl="0" algn="l">
-              <a:spcBef>
-                <a:spcPts val="0"/>
-              </a:spcBef>
-              <a:spcAft>
-                <a:spcPts val="0"/>
-              </a:spcAft>
-              <a:buNone/>
-            </a:pPr>
-            <a:r>
-              <a:t/>
-            </a:r>
+            <a:pPr marL="0" lvl="0" indent="0" algn="l" rtl="0">
+              <a:spcBef>
+                <a:spcPts val="0"/>
+              </a:spcBef>
+              <a:spcAft>
+                <a:spcPts val="0"/>
+              </a:spcAft>
+              <a:buNone/>
+            </a:pPr>
             <a:endParaRPr/>
           </a:p>
         </p:txBody>
@@ -1094,12 +1234,12 @@
 </p:notes>
 </file>
 
-<file path=ppt/notesSlides/notesSlide13.xml><?xml version="1.0" encoding="utf-8"?>
-<p:notes xmlns:a="http://schemas.openxmlformats.org/drawingml/2006/main" xmlns:r="http://schemas.openxmlformats.org/officeDocument/2006/relationships" xmlns:mc="http://schemas.openxmlformats.org/markup-compatibility/2006" xmlns:mv="urn:schemas-microsoft-com:mac:vml" xmlns:p="http://schemas.openxmlformats.org/presentationml/2006/main" xmlns:c="http://schemas.openxmlformats.org/drawingml/2006/chart" xmlns:dgm="http://schemas.openxmlformats.org/drawingml/2006/diagram" xmlns:o="urn:schemas-microsoft-com:office:office" xmlns:v="urn:schemas-microsoft-com:vml" xmlns:pvml="urn:schemas-microsoft-com:office:powerpoint" xmlns:com="http://schemas.openxmlformats.org/drawingml/2006/compatibility" xmlns:p14="http://schemas.microsoft.com/office/powerpoint/2010/main" xmlns:p15="http://schemas.microsoft.com/office/powerpoint/2012/main" xmlns:ahyp="http://schemas.microsoft.com/office/drawing/2018/hyperlinkcolor" showMasterPhAnim="0" showMasterSp="0">
+<file path=ppt/notesSlides/notesSlide14.xml><?xml version="1.0" encoding="utf-8"?>
+<p:notes xmlns:a="http://schemas.openxmlformats.org/drawingml/2006/main" xmlns:r="http://schemas.openxmlformats.org/officeDocument/2006/relationships" xmlns:p="http://schemas.openxmlformats.org/presentationml/2006/main" showMasterSp="0" showMasterPhAnim="0">
   <p:cSld>
     <p:spTree>
       <p:nvGrpSpPr>
-        <p:cNvPr id="127" name="Shape 127"/>
+        <p:cNvPr id="1" name="Shape 127"/>
         <p:cNvGrpSpPr/>
         <p:nvPr/>
       </p:nvGrpSpPr>
@@ -1114,9 +1254,11 @@
       <p:sp>
         <p:nvSpPr>
           <p:cNvPr id="128" name="Google Shape;128;g2eab877c84b_0_5:notes"/>
-          <p:cNvSpPr/>
+          <p:cNvSpPr>
+            <a:spLocks noGrp="1" noRot="1" noChangeAspect="1"/>
+          </p:cNvSpPr>
           <p:nvPr>
-            <p:ph idx="2" type="sldImg"/>
+            <p:ph type="sldImg" idx="2"/>
           </p:nvPr>
         </p:nvSpPr>
         <p:spPr>
@@ -1125,9 +1267,13 @@
             <a:ext cx="6096000" cy="3429000"/>
           </a:xfrm>
           <a:custGeom>
-            <a:rect b="b" l="l" r="r" t="t"/>
+            <a:avLst/>
+            <a:gdLst/>
+            <a:ahLst/>
+            <a:cxnLst/>
+            <a:rect l="l" t="t" r="r" b="b"/>
             <a:pathLst>
-              <a:path extrusionOk="0" h="120000" w="120000">
+              <a:path w="120000" h="120000" extrusionOk="0">
                 <a:moveTo>
                   <a:pt x="0" y="0"/>
                 </a:moveTo>
@@ -1149,9 +1295,11 @@
       <p:sp>
         <p:nvSpPr>
           <p:cNvPr id="129" name="Google Shape;129;g2eab877c84b_0_5:notes"/>
-          <p:cNvSpPr txBox="1"/>
+          <p:cNvSpPr txBox="1">
+            <a:spLocks noGrp="1"/>
+          </p:cNvSpPr>
           <p:nvPr>
-            <p:ph idx="1" type="body"/>
+            <p:ph type="body" idx="1"/>
           </p:nvPr>
         </p:nvSpPr>
         <p:spPr>
@@ -1164,23 +1312,20 @@
           </a:prstGeom>
         </p:spPr>
         <p:txBody>
-          <a:bodyPr anchorCtr="0" anchor="t" bIns="91425" lIns="91425" spcFirstLastPara="1" rIns="91425" wrap="square" tIns="91425">
+          <a:bodyPr spcFirstLastPara="1" wrap="square" lIns="91425" tIns="91425" rIns="91425" bIns="91425" anchor="t" anchorCtr="0">
             <a:noAutofit/>
           </a:bodyPr>
           <a:lstStyle/>
           <a:p>
-            <a:pPr indent="0" lvl="0" marL="0" rtl="0" algn="l">
-              <a:spcBef>
-                <a:spcPts val="0"/>
-              </a:spcBef>
-              <a:spcAft>
-                <a:spcPts val="0"/>
-              </a:spcAft>
-              <a:buNone/>
-            </a:pPr>
-            <a:r>
-              <a:t/>
-            </a:r>
+            <a:pPr marL="0" lvl="0" indent="0" algn="l" rtl="0">
+              <a:spcBef>
+                <a:spcPts val="0"/>
+              </a:spcBef>
+              <a:spcAft>
+                <a:spcPts val="0"/>
+              </a:spcAft>
+              <a:buNone/>
+            </a:pPr>
             <a:endParaRPr/>
           </a:p>
         </p:txBody>
@@ -1194,11 +1339,11 @@
 </file>
 
 <file path=ppt/notesSlides/notesSlide2.xml><?xml version="1.0" encoding="utf-8"?>
-<p:notes xmlns:a="http://schemas.openxmlformats.org/drawingml/2006/main" xmlns:r="http://schemas.openxmlformats.org/officeDocument/2006/relationships" xmlns:mc="http://schemas.openxmlformats.org/markup-compatibility/2006" xmlns:mv="urn:schemas-microsoft-com:mac:vml" xmlns:p="http://schemas.openxmlformats.org/presentationml/2006/main" xmlns:c="http://schemas.openxmlformats.org/drawingml/2006/chart" xmlns:dgm="http://schemas.openxmlformats.org/drawingml/2006/diagram" xmlns:o="urn:schemas-microsoft-com:office:office" xmlns:v="urn:schemas-microsoft-com:vml" xmlns:pvml="urn:schemas-microsoft-com:office:powerpoint" xmlns:com="http://schemas.openxmlformats.org/drawingml/2006/compatibility" xmlns:p14="http://schemas.microsoft.com/office/powerpoint/2010/main" xmlns:p15="http://schemas.microsoft.com/office/powerpoint/2012/main" xmlns:ahyp="http://schemas.microsoft.com/office/drawing/2018/hyperlinkcolor" showMasterPhAnim="0" showMasterSp="0">
+<p:notes xmlns:a="http://schemas.openxmlformats.org/drawingml/2006/main" xmlns:r="http://schemas.openxmlformats.org/officeDocument/2006/relationships" xmlns:p="http://schemas.openxmlformats.org/presentationml/2006/main" showMasterSp="0" showMasterPhAnim="0">
   <p:cSld>
     <p:spTree>
       <p:nvGrpSpPr>
-        <p:cNvPr id="55" name="Shape 55"/>
+        <p:cNvPr id="1" name="Shape 55"/>
         <p:cNvGrpSpPr/>
         <p:nvPr/>
       </p:nvGrpSpPr>
@@ -1213,20 +1358,26 @@
       <p:sp>
         <p:nvSpPr>
           <p:cNvPr id="56" name="Google Shape;56;g4fcefcf603617283_5:notes"/>
-          <p:cNvSpPr/>
+          <p:cNvSpPr>
+            <a:spLocks noGrp="1" noRot="1" noChangeAspect="1"/>
+          </p:cNvSpPr>
           <p:nvPr>
-            <p:ph idx="2" type="sldImg"/>
+            <p:ph type="sldImg" idx="2"/>
           </p:nvPr>
         </p:nvSpPr>
         <p:spPr>
           <a:xfrm>
-            <a:off x="381300" y="685800"/>
+            <a:off x="381000" y="685800"/>
             <a:ext cx="6096000" cy="3429000"/>
           </a:xfrm>
           <a:custGeom>
-            <a:rect b="b" l="l" r="r" t="t"/>
+            <a:avLst/>
+            <a:gdLst/>
+            <a:ahLst/>
+            <a:cxnLst/>
+            <a:rect l="l" t="t" r="r" b="b"/>
             <a:pathLst>
-              <a:path extrusionOk="0" h="120000" w="120000">
+              <a:path w="120000" h="120000" extrusionOk="0">
                 <a:moveTo>
                   <a:pt x="0" y="0"/>
                 </a:moveTo>
@@ -1248,9 +1399,11 @@
       <p:sp>
         <p:nvSpPr>
           <p:cNvPr id="57" name="Google Shape;57;g4fcefcf603617283_5:notes"/>
-          <p:cNvSpPr txBox="1"/>
+          <p:cNvSpPr txBox="1">
+            <a:spLocks noGrp="1"/>
+          </p:cNvSpPr>
           <p:nvPr>
-            <p:ph idx="1" type="body"/>
+            <p:ph type="body" idx="1"/>
           </p:nvPr>
         </p:nvSpPr>
         <p:spPr>
@@ -1263,23 +1416,20 @@
           </a:prstGeom>
         </p:spPr>
         <p:txBody>
-          <a:bodyPr anchorCtr="0" anchor="t" bIns="91425" lIns="91425" spcFirstLastPara="1" rIns="91425" wrap="square" tIns="91425">
+          <a:bodyPr spcFirstLastPara="1" wrap="square" lIns="91425" tIns="91425" rIns="91425" bIns="91425" anchor="t" anchorCtr="0">
             <a:noAutofit/>
           </a:bodyPr>
           <a:lstStyle/>
           <a:p>
-            <a:pPr indent="0" lvl="0" marL="0" rtl="0" algn="l">
-              <a:spcBef>
-                <a:spcPts val="0"/>
-              </a:spcBef>
-              <a:spcAft>
-                <a:spcPts val="0"/>
-              </a:spcAft>
-              <a:buNone/>
-            </a:pPr>
-            <a:r>
-              <a:t/>
-            </a:r>
+            <a:pPr marL="0" lvl="0" indent="0" algn="l" rtl="0">
+              <a:spcBef>
+                <a:spcPts val="0"/>
+              </a:spcBef>
+              <a:spcAft>
+                <a:spcPts val="0"/>
+              </a:spcAft>
+              <a:buNone/>
+            </a:pPr>
             <a:endParaRPr/>
           </a:p>
         </p:txBody>
@@ -1293,11 +1443,11 @@
 </file>
 
 <file path=ppt/notesSlides/notesSlide3.xml><?xml version="1.0" encoding="utf-8"?>
-<p:notes xmlns:a="http://schemas.openxmlformats.org/drawingml/2006/main" xmlns:r="http://schemas.openxmlformats.org/officeDocument/2006/relationships" xmlns:mc="http://schemas.openxmlformats.org/markup-compatibility/2006" xmlns:mv="urn:schemas-microsoft-com:mac:vml" xmlns:p="http://schemas.openxmlformats.org/presentationml/2006/main" xmlns:c="http://schemas.openxmlformats.org/drawingml/2006/chart" xmlns:dgm="http://schemas.openxmlformats.org/drawingml/2006/diagram" xmlns:o="urn:schemas-microsoft-com:office:office" xmlns:v="urn:schemas-microsoft-com:vml" xmlns:pvml="urn:schemas-microsoft-com:office:powerpoint" xmlns:com="http://schemas.openxmlformats.org/drawingml/2006/compatibility" xmlns:p14="http://schemas.microsoft.com/office/powerpoint/2010/main" xmlns:p15="http://schemas.microsoft.com/office/powerpoint/2012/main" xmlns:ahyp="http://schemas.microsoft.com/office/drawing/2018/hyperlinkcolor" showMasterPhAnim="0" showMasterSp="0">
+<p:notes xmlns:a="http://schemas.openxmlformats.org/drawingml/2006/main" xmlns:r="http://schemas.openxmlformats.org/officeDocument/2006/relationships" xmlns:p="http://schemas.openxmlformats.org/presentationml/2006/main" showMasterSp="0" showMasterPhAnim="0">
   <p:cSld>
     <p:spTree>
       <p:nvGrpSpPr>
-        <p:cNvPr id="61" name="Shape 61"/>
+        <p:cNvPr id="1" name="Shape 61"/>
         <p:cNvGrpSpPr/>
         <p:nvPr/>
       </p:nvGrpSpPr>
@@ -1312,20 +1462,26 @@
       <p:sp>
         <p:nvSpPr>
           <p:cNvPr id="62" name="Google Shape;62;g276e6d67bee_0_0:notes"/>
-          <p:cNvSpPr/>
+          <p:cNvSpPr>
+            <a:spLocks noGrp="1" noRot="1" noChangeAspect="1"/>
+          </p:cNvSpPr>
           <p:nvPr>
-            <p:ph idx="2" type="sldImg"/>
+            <p:ph type="sldImg" idx="2"/>
           </p:nvPr>
         </p:nvSpPr>
         <p:spPr>
           <a:xfrm>
-            <a:off x="381300" y="685800"/>
+            <a:off x="381000" y="685800"/>
             <a:ext cx="6096000" cy="3429000"/>
           </a:xfrm>
           <a:custGeom>
-            <a:rect b="b" l="l" r="r" t="t"/>
+            <a:avLst/>
+            <a:gdLst/>
+            <a:ahLst/>
+            <a:cxnLst/>
+            <a:rect l="l" t="t" r="r" b="b"/>
             <a:pathLst>
-              <a:path extrusionOk="0" h="120000" w="120000">
+              <a:path w="120000" h="120000" extrusionOk="0">
                 <a:moveTo>
                   <a:pt x="0" y="0"/>
                 </a:moveTo>
@@ -1347,9 +1503,11 @@
       <p:sp>
         <p:nvSpPr>
           <p:cNvPr id="63" name="Google Shape;63;g276e6d67bee_0_0:notes"/>
-          <p:cNvSpPr txBox="1"/>
+          <p:cNvSpPr txBox="1">
+            <a:spLocks noGrp="1"/>
+          </p:cNvSpPr>
           <p:nvPr>
-            <p:ph idx="1" type="body"/>
+            <p:ph type="body" idx="1"/>
           </p:nvPr>
         </p:nvSpPr>
         <p:spPr>
@@ -1362,23 +1520,20 @@
           </a:prstGeom>
         </p:spPr>
         <p:txBody>
-          <a:bodyPr anchorCtr="0" anchor="t" bIns="91425" lIns="91425" spcFirstLastPara="1" rIns="91425" wrap="square" tIns="91425">
+          <a:bodyPr spcFirstLastPara="1" wrap="square" lIns="91425" tIns="91425" rIns="91425" bIns="91425" anchor="t" anchorCtr="0">
             <a:noAutofit/>
           </a:bodyPr>
           <a:lstStyle/>
           <a:p>
-            <a:pPr indent="0" lvl="0" marL="0" rtl="0" algn="l">
-              <a:spcBef>
-                <a:spcPts val="0"/>
-              </a:spcBef>
-              <a:spcAft>
-                <a:spcPts val="0"/>
-              </a:spcAft>
-              <a:buNone/>
-            </a:pPr>
-            <a:r>
-              <a:t/>
-            </a:r>
+            <a:pPr marL="0" lvl="0" indent="0" algn="l" rtl="0">
+              <a:spcBef>
+                <a:spcPts val="0"/>
+              </a:spcBef>
+              <a:spcAft>
+                <a:spcPts val="0"/>
+              </a:spcAft>
+              <a:buNone/>
+            </a:pPr>
             <a:endParaRPr/>
           </a:p>
         </p:txBody>
@@ -1392,11 +1547,11 @@
 </file>
 
 <file path=ppt/notesSlides/notesSlide4.xml><?xml version="1.0" encoding="utf-8"?>
-<p:notes xmlns:a="http://schemas.openxmlformats.org/drawingml/2006/main" xmlns:r="http://schemas.openxmlformats.org/officeDocument/2006/relationships" xmlns:mc="http://schemas.openxmlformats.org/markup-compatibility/2006" xmlns:mv="urn:schemas-microsoft-com:mac:vml" xmlns:p="http://schemas.openxmlformats.org/presentationml/2006/main" xmlns:c="http://schemas.openxmlformats.org/drawingml/2006/chart" xmlns:dgm="http://schemas.openxmlformats.org/drawingml/2006/diagram" xmlns:o="urn:schemas-microsoft-com:office:office" xmlns:v="urn:schemas-microsoft-com:vml" xmlns:pvml="urn:schemas-microsoft-com:office:powerpoint" xmlns:com="http://schemas.openxmlformats.org/drawingml/2006/compatibility" xmlns:p14="http://schemas.microsoft.com/office/powerpoint/2010/main" xmlns:p15="http://schemas.microsoft.com/office/powerpoint/2012/main" xmlns:ahyp="http://schemas.microsoft.com/office/drawing/2018/hyperlinkcolor" showMasterPhAnim="0" showMasterSp="0">
+<p:notes xmlns:a="http://schemas.openxmlformats.org/drawingml/2006/main" xmlns:r="http://schemas.openxmlformats.org/officeDocument/2006/relationships" xmlns:p="http://schemas.openxmlformats.org/presentationml/2006/main" showMasterSp="0" showMasterPhAnim="0">
   <p:cSld>
     <p:spTree>
       <p:nvGrpSpPr>
-        <p:cNvPr id="69" name="Shape 69"/>
+        <p:cNvPr id="1" name="Shape 69"/>
         <p:cNvGrpSpPr/>
         <p:nvPr/>
       </p:nvGrpSpPr>
@@ -1411,9 +1566,11 @@
       <p:sp>
         <p:nvSpPr>
           <p:cNvPr id="70" name="Google Shape;70;g276ee8b8be6_10_7:notes"/>
-          <p:cNvSpPr/>
+          <p:cNvSpPr>
+            <a:spLocks noGrp="1" noRot="1" noChangeAspect="1"/>
+          </p:cNvSpPr>
           <p:nvPr>
-            <p:ph idx="2" type="sldImg"/>
+            <p:ph type="sldImg" idx="2"/>
           </p:nvPr>
         </p:nvSpPr>
         <p:spPr>
@@ -1422,9 +1579,13 @@
             <a:ext cx="6096000" cy="3429000"/>
           </a:xfrm>
           <a:custGeom>
-            <a:rect b="b" l="l" r="r" t="t"/>
+            <a:avLst/>
+            <a:gdLst/>
+            <a:ahLst/>
+            <a:cxnLst/>
+            <a:rect l="l" t="t" r="r" b="b"/>
             <a:pathLst>
-              <a:path extrusionOk="0" h="120000" w="120000">
+              <a:path w="120000" h="120000" extrusionOk="0">
                 <a:moveTo>
                   <a:pt x="0" y="0"/>
                 </a:moveTo>
@@ -1446,9 +1607,11 @@
       <p:sp>
         <p:nvSpPr>
           <p:cNvPr id="71" name="Google Shape;71;g276ee8b8be6_10_7:notes"/>
-          <p:cNvSpPr txBox="1"/>
+          <p:cNvSpPr txBox="1">
+            <a:spLocks noGrp="1"/>
+          </p:cNvSpPr>
           <p:nvPr>
-            <p:ph idx="1" type="body"/>
+            <p:ph type="body" idx="1"/>
           </p:nvPr>
         </p:nvSpPr>
         <p:spPr>
@@ -1461,23 +1624,20 @@
           </a:prstGeom>
         </p:spPr>
         <p:txBody>
-          <a:bodyPr anchorCtr="0" anchor="t" bIns="91425" lIns="91425" spcFirstLastPara="1" rIns="91425" wrap="square" tIns="91425">
+          <a:bodyPr spcFirstLastPara="1" wrap="square" lIns="91425" tIns="91425" rIns="91425" bIns="91425" anchor="t" anchorCtr="0">
             <a:noAutofit/>
           </a:bodyPr>
           <a:lstStyle/>
           <a:p>
-            <a:pPr indent="0" lvl="0" marL="0" rtl="0" algn="l">
-              <a:spcBef>
-                <a:spcPts val="0"/>
-              </a:spcBef>
-              <a:spcAft>
-                <a:spcPts val="0"/>
-              </a:spcAft>
-              <a:buNone/>
-            </a:pPr>
-            <a:r>
-              <a:t/>
-            </a:r>
+            <a:pPr marL="0" lvl="0" indent="0" algn="l" rtl="0">
+              <a:spcBef>
+                <a:spcPts val="0"/>
+              </a:spcBef>
+              <a:spcAft>
+                <a:spcPts val="0"/>
+              </a:spcAft>
+              <a:buNone/>
+            </a:pPr>
             <a:endParaRPr/>
           </a:p>
         </p:txBody>
@@ -1491,11 +1651,11 @@
 </file>
 
 <file path=ppt/notesSlides/notesSlide5.xml><?xml version="1.0" encoding="utf-8"?>
-<p:notes xmlns:a="http://schemas.openxmlformats.org/drawingml/2006/main" xmlns:r="http://schemas.openxmlformats.org/officeDocument/2006/relationships" xmlns:mc="http://schemas.openxmlformats.org/markup-compatibility/2006" xmlns:mv="urn:schemas-microsoft-com:mac:vml" xmlns:p="http://schemas.openxmlformats.org/presentationml/2006/main" xmlns:c="http://schemas.openxmlformats.org/drawingml/2006/chart" xmlns:dgm="http://schemas.openxmlformats.org/drawingml/2006/diagram" xmlns:o="urn:schemas-microsoft-com:office:office" xmlns:v="urn:schemas-microsoft-com:vml" xmlns:pvml="urn:schemas-microsoft-com:office:powerpoint" xmlns:com="http://schemas.openxmlformats.org/drawingml/2006/compatibility" xmlns:p14="http://schemas.microsoft.com/office/powerpoint/2010/main" xmlns:p15="http://schemas.microsoft.com/office/powerpoint/2012/main" xmlns:ahyp="http://schemas.microsoft.com/office/drawing/2018/hyperlinkcolor" showMasterPhAnim="0" showMasterSp="0">
+<p:notes xmlns:a="http://schemas.openxmlformats.org/drawingml/2006/main" xmlns:r="http://schemas.openxmlformats.org/officeDocument/2006/relationships" xmlns:p="http://schemas.openxmlformats.org/presentationml/2006/main" showMasterSp="0" showMasterPhAnim="0">
   <p:cSld>
     <p:spTree>
       <p:nvGrpSpPr>
-        <p:cNvPr id="75" name="Shape 75"/>
+        <p:cNvPr id="1" name="Shape 75"/>
         <p:cNvGrpSpPr/>
         <p:nvPr/>
       </p:nvGrpSpPr>
@@ -1510,9 +1670,11 @@
       <p:sp>
         <p:nvSpPr>
           <p:cNvPr id="76" name="Google Shape;76;g276ee8b8be6_10_20:notes"/>
-          <p:cNvSpPr/>
+          <p:cNvSpPr>
+            <a:spLocks noGrp="1" noRot="1" noChangeAspect="1"/>
+          </p:cNvSpPr>
           <p:nvPr>
-            <p:ph idx="2" type="sldImg"/>
+            <p:ph type="sldImg" idx="2"/>
           </p:nvPr>
         </p:nvSpPr>
         <p:spPr>
@@ -1521,9 +1683,13 @@
             <a:ext cx="6096000" cy="3429000"/>
           </a:xfrm>
           <a:custGeom>
-            <a:rect b="b" l="l" r="r" t="t"/>
+            <a:avLst/>
+            <a:gdLst/>
+            <a:ahLst/>
+            <a:cxnLst/>
+            <a:rect l="l" t="t" r="r" b="b"/>
             <a:pathLst>
-              <a:path extrusionOk="0" h="120000" w="120000">
+              <a:path w="120000" h="120000" extrusionOk="0">
                 <a:moveTo>
                   <a:pt x="0" y="0"/>
                 </a:moveTo>
@@ -1545,9 +1711,11 @@
       <p:sp>
         <p:nvSpPr>
           <p:cNvPr id="77" name="Google Shape;77;g276ee8b8be6_10_20:notes"/>
-          <p:cNvSpPr txBox="1"/>
+          <p:cNvSpPr txBox="1">
+            <a:spLocks noGrp="1"/>
+          </p:cNvSpPr>
           <p:nvPr>
-            <p:ph idx="1" type="body"/>
+            <p:ph type="body" idx="1"/>
           </p:nvPr>
         </p:nvSpPr>
         <p:spPr>
@@ -1560,23 +1728,20 @@
           </a:prstGeom>
         </p:spPr>
         <p:txBody>
-          <a:bodyPr anchorCtr="0" anchor="t" bIns="91425" lIns="91425" spcFirstLastPara="1" rIns="91425" wrap="square" tIns="91425">
+          <a:bodyPr spcFirstLastPara="1" wrap="square" lIns="91425" tIns="91425" rIns="91425" bIns="91425" anchor="t" anchorCtr="0">
             <a:noAutofit/>
           </a:bodyPr>
           <a:lstStyle/>
           <a:p>
-            <a:pPr indent="0" lvl="0" marL="0" rtl="0" algn="l">
-              <a:spcBef>
-                <a:spcPts val="0"/>
-              </a:spcBef>
-              <a:spcAft>
-                <a:spcPts val="0"/>
-              </a:spcAft>
-              <a:buNone/>
-            </a:pPr>
-            <a:r>
-              <a:t/>
-            </a:r>
+            <a:pPr marL="0" lvl="0" indent="0" algn="l" rtl="0">
+              <a:spcBef>
+                <a:spcPts val="0"/>
+              </a:spcBef>
+              <a:spcAft>
+                <a:spcPts val="0"/>
+              </a:spcAft>
+              <a:buNone/>
+            </a:pPr>
             <a:endParaRPr/>
           </a:p>
         </p:txBody>
@@ -1590,11 +1755,138 @@
 </file>
 
 <file path=ppt/notesSlides/notesSlide6.xml><?xml version="1.0" encoding="utf-8"?>
-<p:notes xmlns:a="http://schemas.openxmlformats.org/drawingml/2006/main" xmlns:r="http://schemas.openxmlformats.org/officeDocument/2006/relationships" xmlns:mc="http://schemas.openxmlformats.org/markup-compatibility/2006" xmlns:mv="urn:schemas-microsoft-com:mac:vml" xmlns:p="http://schemas.openxmlformats.org/presentationml/2006/main" xmlns:c="http://schemas.openxmlformats.org/drawingml/2006/chart" xmlns:dgm="http://schemas.openxmlformats.org/drawingml/2006/diagram" xmlns:o="urn:schemas-microsoft-com:office:office" xmlns:v="urn:schemas-microsoft-com:vml" xmlns:pvml="urn:schemas-microsoft-com:office:powerpoint" xmlns:com="http://schemas.openxmlformats.org/drawingml/2006/compatibility" xmlns:p14="http://schemas.microsoft.com/office/powerpoint/2010/main" xmlns:p15="http://schemas.microsoft.com/office/powerpoint/2012/main" xmlns:ahyp="http://schemas.microsoft.com/office/drawing/2018/hyperlinkcolor" showMasterPhAnim="0" showMasterSp="0">
+<p:notes xmlns:a="http://schemas.openxmlformats.org/drawingml/2006/main" xmlns:r="http://schemas.openxmlformats.org/officeDocument/2006/relationships" xmlns:p="http://schemas.openxmlformats.org/presentationml/2006/main" showMasterSp="0" showMasterPhAnim="0">
   <p:cSld>
     <p:spTree>
       <p:nvGrpSpPr>
-        <p:cNvPr id="81" name="Shape 81"/>
+        <p:cNvPr id="1" name="Shape 75">
+          <a:extLst>
+            <a:ext uri="{FF2B5EF4-FFF2-40B4-BE49-F238E27FC236}">
+              <a16:creationId xmlns:a16="http://schemas.microsoft.com/office/drawing/2014/main" id="{4BC08E82-D881-4726-ED4F-8CB3F006CEDB}"/>
+            </a:ext>
+          </a:extLst>
+        </p:cNvPr>
+        <p:cNvGrpSpPr/>
+        <p:nvPr/>
+      </p:nvGrpSpPr>
+      <p:grpSpPr>
+        <a:xfrm>
+          <a:off x="0" y="0"/>
+          <a:ext cx="0" cy="0"/>
+          <a:chOff x="0" y="0"/>
+          <a:chExt cx="0" cy="0"/>
+        </a:xfrm>
+      </p:grpSpPr>
+      <p:sp>
+        <p:nvSpPr>
+          <p:cNvPr id="76" name="Google Shape;76;g276ee8b8be6_10_20:notes">
+            <a:extLst>
+              <a:ext uri="{FF2B5EF4-FFF2-40B4-BE49-F238E27FC236}">
+                <a16:creationId xmlns:a16="http://schemas.microsoft.com/office/drawing/2014/main" id="{13704090-25B9-8925-CB21-6AC984559B1C}"/>
+              </a:ext>
+            </a:extLst>
+          </p:cNvPr>
+          <p:cNvSpPr>
+            <a:spLocks noGrp="1" noRot="1" noChangeAspect="1"/>
+          </p:cNvSpPr>
+          <p:nvPr>
+            <p:ph type="sldImg" idx="2"/>
+          </p:nvPr>
+        </p:nvSpPr>
+        <p:spPr>
+          <a:xfrm>
+            <a:off x="381000" y="685800"/>
+            <a:ext cx="6096000" cy="3429000"/>
+          </a:xfrm>
+          <a:custGeom>
+            <a:avLst/>
+            <a:gdLst/>
+            <a:ahLst/>
+            <a:cxnLst/>
+            <a:rect l="l" t="t" r="r" b="b"/>
+            <a:pathLst>
+              <a:path w="120000" h="120000" extrusionOk="0">
+                <a:moveTo>
+                  <a:pt x="0" y="0"/>
+                </a:moveTo>
+                <a:lnTo>
+                  <a:pt x="120000" y="0"/>
+                </a:lnTo>
+                <a:lnTo>
+                  <a:pt x="120000" y="120000"/>
+                </a:lnTo>
+                <a:lnTo>
+                  <a:pt x="0" y="120000"/>
+                </a:lnTo>
+                <a:close/>
+              </a:path>
+            </a:pathLst>
+          </a:custGeom>
+        </p:spPr>
+      </p:sp>
+      <p:sp>
+        <p:nvSpPr>
+          <p:cNvPr id="77" name="Google Shape;77;g276ee8b8be6_10_20:notes">
+            <a:extLst>
+              <a:ext uri="{FF2B5EF4-FFF2-40B4-BE49-F238E27FC236}">
+                <a16:creationId xmlns:a16="http://schemas.microsoft.com/office/drawing/2014/main" id="{F7D9F805-8407-4C80-09D0-845B5E35580C}"/>
+              </a:ext>
+            </a:extLst>
+          </p:cNvPr>
+          <p:cNvSpPr txBox="1">
+            <a:spLocks noGrp="1"/>
+          </p:cNvSpPr>
+          <p:nvPr>
+            <p:ph type="body" idx="1"/>
+          </p:nvPr>
+        </p:nvSpPr>
+        <p:spPr>
+          <a:xfrm>
+            <a:off x="685800" y="4343400"/>
+            <a:ext cx="5486400" cy="4114800"/>
+          </a:xfrm>
+          <a:prstGeom prst="rect">
+            <a:avLst/>
+          </a:prstGeom>
+        </p:spPr>
+        <p:txBody>
+          <a:bodyPr spcFirstLastPara="1" wrap="square" lIns="91425" tIns="91425" rIns="91425" bIns="91425" anchor="t" anchorCtr="0">
+            <a:noAutofit/>
+          </a:bodyPr>
+          <a:lstStyle/>
+          <a:p>
+            <a:pPr marL="0" lvl="0" indent="0" algn="l" rtl="0">
+              <a:spcBef>
+                <a:spcPts val="0"/>
+              </a:spcBef>
+              <a:spcAft>
+                <a:spcPts val="0"/>
+              </a:spcAft>
+              <a:buNone/>
+            </a:pPr>
+            <a:endParaRPr/>
+          </a:p>
+        </p:txBody>
+      </p:sp>
+    </p:spTree>
+    <p:extLst>
+      <p:ext uri="{BB962C8B-B14F-4D97-AF65-F5344CB8AC3E}">
+        <p14:creationId xmlns:p14="http://schemas.microsoft.com/office/powerpoint/2010/main" val="4248927370"/>
+      </p:ext>
+    </p:extLst>
+  </p:cSld>
+  <p:clrMapOvr>
+    <a:masterClrMapping/>
+  </p:clrMapOvr>
+</p:notes>
+</file>
+
+<file path=ppt/notesSlides/notesSlide7.xml><?xml version="1.0" encoding="utf-8"?>
+<p:notes xmlns:a="http://schemas.openxmlformats.org/drawingml/2006/main" xmlns:r="http://schemas.openxmlformats.org/officeDocument/2006/relationships" xmlns:p="http://schemas.openxmlformats.org/presentationml/2006/main" showMasterSp="0" showMasterPhAnim="0">
+  <p:cSld>
+    <p:spTree>
+      <p:nvGrpSpPr>
+        <p:cNvPr id="1" name="Shape 81"/>
         <p:cNvGrpSpPr/>
         <p:nvPr/>
       </p:nvGrpSpPr>
@@ -1609,20 +1901,26 @@
       <p:sp>
         <p:nvSpPr>
           <p:cNvPr id="82" name="Google Shape;82;g276a0c73d5a_0_0:notes"/>
-          <p:cNvSpPr/>
+          <p:cNvSpPr>
+            <a:spLocks noGrp="1" noRot="1" noChangeAspect="1"/>
+          </p:cNvSpPr>
           <p:nvPr>
-            <p:ph idx="2" type="sldImg"/>
+            <p:ph type="sldImg" idx="2"/>
           </p:nvPr>
         </p:nvSpPr>
         <p:spPr>
           <a:xfrm>
-            <a:off x="381300" y="685800"/>
+            <a:off x="381000" y="685800"/>
             <a:ext cx="6096000" cy="3429000"/>
           </a:xfrm>
           <a:custGeom>
-            <a:rect b="b" l="l" r="r" t="t"/>
+            <a:avLst/>
+            <a:gdLst/>
+            <a:ahLst/>
+            <a:cxnLst/>
+            <a:rect l="l" t="t" r="r" b="b"/>
             <a:pathLst>
-              <a:path extrusionOk="0" h="120000" w="120000">
+              <a:path w="120000" h="120000" extrusionOk="0">
                 <a:moveTo>
                   <a:pt x="0" y="0"/>
                 </a:moveTo>
@@ -1644,9 +1942,11 @@
       <p:sp>
         <p:nvSpPr>
           <p:cNvPr id="83" name="Google Shape;83;g276a0c73d5a_0_0:notes"/>
-          <p:cNvSpPr txBox="1"/>
+          <p:cNvSpPr txBox="1">
+            <a:spLocks noGrp="1"/>
+          </p:cNvSpPr>
           <p:nvPr>
-            <p:ph idx="1" type="body"/>
+            <p:ph type="body" idx="1"/>
           </p:nvPr>
         </p:nvSpPr>
         <p:spPr>
@@ -1659,23 +1959,20 @@
           </a:prstGeom>
         </p:spPr>
         <p:txBody>
-          <a:bodyPr anchorCtr="0" anchor="t" bIns="91425" lIns="91425" spcFirstLastPara="1" rIns="91425" wrap="square" tIns="91425">
+          <a:bodyPr spcFirstLastPara="1" wrap="square" lIns="91425" tIns="91425" rIns="91425" bIns="91425" anchor="t" anchorCtr="0">
             <a:noAutofit/>
           </a:bodyPr>
           <a:lstStyle/>
           <a:p>
-            <a:pPr indent="0" lvl="0" marL="0" rtl="0" algn="l">
-              <a:spcBef>
-                <a:spcPts val="0"/>
-              </a:spcBef>
-              <a:spcAft>
-                <a:spcPts val="0"/>
-              </a:spcAft>
-              <a:buNone/>
-            </a:pPr>
-            <a:r>
-              <a:t/>
-            </a:r>
+            <a:pPr marL="0" lvl="0" indent="0" algn="l" rtl="0">
+              <a:spcBef>
+                <a:spcPts val="0"/>
+              </a:spcBef>
+              <a:spcAft>
+                <a:spcPts val="0"/>
+              </a:spcAft>
+              <a:buNone/>
+            </a:pPr>
             <a:endParaRPr/>
           </a:p>
         </p:txBody>
@@ -1688,12 +1985,12 @@
 </p:notes>
 </file>
 
-<file path=ppt/notesSlides/notesSlide7.xml><?xml version="1.0" encoding="utf-8"?>
-<p:notes xmlns:a="http://schemas.openxmlformats.org/drawingml/2006/main" xmlns:r="http://schemas.openxmlformats.org/officeDocument/2006/relationships" xmlns:mc="http://schemas.openxmlformats.org/markup-compatibility/2006" xmlns:mv="urn:schemas-microsoft-com:mac:vml" xmlns:p="http://schemas.openxmlformats.org/presentationml/2006/main" xmlns:c="http://schemas.openxmlformats.org/drawingml/2006/chart" xmlns:dgm="http://schemas.openxmlformats.org/drawingml/2006/diagram" xmlns:o="urn:schemas-microsoft-com:office:office" xmlns:v="urn:schemas-microsoft-com:vml" xmlns:pvml="urn:schemas-microsoft-com:office:powerpoint" xmlns:com="http://schemas.openxmlformats.org/drawingml/2006/compatibility" xmlns:p14="http://schemas.microsoft.com/office/powerpoint/2010/main" xmlns:p15="http://schemas.microsoft.com/office/powerpoint/2012/main" xmlns:ahyp="http://schemas.microsoft.com/office/drawing/2018/hyperlinkcolor" showMasterPhAnim="0" showMasterSp="0">
+<file path=ppt/notesSlides/notesSlide8.xml><?xml version="1.0" encoding="utf-8"?>
+<p:notes xmlns:a="http://schemas.openxmlformats.org/drawingml/2006/main" xmlns:r="http://schemas.openxmlformats.org/officeDocument/2006/relationships" xmlns:p="http://schemas.openxmlformats.org/presentationml/2006/main" showMasterSp="0" showMasterPhAnim="0">
   <p:cSld>
     <p:spTree>
       <p:nvGrpSpPr>
-        <p:cNvPr id="88" name="Shape 88"/>
+        <p:cNvPr id="1" name="Shape 88"/>
         <p:cNvGrpSpPr/>
         <p:nvPr/>
       </p:nvGrpSpPr>
@@ -1708,20 +2005,26 @@
       <p:sp>
         <p:nvSpPr>
           <p:cNvPr id="89" name="Google Shape;89;g2eab877c84b_0_0:notes"/>
-          <p:cNvSpPr/>
+          <p:cNvSpPr>
+            <a:spLocks noGrp="1" noRot="1" noChangeAspect="1"/>
+          </p:cNvSpPr>
           <p:nvPr>
-            <p:ph idx="2" type="sldImg"/>
+            <p:ph type="sldImg" idx="2"/>
           </p:nvPr>
         </p:nvSpPr>
         <p:spPr>
           <a:xfrm>
-            <a:off x="381300" y="685800"/>
+            <a:off x="381000" y="685800"/>
             <a:ext cx="6096000" cy="3429000"/>
           </a:xfrm>
           <a:custGeom>
-            <a:rect b="b" l="l" r="r" t="t"/>
+            <a:avLst/>
+            <a:gdLst/>
+            <a:ahLst/>
+            <a:cxnLst/>
+            <a:rect l="l" t="t" r="r" b="b"/>
             <a:pathLst>
-              <a:path extrusionOk="0" h="120000" w="120000">
+              <a:path w="120000" h="120000" extrusionOk="0">
                 <a:moveTo>
                   <a:pt x="0" y="0"/>
                 </a:moveTo>
@@ -1743,9 +2046,11 @@
       <p:sp>
         <p:nvSpPr>
           <p:cNvPr id="90" name="Google Shape;90;g2eab877c84b_0_0:notes"/>
-          <p:cNvSpPr txBox="1"/>
+          <p:cNvSpPr txBox="1">
+            <a:spLocks noGrp="1"/>
+          </p:cNvSpPr>
           <p:nvPr>
-            <p:ph idx="1" type="body"/>
+            <p:ph type="body" idx="1"/>
           </p:nvPr>
         </p:nvSpPr>
         <p:spPr>
@@ -1758,23 +2063,20 @@
           </a:prstGeom>
         </p:spPr>
         <p:txBody>
-          <a:bodyPr anchorCtr="0" anchor="t" bIns="91425" lIns="91425" spcFirstLastPara="1" rIns="91425" wrap="square" tIns="91425">
+          <a:bodyPr spcFirstLastPara="1" wrap="square" lIns="91425" tIns="91425" rIns="91425" bIns="91425" anchor="t" anchorCtr="0">
             <a:noAutofit/>
           </a:bodyPr>
           <a:lstStyle/>
           <a:p>
-            <a:pPr indent="0" lvl="0" marL="0" rtl="0" algn="l">
-              <a:spcBef>
-                <a:spcPts val="0"/>
-              </a:spcBef>
-              <a:spcAft>
-                <a:spcPts val="0"/>
-              </a:spcAft>
-              <a:buNone/>
-            </a:pPr>
-            <a:r>
-              <a:t/>
-            </a:r>
+            <a:pPr marL="0" lvl="0" indent="0" algn="l" rtl="0">
+              <a:spcBef>
+                <a:spcPts val="0"/>
+              </a:spcBef>
+              <a:spcAft>
+                <a:spcPts val="0"/>
+              </a:spcAft>
+              <a:buNone/>
+            </a:pPr>
             <a:endParaRPr/>
           </a:p>
         </p:txBody>
@@ -1787,12 +2089,12 @@
 </p:notes>
 </file>
 
-<file path=ppt/notesSlides/notesSlide8.xml><?xml version="1.0" encoding="utf-8"?>
-<p:notes xmlns:a="http://schemas.openxmlformats.org/drawingml/2006/main" xmlns:r="http://schemas.openxmlformats.org/officeDocument/2006/relationships" xmlns:mc="http://schemas.openxmlformats.org/markup-compatibility/2006" xmlns:mv="urn:schemas-microsoft-com:mac:vml" xmlns:p="http://schemas.openxmlformats.org/presentationml/2006/main" xmlns:c="http://schemas.openxmlformats.org/drawingml/2006/chart" xmlns:dgm="http://schemas.openxmlformats.org/drawingml/2006/diagram" xmlns:o="urn:schemas-microsoft-com:office:office" xmlns:v="urn:schemas-microsoft-com:vml" xmlns:pvml="urn:schemas-microsoft-com:office:powerpoint" xmlns:com="http://schemas.openxmlformats.org/drawingml/2006/compatibility" xmlns:p14="http://schemas.microsoft.com/office/powerpoint/2010/main" xmlns:p15="http://schemas.microsoft.com/office/powerpoint/2012/main" xmlns:ahyp="http://schemas.microsoft.com/office/drawing/2018/hyperlinkcolor" showMasterPhAnim="0" showMasterSp="0">
+<file path=ppt/notesSlides/notesSlide9.xml><?xml version="1.0" encoding="utf-8"?>
+<p:notes xmlns:a="http://schemas.openxmlformats.org/drawingml/2006/main" xmlns:r="http://schemas.openxmlformats.org/officeDocument/2006/relationships" xmlns:p="http://schemas.openxmlformats.org/presentationml/2006/main" showMasterSp="0" showMasterPhAnim="0">
   <p:cSld>
     <p:spTree>
       <p:nvGrpSpPr>
-        <p:cNvPr id="95" name="Shape 95"/>
+        <p:cNvPr id="1" name="Shape 95"/>
         <p:cNvGrpSpPr/>
         <p:nvPr/>
       </p:nvGrpSpPr>
@@ -1807,20 +2109,26 @@
       <p:sp>
         <p:nvSpPr>
           <p:cNvPr id="96" name="Google Shape;96;g4fcefcf603617283_0:notes"/>
-          <p:cNvSpPr/>
+          <p:cNvSpPr>
+            <a:spLocks noGrp="1" noRot="1" noChangeAspect="1"/>
+          </p:cNvSpPr>
           <p:nvPr>
-            <p:ph idx="2" type="sldImg"/>
+            <p:ph type="sldImg" idx="2"/>
           </p:nvPr>
         </p:nvSpPr>
         <p:spPr>
           <a:xfrm>
-            <a:off x="381300" y="685800"/>
+            <a:off x="381000" y="685800"/>
             <a:ext cx="6096000" cy="3429000"/>
           </a:xfrm>
           <a:custGeom>
-            <a:rect b="b" l="l" r="r" t="t"/>
+            <a:avLst/>
+            <a:gdLst/>
+            <a:ahLst/>
+            <a:cxnLst/>
+            <a:rect l="l" t="t" r="r" b="b"/>
             <a:pathLst>
-              <a:path extrusionOk="0" h="120000" w="120000">
+              <a:path w="120000" h="120000" extrusionOk="0">
                 <a:moveTo>
                   <a:pt x="0" y="0"/>
                 </a:moveTo>
@@ -1842,9 +2150,11 @@
       <p:sp>
         <p:nvSpPr>
           <p:cNvPr id="97" name="Google Shape;97;g4fcefcf603617283_0:notes"/>
-          <p:cNvSpPr txBox="1"/>
+          <p:cNvSpPr txBox="1">
+            <a:spLocks noGrp="1"/>
+          </p:cNvSpPr>
           <p:nvPr>
-            <p:ph idx="1" type="body"/>
+            <p:ph type="body" idx="1"/>
           </p:nvPr>
         </p:nvSpPr>
         <p:spPr>
@@ -1857,122 +2167,20 @@
           </a:prstGeom>
         </p:spPr>
         <p:txBody>
-          <a:bodyPr anchorCtr="0" anchor="t" bIns="91425" lIns="91425" spcFirstLastPara="1" rIns="91425" wrap="square" tIns="91425">
+          <a:bodyPr spcFirstLastPara="1" wrap="square" lIns="91425" tIns="91425" rIns="91425" bIns="91425" anchor="t" anchorCtr="0">
             <a:noAutofit/>
           </a:bodyPr>
           <a:lstStyle/>
           <a:p>
-            <a:pPr indent="0" lvl="0" marL="0" rtl="0" algn="l">
-              <a:spcBef>
-                <a:spcPts val="0"/>
-              </a:spcBef>
-              <a:spcAft>
-                <a:spcPts val="0"/>
-              </a:spcAft>
-              <a:buNone/>
-            </a:pPr>
-            <a:r>
-              <a:t/>
-            </a:r>
-            <a:endParaRPr/>
-          </a:p>
-        </p:txBody>
-      </p:sp>
-    </p:spTree>
-  </p:cSld>
-  <p:clrMapOvr>
-    <a:masterClrMapping/>
-  </p:clrMapOvr>
-</p:notes>
-</file>
-
-<file path=ppt/notesSlides/notesSlide9.xml><?xml version="1.0" encoding="utf-8"?>
-<p:notes xmlns:a="http://schemas.openxmlformats.org/drawingml/2006/main" xmlns:r="http://schemas.openxmlformats.org/officeDocument/2006/relationships" xmlns:mc="http://schemas.openxmlformats.org/markup-compatibility/2006" xmlns:mv="urn:schemas-microsoft-com:mac:vml" xmlns:p="http://schemas.openxmlformats.org/presentationml/2006/main" xmlns:c="http://schemas.openxmlformats.org/drawingml/2006/chart" xmlns:dgm="http://schemas.openxmlformats.org/drawingml/2006/diagram" xmlns:o="urn:schemas-microsoft-com:office:office" xmlns:v="urn:schemas-microsoft-com:vml" xmlns:pvml="urn:schemas-microsoft-com:office:powerpoint" xmlns:com="http://schemas.openxmlformats.org/drawingml/2006/compatibility" xmlns:p14="http://schemas.microsoft.com/office/powerpoint/2010/main" xmlns:p15="http://schemas.microsoft.com/office/powerpoint/2012/main" xmlns:ahyp="http://schemas.microsoft.com/office/drawing/2018/hyperlinkcolor" showMasterPhAnim="0" showMasterSp="0">
-  <p:cSld>
-    <p:spTree>
-      <p:nvGrpSpPr>
-        <p:cNvPr id="101" name="Shape 101"/>
-        <p:cNvGrpSpPr/>
-        <p:nvPr/>
-      </p:nvGrpSpPr>
-      <p:grpSpPr>
-        <a:xfrm>
-          <a:off x="0" y="0"/>
-          <a:ext cx="0" cy="0"/>
-          <a:chOff x="0" y="0"/>
-          <a:chExt cx="0" cy="0"/>
-        </a:xfrm>
-      </p:grpSpPr>
-      <p:sp>
-        <p:nvSpPr>
-          <p:cNvPr id="102" name="Google Shape;102;g276a0c73d5a_0_5:notes"/>
-          <p:cNvSpPr/>
-          <p:nvPr>
-            <p:ph idx="2" type="sldImg"/>
-          </p:nvPr>
-        </p:nvSpPr>
-        <p:spPr>
-          <a:xfrm>
-            <a:off x="381300" y="685800"/>
-            <a:ext cx="6096000" cy="3429000"/>
-          </a:xfrm>
-          <a:custGeom>
-            <a:rect b="b" l="l" r="r" t="t"/>
-            <a:pathLst>
-              <a:path extrusionOk="0" h="120000" w="120000">
-                <a:moveTo>
-                  <a:pt x="0" y="0"/>
-                </a:moveTo>
-                <a:lnTo>
-                  <a:pt x="120000" y="0"/>
-                </a:lnTo>
-                <a:lnTo>
-                  <a:pt x="120000" y="120000"/>
-                </a:lnTo>
-                <a:lnTo>
-                  <a:pt x="0" y="120000"/>
-                </a:lnTo>
-                <a:close/>
-              </a:path>
-            </a:pathLst>
-          </a:custGeom>
-        </p:spPr>
-      </p:sp>
-      <p:sp>
-        <p:nvSpPr>
-          <p:cNvPr id="103" name="Google Shape;103;g276a0c73d5a_0_5:notes"/>
-          <p:cNvSpPr txBox="1"/>
-          <p:nvPr>
-            <p:ph idx="1" type="body"/>
-          </p:nvPr>
-        </p:nvSpPr>
-        <p:spPr>
-          <a:xfrm>
-            <a:off x="685800" y="4343400"/>
-            <a:ext cx="5486400" cy="4114800"/>
-          </a:xfrm>
-          <a:prstGeom prst="rect">
-            <a:avLst/>
-          </a:prstGeom>
-        </p:spPr>
-        <p:txBody>
-          <a:bodyPr anchorCtr="0" anchor="t" bIns="91425" lIns="91425" spcFirstLastPara="1" rIns="91425" wrap="square" tIns="91425">
-            <a:noAutofit/>
-          </a:bodyPr>
-          <a:lstStyle/>
-          <a:p>
-            <a:pPr indent="0" lvl="0" marL="0" rtl="0" algn="l">
-              <a:spcBef>
-                <a:spcPts val="0"/>
-              </a:spcBef>
-              <a:spcAft>
-                <a:spcPts val="0"/>
-              </a:spcAft>
-              <a:buNone/>
-            </a:pPr>
-            <a:r>
-              <a:t/>
-            </a:r>
+            <a:pPr marL="0" lvl="0" indent="0" algn="l" rtl="0">
+              <a:spcBef>
+                <a:spcPts val="0"/>
+              </a:spcBef>
+              <a:spcAft>
+                <a:spcPts val="0"/>
+              </a:spcAft>
+              <a:buNone/>
+            </a:pPr>
             <a:endParaRPr/>
           </a:p>
         </p:txBody>
@@ -1986,11 +2194,11 @@
 </file>
 
 <file path=ppt/slideLayouts/slideLayout1.xml><?xml version="1.0" encoding="utf-8"?>
-<p:sldLayout xmlns:a="http://schemas.openxmlformats.org/drawingml/2006/main" xmlns:r="http://schemas.openxmlformats.org/officeDocument/2006/relationships" xmlns:mc="http://schemas.openxmlformats.org/markup-compatibility/2006" xmlns:mv="urn:schemas-microsoft-com:mac:vml" xmlns:p="http://schemas.openxmlformats.org/presentationml/2006/main" xmlns:c="http://schemas.openxmlformats.org/drawingml/2006/chart" xmlns:dgm="http://schemas.openxmlformats.org/drawingml/2006/diagram" xmlns:o="urn:schemas-microsoft-com:office:office" xmlns:v="urn:schemas-microsoft-com:vml" xmlns:pvml="urn:schemas-microsoft-com:office:powerpoint" xmlns:com="http://schemas.openxmlformats.org/drawingml/2006/compatibility" xmlns:p14="http://schemas.microsoft.com/office/powerpoint/2010/main" xmlns:p15="http://schemas.microsoft.com/office/powerpoint/2012/main" xmlns:ahyp="http://schemas.microsoft.com/office/drawing/2018/hyperlinkcolor" matchingName="Title slide" type="title">
+<p:sldLayout xmlns:a="http://schemas.openxmlformats.org/drawingml/2006/main" xmlns:r="http://schemas.openxmlformats.org/officeDocument/2006/relationships" xmlns:p="http://schemas.openxmlformats.org/presentationml/2006/main" matchingName="Title slide" type="title">
   <p:cSld name="TITLE">
     <p:spTree>
       <p:nvGrpSpPr>
-        <p:cNvPr id="9" name="Shape 9"/>
+        <p:cNvPr id="1" name="Shape 9"/>
         <p:cNvGrpSpPr/>
         <p:nvPr/>
       </p:nvGrpSpPr>
@@ -2005,7 +2213,9 @@
       <p:sp>
         <p:nvSpPr>
           <p:cNvPr id="10" name="Google Shape;10;p2"/>
-          <p:cNvSpPr txBox="1"/>
+          <p:cNvSpPr txBox="1">
+            <a:spLocks noGrp="1"/>
+          </p:cNvSpPr>
           <p:nvPr>
             <p:ph type="ctrTitle"/>
           </p:nvPr>
@@ -2020,7 +2230,7 @@
           </a:prstGeom>
         </p:spPr>
         <p:txBody>
-          <a:bodyPr anchorCtr="0" anchor="b" bIns="91425" lIns="91425" spcFirstLastPara="1" rIns="91425" wrap="square" tIns="91425">
+          <a:bodyPr spcFirstLastPara="1" wrap="square" lIns="91425" tIns="91425" rIns="91425" bIns="91425" anchor="b" anchorCtr="0">
             <a:normAutofit/>
           </a:bodyPr>
           <a:lstStyle>
@@ -2124,15 +2334,19 @@
               <a:defRPr sz="5200"/>
             </a:lvl9pPr>
           </a:lstStyle>
-          <a:p/>
+          <a:p>
+            <a:endParaRPr/>
+          </a:p>
         </p:txBody>
       </p:sp>
       <p:sp>
         <p:nvSpPr>
           <p:cNvPr id="11" name="Google Shape;11;p2"/>
-          <p:cNvSpPr txBox="1"/>
+          <p:cNvSpPr txBox="1">
+            <a:spLocks noGrp="1"/>
+          </p:cNvSpPr>
           <p:nvPr>
-            <p:ph idx="1" type="subTitle"/>
+            <p:ph type="subTitle" idx="1"/>
           </p:nvPr>
         </p:nvSpPr>
         <p:spPr>
@@ -2145,7 +2359,7 @@
           </a:prstGeom>
         </p:spPr>
         <p:txBody>
-          <a:bodyPr anchorCtr="0" anchor="t" bIns="91425" lIns="91425" spcFirstLastPara="1" rIns="91425" wrap="square" tIns="91425">
+          <a:bodyPr spcFirstLastPara="1" wrap="square" lIns="91425" tIns="91425" rIns="91425" bIns="91425" anchor="t" anchorCtr="0">
             <a:normAutofit/>
           </a:bodyPr>
           <a:lstStyle>
@@ -2276,15 +2490,19 @@
               <a:defRPr sz="2800"/>
             </a:lvl9pPr>
           </a:lstStyle>
-          <a:p/>
+          <a:p>
+            <a:endParaRPr/>
+          </a:p>
         </p:txBody>
       </p:sp>
       <p:sp>
         <p:nvSpPr>
           <p:cNvPr id="12" name="Google Shape;12;p2"/>
-          <p:cNvSpPr txBox="1"/>
+          <p:cNvSpPr txBox="1">
+            <a:spLocks noGrp="1"/>
+          </p:cNvSpPr>
           <p:nvPr>
-            <p:ph idx="12" type="sldNum"/>
+            <p:ph type="sldNum" idx="12"/>
           </p:nvPr>
         </p:nvSpPr>
         <p:spPr>
@@ -2297,7 +2515,7 @@
           </a:prstGeom>
         </p:spPr>
         <p:txBody>
-          <a:bodyPr anchorCtr="0" anchor="ctr" bIns="91425" lIns="91425" spcFirstLastPara="1" rIns="91425" wrap="square" tIns="91425">
+          <a:bodyPr spcFirstLastPara="1" wrap="square" lIns="91425" tIns="91425" rIns="91425" bIns="91425" anchor="ctr" anchorCtr="0">
             <a:normAutofit/>
           </a:bodyPr>
           <a:lstStyle>
@@ -2339,7 +2557,7 @@
             </a:lvl9pPr>
           </a:lstStyle>
           <a:p>
-            <a:pPr indent="0" lvl="0" marL="0" rtl="0" algn="r">
+            <a:pPr marL="0" lvl="0" indent="0" algn="r" rtl="0">
               <a:spcBef>
                 <a:spcPts val="0"/>
               </a:spcBef>
@@ -2365,11 +2583,11 @@
 </file>
 
 <file path=ppt/slideLayouts/slideLayout10.xml><?xml version="1.0" encoding="utf-8"?>
-<p:sldLayout xmlns:a="http://schemas.openxmlformats.org/drawingml/2006/main" xmlns:r="http://schemas.openxmlformats.org/officeDocument/2006/relationships" xmlns:mc="http://schemas.openxmlformats.org/markup-compatibility/2006" xmlns:mv="urn:schemas-microsoft-com:mac:vml" xmlns:p="http://schemas.openxmlformats.org/presentationml/2006/main" xmlns:c="http://schemas.openxmlformats.org/drawingml/2006/chart" xmlns:dgm="http://schemas.openxmlformats.org/drawingml/2006/diagram" xmlns:o="urn:schemas-microsoft-com:office:office" xmlns:v="urn:schemas-microsoft-com:vml" xmlns:pvml="urn:schemas-microsoft-com:office:powerpoint" xmlns:com="http://schemas.openxmlformats.org/drawingml/2006/compatibility" xmlns:p14="http://schemas.microsoft.com/office/powerpoint/2010/main" xmlns:p15="http://schemas.microsoft.com/office/powerpoint/2012/main" xmlns:ahyp="http://schemas.microsoft.com/office/drawing/2018/hyperlinkcolor" matchingName="Big number">
+<p:sldLayout xmlns:a="http://schemas.openxmlformats.org/drawingml/2006/main" xmlns:r="http://schemas.openxmlformats.org/officeDocument/2006/relationships" xmlns:p="http://schemas.openxmlformats.org/presentationml/2006/main" matchingName="Big number">
   <p:cSld name="BIG_NUMBER">
     <p:spTree>
       <p:nvGrpSpPr>
-        <p:cNvPr id="44" name="Shape 44"/>
+        <p:cNvPr id="1" name="Shape 44"/>
         <p:cNvGrpSpPr/>
         <p:nvPr/>
       </p:nvGrpSpPr>
@@ -2384,9 +2602,11 @@
       <p:sp>
         <p:nvSpPr>
           <p:cNvPr id="45" name="Google Shape;45;p11"/>
-          <p:cNvSpPr txBox="1"/>
+          <p:cNvSpPr txBox="1">
+            <a:spLocks noGrp="1"/>
+          </p:cNvSpPr>
           <p:nvPr>
-            <p:ph hasCustomPrompt="1" type="title"/>
+            <p:ph type="title" hasCustomPrompt="1"/>
           </p:nvPr>
         </p:nvSpPr>
         <p:spPr>
@@ -2399,7 +2619,7 @@
           </a:prstGeom>
         </p:spPr>
         <p:txBody>
-          <a:bodyPr anchorCtr="0" anchor="b" bIns="91425" lIns="91425" spcFirstLastPara="1" rIns="91425" wrap="square" tIns="91425">
+          <a:bodyPr spcFirstLastPara="1" wrap="square" lIns="91425" tIns="91425" rIns="91425" bIns="91425" anchor="b" anchorCtr="0">
             <a:normAutofit/>
           </a:bodyPr>
           <a:lstStyle>
@@ -2513,9 +2733,11 @@
       <p:sp>
         <p:nvSpPr>
           <p:cNvPr id="46" name="Google Shape;46;p11"/>
-          <p:cNvSpPr txBox="1"/>
+          <p:cNvSpPr txBox="1">
+            <a:spLocks noGrp="1"/>
+          </p:cNvSpPr>
           <p:nvPr>
-            <p:ph idx="1" type="body"/>
+            <p:ph type="body" idx="1"/>
           </p:nvPr>
         </p:nvSpPr>
         <p:spPr>
@@ -2528,11 +2750,11 @@
           </a:prstGeom>
         </p:spPr>
         <p:txBody>
-          <a:bodyPr anchorCtr="0" anchor="t" bIns="91425" lIns="91425" spcFirstLastPara="1" rIns="91425" wrap="square" tIns="91425">
+          <a:bodyPr spcFirstLastPara="1" wrap="square" lIns="91425" tIns="91425" rIns="91425" bIns="91425" anchor="t" anchorCtr="0">
             <a:normAutofit/>
           </a:bodyPr>
           <a:lstStyle>
-            <a:lvl1pPr indent="-342900" lvl="0" marL="457200" algn="ctr">
+            <a:lvl1pPr marL="457200" lvl="0" indent="-342900" algn="ctr">
               <a:spcBef>
                 <a:spcPts val="0"/>
               </a:spcBef>
@@ -2543,7 +2765,7 @@
               <a:buChar char="●"/>
               <a:defRPr/>
             </a:lvl1pPr>
-            <a:lvl2pPr indent="-317500" lvl="1" marL="914400" algn="ctr">
+            <a:lvl2pPr marL="914400" lvl="1" indent="-317500" algn="ctr">
               <a:spcBef>
                 <a:spcPts val="0"/>
               </a:spcBef>
@@ -2554,7 +2776,7 @@
               <a:buChar char="○"/>
               <a:defRPr/>
             </a:lvl2pPr>
-            <a:lvl3pPr indent="-317500" lvl="2" marL="1371600" algn="ctr">
+            <a:lvl3pPr marL="1371600" lvl="2" indent="-317500" algn="ctr">
               <a:spcBef>
                 <a:spcPts val="0"/>
               </a:spcBef>
@@ -2565,7 +2787,7 @@
               <a:buChar char="■"/>
               <a:defRPr/>
             </a:lvl3pPr>
-            <a:lvl4pPr indent="-317500" lvl="3" marL="1828800" algn="ctr">
+            <a:lvl4pPr marL="1828800" lvl="3" indent="-317500" algn="ctr">
               <a:spcBef>
                 <a:spcPts val="0"/>
               </a:spcBef>
@@ -2576,7 +2798,7 @@
               <a:buChar char="●"/>
               <a:defRPr/>
             </a:lvl4pPr>
-            <a:lvl5pPr indent="-317500" lvl="4" marL="2286000" algn="ctr">
+            <a:lvl5pPr marL="2286000" lvl="4" indent="-317500" algn="ctr">
               <a:spcBef>
                 <a:spcPts val="0"/>
               </a:spcBef>
@@ -2587,7 +2809,7 @@
               <a:buChar char="○"/>
               <a:defRPr/>
             </a:lvl5pPr>
-            <a:lvl6pPr indent="-317500" lvl="5" marL="2743200" algn="ctr">
+            <a:lvl6pPr marL="2743200" lvl="5" indent="-317500" algn="ctr">
               <a:spcBef>
                 <a:spcPts val="0"/>
               </a:spcBef>
@@ -2598,7 +2820,7 @@
               <a:buChar char="■"/>
               <a:defRPr/>
             </a:lvl6pPr>
-            <a:lvl7pPr indent="-317500" lvl="6" marL="3200400" algn="ctr">
+            <a:lvl7pPr marL="3200400" lvl="6" indent="-317500" algn="ctr">
               <a:spcBef>
                 <a:spcPts val="0"/>
               </a:spcBef>
@@ -2609,7 +2831,7 @@
               <a:buChar char="●"/>
               <a:defRPr/>
             </a:lvl7pPr>
-            <a:lvl8pPr indent="-317500" lvl="7" marL="3657600" algn="ctr">
+            <a:lvl8pPr marL="3657600" lvl="7" indent="-317500" algn="ctr">
               <a:spcBef>
                 <a:spcPts val="0"/>
               </a:spcBef>
@@ -2620,7 +2842,7 @@
               <a:buChar char="○"/>
               <a:defRPr/>
             </a:lvl8pPr>
-            <a:lvl9pPr indent="-317500" lvl="8" marL="4114800" algn="ctr">
+            <a:lvl9pPr marL="4114800" lvl="8" indent="-317500" algn="ctr">
               <a:spcBef>
                 <a:spcPts val="0"/>
               </a:spcBef>
@@ -2632,15 +2854,19 @@
               <a:defRPr/>
             </a:lvl9pPr>
           </a:lstStyle>
-          <a:p/>
+          <a:p>
+            <a:endParaRPr/>
+          </a:p>
         </p:txBody>
       </p:sp>
       <p:sp>
         <p:nvSpPr>
           <p:cNvPr id="47" name="Google Shape;47;p11"/>
-          <p:cNvSpPr txBox="1"/>
+          <p:cNvSpPr txBox="1">
+            <a:spLocks noGrp="1"/>
+          </p:cNvSpPr>
           <p:nvPr>
-            <p:ph idx="12" type="sldNum"/>
+            <p:ph type="sldNum" idx="12"/>
           </p:nvPr>
         </p:nvSpPr>
         <p:spPr>
@@ -2653,7 +2879,7 @@
           </a:prstGeom>
         </p:spPr>
         <p:txBody>
-          <a:bodyPr anchorCtr="0" anchor="ctr" bIns="91425" lIns="91425" spcFirstLastPara="1" rIns="91425" wrap="square" tIns="91425">
+          <a:bodyPr spcFirstLastPara="1" wrap="square" lIns="91425" tIns="91425" rIns="91425" bIns="91425" anchor="ctr" anchorCtr="0">
             <a:normAutofit/>
           </a:bodyPr>
           <a:lstStyle>
@@ -2695,7 +2921,7 @@
             </a:lvl9pPr>
           </a:lstStyle>
           <a:p>
-            <a:pPr indent="0" lvl="0" marL="0" rtl="0" algn="r">
+            <a:pPr marL="0" lvl="0" indent="0" algn="r" rtl="0">
               <a:spcBef>
                 <a:spcPts val="0"/>
               </a:spcBef>
@@ -2721,11 +2947,11 @@
 </file>
 
 <file path=ppt/slideLayouts/slideLayout11.xml><?xml version="1.0" encoding="utf-8"?>
-<p:sldLayout xmlns:a="http://schemas.openxmlformats.org/drawingml/2006/main" xmlns:r="http://schemas.openxmlformats.org/officeDocument/2006/relationships" xmlns:mc="http://schemas.openxmlformats.org/markup-compatibility/2006" xmlns:mv="urn:schemas-microsoft-com:mac:vml" xmlns:p="http://schemas.openxmlformats.org/presentationml/2006/main" xmlns:c="http://schemas.openxmlformats.org/drawingml/2006/chart" xmlns:dgm="http://schemas.openxmlformats.org/drawingml/2006/diagram" xmlns:o="urn:schemas-microsoft-com:office:office" xmlns:v="urn:schemas-microsoft-com:vml" xmlns:pvml="urn:schemas-microsoft-com:office:powerpoint" xmlns:com="http://schemas.openxmlformats.org/drawingml/2006/compatibility" xmlns:p14="http://schemas.microsoft.com/office/powerpoint/2010/main" xmlns:p15="http://schemas.microsoft.com/office/powerpoint/2012/main" xmlns:ahyp="http://schemas.microsoft.com/office/drawing/2018/hyperlinkcolor" matchingName="Blank" type="blank">
+<p:sldLayout xmlns:a="http://schemas.openxmlformats.org/drawingml/2006/main" xmlns:r="http://schemas.openxmlformats.org/officeDocument/2006/relationships" xmlns:p="http://schemas.openxmlformats.org/presentationml/2006/main" matchingName="Blank" type="blank">
   <p:cSld name="BLANK">
     <p:spTree>
       <p:nvGrpSpPr>
-        <p:cNvPr id="48" name="Shape 48"/>
+        <p:cNvPr id="1" name="Shape 48"/>
         <p:cNvGrpSpPr/>
         <p:nvPr/>
       </p:nvGrpSpPr>
@@ -2740,9 +2966,11 @@
       <p:sp>
         <p:nvSpPr>
           <p:cNvPr id="49" name="Google Shape;49;p12"/>
-          <p:cNvSpPr txBox="1"/>
+          <p:cNvSpPr txBox="1">
+            <a:spLocks noGrp="1"/>
+          </p:cNvSpPr>
           <p:nvPr>
-            <p:ph idx="12" type="sldNum"/>
+            <p:ph type="sldNum" idx="12"/>
           </p:nvPr>
         </p:nvSpPr>
         <p:spPr>
@@ -2755,7 +2983,7 @@
           </a:prstGeom>
         </p:spPr>
         <p:txBody>
-          <a:bodyPr anchorCtr="0" anchor="ctr" bIns="91425" lIns="91425" spcFirstLastPara="1" rIns="91425" wrap="square" tIns="91425">
+          <a:bodyPr spcFirstLastPara="1" wrap="square" lIns="91425" tIns="91425" rIns="91425" bIns="91425" anchor="ctr" anchorCtr="0">
             <a:normAutofit/>
           </a:bodyPr>
           <a:lstStyle>
@@ -2797,7 +3025,7 @@
             </a:lvl9pPr>
           </a:lstStyle>
           <a:p>
-            <a:pPr indent="0" lvl="0" marL="0" rtl="0" algn="r">
+            <a:pPr marL="0" lvl="0" indent="0" algn="r" rtl="0">
               <a:spcBef>
                 <a:spcPts val="0"/>
               </a:spcBef>
@@ -2823,11 +3051,11 @@
 </file>
 
 <file path=ppt/slideLayouts/slideLayout2.xml><?xml version="1.0" encoding="utf-8"?>
-<p:sldLayout xmlns:a="http://schemas.openxmlformats.org/drawingml/2006/main" xmlns:r="http://schemas.openxmlformats.org/officeDocument/2006/relationships" xmlns:mc="http://schemas.openxmlformats.org/markup-compatibility/2006" xmlns:mv="urn:schemas-microsoft-com:mac:vml" xmlns:p="http://schemas.openxmlformats.org/presentationml/2006/main" xmlns:c="http://schemas.openxmlformats.org/drawingml/2006/chart" xmlns:dgm="http://schemas.openxmlformats.org/drawingml/2006/diagram" xmlns:o="urn:schemas-microsoft-com:office:office" xmlns:v="urn:schemas-microsoft-com:vml" xmlns:pvml="urn:schemas-microsoft-com:office:powerpoint" xmlns:com="http://schemas.openxmlformats.org/drawingml/2006/compatibility" xmlns:p14="http://schemas.microsoft.com/office/powerpoint/2010/main" xmlns:p15="http://schemas.microsoft.com/office/powerpoint/2012/main" xmlns:ahyp="http://schemas.microsoft.com/office/drawing/2018/hyperlinkcolor" matchingName="Section header" type="secHead">
+<p:sldLayout xmlns:a="http://schemas.openxmlformats.org/drawingml/2006/main" xmlns:r="http://schemas.openxmlformats.org/officeDocument/2006/relationships" xmlns:p="http://schemas.openxmlformats.org/presentationml/2006/main" matchingName="Section header" type="secHead">
   <p:cSld name="SECTION_HEADER">
     <p:spTree>
       <p:nvGrpSpPr>
-        <p:cNvPr id="13" name="Shape 13"/>
+        <p:cNvPr id="1" name="Shape 13"/>
         <p:cNvGrpSpPr/>
         <p:nvPr/>
       </p:nvGrpSpPr>
@@ -2842,7 +3070,9 @@
       <p:sp>
         <p:nvSpPr>
           <p:cNvPr id="14" name="Google Shape;14;p3"/>
-          <p:cNvSpPr txBox="1"/>
+          <p:cNvSpPr txBox="1">
+            <a:spLocks noGrp="1"/>
+          </p:cNvSpPr>
           <p:nvPr>
             <p:ph type="title"/>
           </p:nvPr>
@@ -2857,7 +3087,7 @@
           </a:prstGeom>
         </p:spPr>
         <p:txBody>
-          <a:bodyPr anchorCtr="0" anchor="ctr" bIns="91425" lIns="91425" spcFirstLastPara="1" rIns="91425" wrap="square" tIns="91425">
+          <a:bodyPr spcFirstLastPara="1" wrap="square" lIns="91425" tIns="91425" rIns="91425" bIns="91425" anchor="ctr" anchorCtr="0">
             <a:normAutofit/>
           </a:bodyPr>
           <a:lstStyle>
@@ -2961,15 +3191,19 @@
               <a:defRPr sz="3600"/>
             </a:lvl9pPr>
           </a:lstStyle>
-          <a:p/>
+          <a:p>
+            <a:endParaRPr/>
+          </a:p>
         </p:txBody>
       </p:sp>
       <p:sp>
         <p:nvSpPr>
           <p:cNvPr id="15" name="Google Shape;15;p3"/>
-          <p:cNvSpPr txBox="1"/>
+          <p:cNvSpPr txBox="1">
+            <a:spLocks noGrp="1"/>
+          </p:cNvSpPr>
           <p:nvPr>
-            <p:ph idx="12" type="sldNum"/>
+            <p:ph type="sldNum" idx="12"/>
           </p:nvPr>
         </p:nvSpPr>
         <p:spPr>
@@ -2982,7 +3216,7 @@
           </a:prstGeom>
         </p:spPr>
         <p:txBody>
-          <a:bodyPr anchorCtr="0" anchor="ctr" bIns="91425" lIns="91425" spcFirstLastPara="1" rIns="91425" wrap="square" tIns="91425">
+          <a:bodyPr spcFirstLastPara="1" wrap="square" lIns="91425" tIns="91425" rIns="91425" bIns="91425" anchor="ctr" anchorCtr="0">
             <a:normAutofit/>
           </a:bodyPr>
           <a:lstStyle>
@@ -3024,7 +3258,7 @@
             </a:lvl9pPr>
           </a:lstStyle>
           <a:p>
-            <a:pPr indent="0" lvl="0" marL="0" rtl="0" algn="r">
+            <a:pPr marL="0" lvl="0" indent="0" algn="r" rtl="0">
               <a:spcBef>
                 <a:spcPts val="0"/>
               </a:spcBef>
@@ -3050,11 +3284,11 @@
 </file>
 
 <file path=ppt/slideLayouts/slideLayout3.xml><?xml version="1.0" encoding="utf-8"?>
-<p:sldLayout xmlns:a="http://schemas.openxmlformats.org/drawingml/2006/main" xmlns:r="http://schemas.openxmlformats.org/officeDocument/2006/relationships" xmlns:mc="http://schemas.openxmlformats.org/markup-compatibility/2006" xmlns:mv="urn:schemas-microsoft-com:mac:vml" xmlns:p="http://schemas.openxmlformats.org/presentationml/2006/main" xmlns:c="http://schemas.openxmlformats.org/drawingml/2006/chart" xmlns:dgm="http://schemas.openxmlformats.org/drawingml/2006/diagram" xmlns:o="urn:schemas-microsoft-com:office:office" xmlns:v="urn:schemas-microsoft-com:vml" xmlns:pvml="urn:schemas-microsoft-com:office:powerpoint" xmlns:com="http://schemas.openxmlformats.org/drawingml/2006/compatibility" xmlns:p14="http://schemas.microsoft.com/office/powerpoint/2010/main" xmlns:p15="http://schemas.microsoft.com/office/powerpoint/2012/main" xmlns:ahyp="http://schemas.microsoft.com/office/drawing/2018/hyperlinkcolor" matchingName="Title and body" type="tx">
+<p:sldLayout xmlns:a="http://schemas.openxmlformats.org/drawingml/2006/main" xmlns:r="http://schemas.openxmlformats.org/officeDocument/2006/relationships" xmlns:p="http://schemas.openxmlformats.org/presentationml/2006/main" matchingName="Title and body" type="tx">
   <p:cSld name="TITLE_AND_BODY">
     <p:spTree>
       <p:nvGrpSpPr>
-        <p:cNvPr id="16" name="Shape 16"/>
+        <p:cNvPr id="1" name="Shape 16"/>
         <p:cNvGrpSpPr/>
         <p:nvPr/>
       </p:nvGrpSpPr>
@@ -3069,7 +3303,9 @@
       <p:sp>
         <p:nvSpPr>
           <p:cNvPr id="17" name="Google Shape;17;p4"/>
-          <p:cNvSpPr txBox="1"/>
+          <p:cNvSpPr txBox="1">
+            <a:spLocks noGrp="1"/>
+          </p:cNvSpPr>
           <p:nvPr>
             <p:ph type="title"/>
           </p:nvPr>
@@ -3084,7 +3320,7 @@
           </a:prstGeom>
         </p:spPr>
         <p:txBody>
-          <a:bodyPr anchorCtr="0" anchor="t" bIns="91425" lIns="91425" spcFirstLastPara="1" rIns="91425" wrap="square" tIns="91425">
+          <a:bodyPr spcFirstLastPara="1" wrap="square" lIns="91425" tIns="91425" rIns="91425" bIns="91425" anchor="t" anchorCtr="0">
             <a:normAutofit/>
           </a:bodyPr>
           <a:lstStyle>
@@ -3188,15 +3424,19 @@
               <a:defRPr/>
             </a:lvl9pPr>
           </a:lstStyle>
-          <a:p/>
+          <a:p>
+            <a:endParaRPr/>
+          </a:p>
         </p:txBody>
       </p:sp>
       <p:sp>
         <p:nvSpPr>
           <p:cNvPr id="18" name="Google Shape;18;p4"/>
-          <p:cNvSpPr txBox="1"/>
+          <p:cNvSpPr txBox="1">
+            <a:spLocks noGrp="1"/>
+          </p:cNvSpPr>
           <p:nvPr>
-            <p:ph idx="1" type="body"/>
+            <p:ph type="body" idx="1"/>
           </p:nvPr>
         </p:nvSpPr>
         <p:spPr>
@@ -3209,11 +3449,11 @@
           </a:prstGeom>
         </p:spPr>
         <p:txBody>
-          <a:bodyPr anchorCtr="0" anchor="t" bIns="91425" lIns="91425" spcFirstLastPara="1" rIns="91425" wrap="square" tIns="91425">
+          <a:bodyPr spcFirstLastPara="1" wrap="square" lIns="91425" tIns="91425" rIns="91425" bIns="91425" anchor="t" anchorCtr="0">
             <a:normAutofit/>
           </a:bodyPr>
           <a:lstStyle>
-            <a:lvl1pPr indent="-342900" lvl="0" marL="457200">
+            <a:lvl1pPr marL="457200" lvl="0" indent="-342900">
               <a:spcBef>
                 <a:spcPts val="0"/>
               </a:spcBef>
@@ -3224,7 +3464,7 @@
               <a:buChar char="●"/>
               <a:defRPr/>
             </a:lvl1pPr>
-            <a:lvl2pPr indent="-317500" lvl="1" marL="914400">
+            <a:lvl2pPr marL="914400" lvl="1" indent="-317500">
               <a:spcBef>
                 <a:spcPts val="0"/>
               </a:spcBef>
@@ -3235,7 +3475,7 @@
               <a:buChar char="○"/>
               <a:defRPr/>
             </a:lvl2pPr>
-            <a:lvl3pPr indent="-317500" lvl="2" marL="1371600">
+            <a:lvl3pPr marL="1371600" lvl="2" indent="-317500">
               <a:spcBef>
                 <a:spcPts val="0"/>
               </a:spcBef>
@@ -3246,7 +3486,7 @@
               <a:buChar char="■"/>
               <a:defRPr/>
             </a:lvl3pPr>
-            <a:lvl4pPr indent="-317500" lvl="3" marL="1828800">
+            <a:lvl4pPr marL="1828800" lvl="3" indent="-317500">
               <a:spcBef>
                 <a:spcPts val="0"/>
               </a:spcBef>
@@ -3257,7 +3497,7 @@
               <a:buChar char="●"/>
               <a:defRPr/>
             </a:lvl4pPr>
-            <a:lvl5pPr indent="-317500" lvl="4" marL="2286000">
+            <a:lvl5pPr marL="2286000" lvl="4" indent="-317500">
               <a:spcBef>
                 <a:spcPts val="0"/>
               </a:spcBef>
@@ -3268,7 +3508,7 @@
               <a:buChar char="○"/>
               <a:defRPr/>
             </a:lvl5pPr>
-            <a:lvl6pPr indent="-317500" lvl="5" marL="2743200">
+            <a:lvl6pPr marL="2743200" lvl="5" indent="-317500">
               <a:spcBef>
                 <a:spcPts val="0"/>
               </a:spcBef>
@@ -3279,7 +3519,7 @@
               <a:buChar char="■"/>
               <a:defRPr/>
             </a:lvl6pPr>
-            <a:lvl7pPr indent="-317500" lvl="6" marL="3200400">
+            <a:lvl7pPr marL="3200400" lvl="6" indent="-317500">
               <a:spcBef>
                 <a:spcPts val="0"/>
               </a:spcBef>
@@ -3290,7 +3530,7 @@
               <a:buChar char="●"/>
               <a:defRPr/>
             </a:lvl7pPr>
-            <a:lvl8pPr indent="-317500" lvl="7" marL="3657600">
+            <a:lvl8pPr marL="3657600" lvl="7" indent="-317500">
               <a:spcBef>
                 <a:spcPts val="0"/>
               </a:spcBef>
@@ -3301,7 +3541,7 @@
               <a:buChar char="○"/>
               <a:defRPr/>
             </a:lvl8pPr>
-            <a:lvl9pPr indent="-317500" lvl="8" marL="4114800">
+            <a:lvl9pPr marL="4114800" lvl="8" indent="-317500">
               <a:spcBef>
                 <a:spcPts val="0"/>
               </a:spcBef>
@@ -3313,15 +3553,19 @@
               <a:defRPr/>
             </a:lvl9pPr>
           </a:lstStyle>
-          <a:p/>
+          <a:p>
+            <a:endParaRPr/>
+          </a:p>
         </p:txBody>
       </p:sp>
       <p:sp>
         <p:nvSpPr>
           <p:cNvPr id="19" name="Google Shape;19;p4"/>
-          <p:cNvSpPr txBox="1"/>
+          <p:cNvSpPr txBox="1">
+            <a:spLocks noGrp="1"/>
+          </p:cNvSpPr>
           <p:nvPr>
-            <p:ph idx="12" type="sldNum"/>
+            <p:ph type="sldNum" idx="12"/>
           </p:nvPr>
         </p:nvSpPr>
         <p:spPr>
@@ -3334,7 +3578,7 @@
           </a:prstGeom>
         </p:spPr>
         <p:txBody>
-          <a:bodyPr anchorCtr="0" anchor="ctr" bIns="91425" lIns="91425" spcFirstLastPara="1" rIns="91425" wrap="square" tIns="91425">
+          <a:bodyPr spcFirstLastPara="1" wrap="square" lIns="91425" tIns="91425" rIns="91425" bIns="91425" anchor="ctr" anchorCtr="0">
             <a:normAutofit/>
           </a:bodyPr>
           <a:lstStyle>
@@ -3376,7 +3620,7 @@
             </a:lvl9pPr>
           </a:lstStyle>
           <a:p>
-            <a:pPr indent="0" lvl="0" marL="0" rtl="0" algn="r">
+            <a:pPr marL="0" lvl="0" indent="0" algn="r" rtl="0">
               <a:spcBef>
                 <a:spcPts val="0"/>
               </a:spcBef>
@@ -3402,11 +3646,11 @@
 </file>
 
 <file path=ppt/slideLayouts/slideLayout4.xml><?xml version="1.0" encoding="utf-8"?>
-<p:sldLayout xmlns:a="http://schemas.openxmlformats.org/drawingml/2006/main" xmlns:r="http://schemas.openxmlformats.org/officeDocument/2006/relationships" xmlns:mc="http://schemas.openxmlformats.org/markup-compatibility/2006" xmlns:mv="urn:schemas-microsoft-com:mac:vml" xmlns:p="http://schemas.openxmlformats.org/presentationml/2006/main" xmlns:c="http://schemas.openxmlformats.org/drawingml/2006/chart" xmlns:dgm="http://schemas.openxmlformats.org/drawingml/2006/diagram" xmlns:o="urn:schemas-microsoft-com:office:office" xmlns:v="urn:schemas-microsoft-com:vml" xmlns:pvml="urn:schemas-microsoft-com:office:powerpoint" xmlns:com="http://schemas.openxmlformats.org/drawingml/2006/compatibility" xmlns:p14="http://schemas.microsoft.com/office/powerpoint/2010/main" xmlns:p15="http://schemas.microsoft.com/office/powerpoint/2012/main" xmlns:ahyp="http://schemas.microsoft.com/office/drawing/2018/hyperlinkcolor" matchingName="Title and two columns" type="twoColTx">
+<p:sldLayout xmlns:a="http://schemas.openxmlformats.org/drawingml/2006/main" xmlns:r="http://schemas.openxmlformats.org/officeDocument/2006/relationships" xmlns:p="http://schemas.openxmlformats.org/presentationml/2006/main" matchingName="Title and two columns" type="twoColTx">
   <p:cSld name="TITLE_AND_TWO_COLUMNS">
     <p:spTree>
       <p:nvGrpSpPr>
-        <p:cNvPr id="20" name="Shape 20"/>
+        <p:cNvPr id="1" name="Shape 20"/>
         <p:cNvGrpSpPr/>
         <p:nvPr/>
       </p:nvGrpSpPr>
@@ -3421,7 +3665,9 @@
       <p:sp>
         <p:nvSpPr>
           <p:cNvPr id="21" name="Google Shape;21;p5"/>
-          <p:cNvSpPr txBox="1"/>
+          <p:cNvSpPr txBox="1">
+            <a:spLocks noGrp="1"/>
+          </p:cNvSpPr>
           <p:nvPr>
             <p:ph type="title"/>
           </p:nvPr>
@@ -3436,7 +3682,7 @@
           </a:prstGeom>
         </p:spPr>
         <p:txBody>
-          <a:bodyPr anchorCtr="0" anchor="t" bIns="91425" lIns="91425" spcFirstLastPara="1" rIns="91425" wrap="square" tIns="91425">
+          <a:bodyPr spcFirstLastPara="1" wrap="square" lIns="91425" tIns="91425" rIns="91425" bIns="91425" anchor="t" anchorCtr="0">
             <a:normAutofit/>
           </a:bodyPr>
           <a:lstStyle>
@@ -3540,15 +3786,19 @@
               <a:defRPr/>
             </a:lvl9pPr>
           </a:lstStyle>
-          <a:p/>
+          <a:p>
+            <a:endParaRPr/>
+          </a:p>
         </p:txBody>
       </p:sp>
       <p:sp>
         <p:nvSpPr>
           <p:cNvPr id="22" name="Google Shape;22;p5"/>
-          <p:cNvSpPr txBox="1"/>
+          <p:cNvSpPr txBox="1">
+            <a:spLocks noGrp="1"/>
+          </p:cNvSpPr>
           <p:nvPr>
-            <p:ph idx="1" type="body"/>
+            <p:ph type="body" idx="1"/>
           </p:nvPr>
         </p:nvSpPr>
         <p:spPr>
@@ -3561,11 +3811,11 @@
           </a:prstGeom>
         </p:spPr>
         <p:txBody>
-          <a:bodyPr anchorCtr="0" anchor="t" bIns="91425" lIns="91425" spcFirstLastPara="1" rIns="91425" wrap="square" tIns="91425">
+          <a:bodyPr spcFirstLastPara="1" wrap="square" lIns="91425" tIns="91425" rIns="91425" bIns="91425" anchor="t" anchorCtr="0">
             <a:normAutofit/>
           </a:bodyPr>
           <a:lstStyle>
-            <a:lvl1pPr indent="-317500" lvl="0" marL="457200">
+            <a:lvl1pPr marL="457200" lvl="0" indent="-317500">
               <a:spcBef>
                 <a:spcPts val="0"/>
               </a:spcBef>
@@ -3576,7 +3826,7 @@
               <a:buChar char="●"/>
               <a:defRPr sz="1400"/>
             </a:lvl1pPr>
-            <a:lvl2pPr indent="-304800" lvl="1" marL="914400">
+            <a:lvl2pPr marL="914400" lvl="1" indent="-304800">
               <a:spcBef>
                 <a:spcPts val="0"/>
               </a:spcBef>
@@ -3587,7 +3837,7 @@
               <a:buChar char="○"/>
               <a:defRPr sz="1200"/>
             </a:lvl2pPr>
-            <a:lvl3pPr indent="-304800" lvl="2" marL="1371600">
+            <a:lvl3pPr marL="1371600" lvl="2" indent="-304800">
               <a:spcBef>
                 <a:spcPts val="0"/>
               </a:spcBef>
@@ -3598,7 +3848,7 @@
               <a:buChar char="■"/>
               <a:defRPr sz="1200"/>
             </a:lvl3pPr>
-            <a:lvl4pPr indent="-304800" lvl="3" marL="1828800">
+            <a:lvl4pPr marL="1828800" lvl="3" indent="-304800">
               <a:spcBef>
                 <a:spcPts val="0"/>
               </a:spcBef>
@@ -3609,7 +3859,7 @@
               <a:buChar char="●"/>
               <a:defRPr sz="1200"/>
             </a:lvl4pPr>
-            <a:lvl5pPr indent="-304800" lvl="4" marL="2286000">
+            <a:lvl5pPr marL="2286000" lvl="4" indent="-304800">
               <a:spcBef>
                 <a:spcPts val="0"/>
               </a:spcBef>
@@ -3620,7 +3870,7 @@
               <a:buChar char="○"/>
               <a:defRPr sz="1200"/>
             </a:lvl5pPr>
-            <a:lvl6pPr indent="-304800" lvl="5" marL="2743200">
+            <a:lvl6pPr marL="2743200" lvl="5" indent="-304800">
               <a:spcBef>
                 <a:spcPts val="0"/>
               </a:spcBef>
@@ -3631,7 +3881,7 @@
               <a:buChar char="■"/>
               <a:defRPr sz="1200"/>
             </a:lvl6pPr>
-            <a:lvl7pPr indent="-304800" lvl="6" marL="3200400">
+            <a:lvl7pPr marL="3200400" lvl="6" indent="-304800">
               <a:spcBef>
                 <a:spcPts val="0"/>
               </a:spcBef>
@@ -3642,7 +3892,7 @@
               <a:buChar char="●"/>
               <a:defRPr sz="1200"/>
             </a:lvl7pPr>
-            <a:lvl8pPr indent="-304800" lvl="7" marL="3657600">
+            <a:lvl8pPr marL="3657600" lvl="7" indent="-304800">
               <a:spcBef>
                 <a:spcPts val="0"/>
               </a:spcBef>
@@ -3653,7 +3903,7 @@
               <a:buChar char="○"/>
               <a:defRPr sz="1200"/>
             </a:lvl8pPr>
-            <a:lvl9pPr indent="-304800" lvl="8" marL="4114800">
+            <a:lvl9pPr marL="4114800" lvl="8" indent="-304800">
               <a:spcBef>
                 <a:spcPts val="0"/>
               </a:spcBef>
@@ -3665,15 +3915,19 @@
               <a:defRPr sz="1200"/>
             </a:lvl9pPr>
           </a:lstStyle>
-          <a:p/>
+          <a:p>
+            <a:endParaRPr/>
+          </a:p>
         </p:txBody>
       </p:sp>
       <p:sp>
         <p:nvSpPr>
           <p:cNvPr id="23" name="Google Shape;23;p5"/>
-          <p:cNvSpPr txBox="1"/>
+          <p:cNvSpPr txBox="1">
+            <a:spLocks noGrp="1"/>
+          </p:cNvSpPr>
           <p:nvPr>
-            <p:ph idx="2" type="body"/>
+            <p:ph type="body" idx="2"/>
           </p:nvPr>
         </p:nvSpPr>
         <p:spPr>
@@ -3686,11 +3940,11 @@
           </a:prstGeom>
         </p:spPr>
         <p:txBody>
-          <a:bodyPr anchorCtr="0" anchor="t" bIns="91425" lIns="91425" spcFirstLastPara="1" rIns="91425" wrap="square" tIns="91425">
+          <a:bodyPr spcFirstLastPara="1" wrap="square" lIns="91425" tIns="91425" rIns="91425" bIns="91425" anchor="t" anchorCtr="0">
             <a:normAutofit/>
           </a:bodyPr>
           <a:lstStyle>
-            <a:lvl1pPr indent="-317500" lvl="0" marL="457200">
+            <a:lvl1pPr marL="457200" lvl="0" indent="-317500">
               <a:spcBef>
                 <a:spcPts val="0"/>
               </a:spcBef>
@@ -3701,7 +3955,7 @@
               <a:buChar char="●"/>
               <a:defRPr sz="1400"/>
             </a:lvl1pPr>
-            <a:lvl2pPr indent="-304800" lvl="1" marL="914400">
+            <a:lvl2pPr marL="914400" lvl="1" indent="-304800">
               <a:spcBef>
                 <a:spcPts val="0"/>
               </a:spcBef>
@@ -3712,7 +3966,7 @@
               <a:buChar char="○"/>
               <a:defRPr sz="1200"/>
             </a:lvl2pPr>
-            <a:lvl3pPr indent="-304800" lvl="2" marL="1371600">
+            <a:lvl3pPr marL="1371600" lvl="2" indent="-304800">
               <a:spcBef>
                 <a:spcPts val="0"/>
               </a:spcBef>
@@ -3723,7 +3977,7 @@
               <a:buChar char="■"/>
               <a:defRPr sz="1200"/>
             </a:lvl3pPr>
-            <a:lvl4pPr indent="-304800" lvl="3" marL="1828800">
+            <a:lvl4pPr marL="1828800" lvl="3" indent="-304800">
               <a:spcBef>
                 <a:spcPts val="0"/>
               </a:spcBef>
@@ -3734,7 +3988,7 @@
               <a:buChar char="●"/>
               <a:defRPr sz="1200"/>
             </a:lvl4pPr>
-            <a:lvl5pPr indent="-304800" lvl="4" marL="2286000">
+            <a:lvl5pPr marL="2286000" lvl="4" indent="-304800">
               <a:spcBef>
                 <a:spcPts val="0"/>
               </a:spcBef>
@@ -3745,7 +3999,7 @@
               <a:buChar char="○"/>
               <a:defRPr sz="1200"/>
             </a:lvl5pPr>
-            <a:lvl6pPr indent="-304800" lvl="5" marL="2743200">
+            <a:lvl6pPr marL="2743200" lvl="5" indent="-304800">
               <a:spcBef>
                 <a:spcPts val="0"/>
               </a:spcBef>
@@ -3756,7 +4010,7 @@
               <a:buChar char="■"/>
               <a:defRPr sz="1200"/>
             </a:lvl6pPr>
-            <a:lvl7pPr indent="-304800" lvl="6" marL="3200400">
+            <a:lvl7pPr marL="3200400" lvl="6" indent="-304800">
               <a:spcBef>
                 <a:spcPts val="0"/>
               </a:spcBef>
@@ -3767,7 +4021,7 @@
               <a:buChar char="●"/>
               <a:defRPr sz="1200"/>
             </a:lvl7pPr>
-            <a:lvl8pPr indent="-304800" lvl="7" marL="3657600">
+            <a:lvl8pPr marL="3657600" lvl="7" indent="-304800">
               <a:spcBef>
                 <a:spcPts val="0"/>
               </a:spcBef>
@@ -3778,7 +4032,7 @@
               <a:buChar char="○"/>
               <a:defRPr sz="1200"/>
             </a:lvl8pPr>
-            <a:lvl9pPr indent="-304800" lvl="8" marL="4114800">
+            <a:lvl9pPr marL="4114800" lvl="8" indent="-304800">
               <a:spcBef>
                 <a:spcPts val="0"/>
               </a:spcBef>
@@ -3790,15 +4044,19 @@
               <a:defRPr sz="1200"/>
             </a:lvl9pPr>
           </a:lstStyle>
-          <a:p/>
+          <a:p>
+            <a:endParaRPr/>
+          </a:p>
         </p:txBody>
       </p:sp>
       <p:sp>
         <p:nvSpPr>
           <p:cNvPr id="24" name="Google Shape;24;p5"/>
-          <p:cNvSpPr txBox="1"/>
+          <p:cNvSpPr txBox="1">
+            <a:spLocks noGrp="1"/>
+          </p:cNvSpPr>
           <p:nvPr>
-            <p:ph idx="12" type="sldNum"/>
+            <p:ph type="sldNum" idx="12"/>
           </p:nvPr>
         </p:nvSpPr>
         <p:spPr>
@@ -3811,7 +4069,7 @@
           </a:prstGeom>
         </p:spPr>
         <p:txBody>
-          <a:bodyPr anchorCtr="0" anchor="ctr" bIns="91425" lIns="91425" spcFirstLastPara="1" rIns="91425" wrap="square" tIns="91425">
+          <a:bodyPr spcFirstLastPara="1" wrap="square" lIns="91425" tIns="91425" rIns="91425" bIns="91425" anchor="ctr" anchorCtr="0">
             <a:normAutofit/>
           </a:bodyPr>
           <a:lstStyle>
@@ -3853,7 +4111,7 @@
             </a:lvl9pPr>
           </a:lstStyle>
           <a:p>
-            <a:pPr indent="0" lvl="0" marL="0" rtl="0" algn="r">
+            <a:pPr marL="0" lvl="0" indent="0" algn="r" rtl="0">
               <a:spcBef>
                 <a:spcPts val="0"/>
               </a:spcBef>
@@ -3879,11 +4137,11 @@
 </file>
 
 <file path=ppt/slideLayouts/slideLayout5.xml><?xml version="1.0" encoding="utf-8"?>
-<p:sldLayout xmlns:a="http://schemas.openxmlformats.org/drawingml/2006/main" xmlns:r="http://schemas.openxmlformats.org/officeDocument/2006/relationships" xmlns:mc="http://schemas.openxmlformats.org/markup-compatibility/2006" xmlns:mv="urn:schemas-microsoft-com:mac:vml" xmlns:p="http://schemas.openxmlformats.org/presentationml/2006/main" xmlns:c="http://schemas.openxmlformats.org/drawingml/2006/chart" xmlns:dgm="http://schemas.openxmlformats.org/drawingml/2006/diagram" xmlns:o="urn:schemas-microsoft-com:office:office" xmlns:v="urn:schemas-microsoft-com:vml" xmlns:pvml="urn:schemas-microsoft-com:office:powerpoint" xmlns:com="http://schemas.openxmlformats.org/drawingml/2006/compatibility" xmlns:p14="http://schemas.microsoft.com/office/powerpoint/2010/main" xmlns:p15="http://schemas.microsoft.com/office/powerpoint/2012/main" xmlns:ahyp="http://schemas.microsoft.com/office/drawing/2018/hyperlinkcolor" matchingName="Title only" type="titleOnly">
+<p:sldLayout xmlns:a="http://schemas.openxmlformats.org/drawingml/2006/main" xmlns:r="http://schemas.openxmlformats.org/officeDocument/2006/relationships" xmlns:p="http://schemas.openxmlformats.org/presentationml/2006/main" matchingName="Title only" type="titleOnly">
   <p:cSld name="TITLE_ONLY">
     <p:spTree>
       <p:nvGrpSpPr>
-        <p:cNvPr id="25" name="Shape 25"/>
+        <p:cNvPr id="1" name="Shape 25"/>
         <p:cNvGrpSpPr/>
         <p:nvPr/>
       </p:nvGrpSpPr>
@@ -3898,7 +4156,9 @@
       <p:sp>
         <p:nvSpPr>
           <p:cNvPr id="26" name="Google Shape;26;p6"/>
-          <p:cNvSpPr txBox="1"/>
+          <p:cNvSpPr txBox="1">
+            <a:spLocks noGrp="1"/>
+          </p:cNvSpPr>
           <p:nvPr>
             <p:ph type="title"/>
           </p:nvPr>
@@ -3913,7 +4173,7 @@
           </a:prstGeom>
         </p:spPr>
         <p:txBody>
-          <a:bodyPr anchorCtr="0" anchor="t" bIns="91425" lIns="91425" spcFirstLastPara="1" rIns="91425" wrap="square" tIns="91425">
+          <a:bodyPr spcFirstLastPara="1" wrap="square" lIns="91425" tIns="91425" rIns="91425" bIns="91425" anchor="t" anchorCtr="0">
             <a:normAutofit/>
           </a:bodyPr>
           <a:lstStyle>
@@ -4017,15 +4277,19 @@
               <a:defRPr/>
             </a:lvl9pPr>
           </a:lstStyle>
-          <a:p/>
+          <a:p>
+            <a:endParaRPr/>
+          </a:p>
         </p:txBody>
       </p:sp>
       <p:sp>
         <p:nvSpPr>
           <p:cNvPr id="27" name="Google Shape;27;p6"/>
-          <p:cNvSpPr txBox="1"/>
+          <p:cNvSpPr txBox="1">
+            <a:spLocks noGrp="1"/>
+          </p:cNvSpPr>
           <p:nvPr>
-            <p:ph idx="12" type="sldNum"/>
+            <p:ph type="sldNum" idx="12"/>
           </p:nvPr>
         </p:nvSpPr>
         <p:spPr>
@@ -4038,7 +4302,7 @@
           </a:prstGeom>
         </p:spPr>
         <p:txBody>
-          <a:bodyPr anchorCtr="0" anchor="ctr" bIns="91425" lIns="91425" spcFirstLastPara="1" rIns="91425" wrap="square" tIns="91425">
+          <a:bodyPr spcFirstLastPara="1" wrap="square" lIns="91425" tIns="91425" rIns="91425" bIns="91425" anchor="ctr" anchorCtr="0">
             <a:normAutofit/>
           </a:bodyPr>
           <a:lstStyle>
@@ -4080,7 +4344,7 @@
             </a:lvl9pPr>
           </a:lstStyle>
           <a:p>
-            <a:pPr indent="0" lvl="0" marL="0" rtl="0" algn="r">
+            <a:pPr marL="0" lvl="0" indent="0" algn="r" rtl="0">
               <a:spcBef>
                 <a:spcPts val="0"/>
               </a:spcBef>
@@ -4106,11 +4370,11 @@
 </file>
 
 <file path=ppt/slideLayouts/slideLayout6.xml><?xml version="1.0" encoding="utf-8"?>
-<p:sldLayout xmlns:a="http://schemas.openxmlformats.org/drawingml/2006/main" xmlns:r="http://schemas.openxmlformats.org/officeDocument/2006/relationships" xmlns:mc="http://schemas.openxmlformats.org/markup-compatibility/2006" xmlns:mv="urn:schemas-microsoft-com:mac:vml" xmlns:p="http://schemas.openxmlformats.org/presentationml/2006/main" xmlns:c="http://schemas.openxmlformats.org/drawingml/2006/chart" xmlns:dgm="http://schemas.openxmlformats.org/drawingml/2006/diagram" xmlns:o="urn:schemas-microsoft-com:office:office" xmlns:v="urn:schemas-microsoft-com:vml" xmlns:pvml="urn:schemas-microsoft-com:office:powerpoint" xmlns:com="http://schemas.openxmlformats.org/drawingml/2006/compatibility" xmlns:p14="http://schemas.microsoft.com/office/powerpoint/2010/main" xmlns:p15="http://schemas.microsoft.com/office/powerpoint/2012/main" xmlns:ahyp="http://schemas.microsoft.com/office/drawing/2018/hyperlinkcolor" matchingName="One column text">
+<p:sldLayout xmlns:a="http://schemas.openxmlformats.org/drawingml/2006/main" xmlns:r="http://schemas.openxmlformats.org/officeDocument/2006/relationships" xmlns:p="http://schemas.openxmlformats.org/presentationml/2006/main" matchingName="One column text">
   <p:cSld name="ONE_COLUMN_TEXT">
     <p:spTree>
       <p:nvGrpSpPr>
-        <p:cNvPr id="28" name="Shape 28"/>
+        <p:cNvPr id="1" name="Shape 28"/>
         <p:cNvGrpSpPr/>
         <p:nvPr/>
       </p:nvGrpSpPr>
@@ -4125,7 +4389,9 @@
       <p:sp>
         <p:nvSpPr>
           <p:cNvPr id="29" name="Google Shape;29;p7"/>
-          <p:cNvSpPr txBox="1"/>
+          <p:cNvSpPr txBox="1">
+            <a:spLocks noGrp="1"/>
+          </p:cNvSpPr>
           <p:nvPr>
             <p:ph type="title"/>
           </p:nvPr>
@@ -4140,7 +4406,7 @@
           </a:prstGeom>
         </p:spPr>
         <p:txBody>
-          <a:bodyPr anchorCtr="0" anchor="b" bIns="91425" lIns="91425" spcFirstLastPara="1" rIns="91425" wrap="square" tIns="91425">
+          <a:bodyPr spcFirstLastPara="1" wrap="square" lIns="91425" tIns="91425" rIns="91425" bIns="91425" anchor="b" anchorCtr="0">
             <a:normAutofit/>
           </a:bodyPr>
           <a:lstStyle>
@@ -4244,15 +4510,19 @@
               <a:defRPr sz="2400"/>
             </a:lvl9pPr>
           </a:lstStyle>
-          <a:p/>
+          <a:p>
+            <a:endParaRPr/>
+          </a:p>
         </p:txBody>
       </p:sp>
       <p:sp>
         <p:nvSpPr>
           <p:cNvPr id="30" name="Google Shape;30;p7"/>
-          <p:cNvSpPr txBox="1"/>
+          <p:cNvSpPr txBox="1">
+            <a:spLocks noGrp="1"/>
+          </p:cNvSpPr>
           <p:nvPr>
-            <p:ph idx="1" type="body"/>
+            <p:ph type="body" idx="1"/>
           </p:nvPr>
         </p:nvSpPr>
         <p:spPr>
@@ -4265,11 +4535,11 @@
           </a:prstGeom>
         </p:spPr>
         <p:txBody>
-          <a:bodyPr anchorCtr="0" anchor="t" bIns="91425" lIns="91425" spcFirstLastPara="1" rIns="91425" wrap="square" tIns="91425">
+          <a:bodyPr spcFirstLastPara="1" wrap="square" lIns="91425" tIns="91425" rIns="91425" bIns="91425" anchor="t" anchorCtr="0">
             <a:normAutofit/>
           </a:bodyPr>
           <a:lstStyle>
-            <a:lvl1pPr indent="-304800" lvl="0" marL="457200">
+            <a:lvl1pPr marL="457200" lvl="0" indent="-304800">
               <a:spcBef>
                 <a:spcPts val="0"/>
               </a:spcBef>
@@ -4280,7 +4550,7 @@
               <a:buChar char="●"/>
               <a:defRPr sz="1200"/>
             </a:lvl1pPr>
-            <a:lvl2pPr indent="-304800" lvl="1" marL="914400">
+            <a:lvl2pPr marL="914400" lvl="1" indent="-304800">
               <a:spcBef>
                 <a:spcPts val="0"/>
               </a:spcBef>
@@ -4291,7 +4561,7 @@
               <a:buChar char="○"/>
               <a:defRPr sz="1200"/>
             </a:lvl2pPr>
-            <a:lvl3pPr indent="-304800" lvl="2" marL="1371600">
+            <a:lvl3pPr marL="1371600" lvl="2" indent="-304800">
               <a:spcBef>
                 <a:spcPts val="0"/>
               </a:spcBef>
@@ -4302,7 +4572,7 @@
               <a:buChar char="■"/>
               <a:defRPr sz="1200"/>
             </a:lvl3pPr>
-            <a:lvl4pPr indent="-304800" lvl="3" marL="1828800">
+            <a:lvl4pPr marL="1828800" lvl="3" indent="-304800">
               <a:spcBef>
                 <a:spcPts val="0"/>
               </a:spcBef>
@@ -4313,7 +4583,7 @@
               <a:buChar char="●"/>
               <a:defRPr sz="1200"/>
             </a:lvl4pPr>
-            <a:lvl5pPr indent="-304800" lvl="4" marL="2286000">
+            <a:lvl5pPr marL="2286000" lvl="4" indent="-304800">
               <a:spcBef>
                 <a:spcPts val="0"/>
               </a:spcBef>
@@ -4324,7 +4594,7 @@
               <a:buChar char="○"/>
               <a:defRPr sz="1200"/>
             </a:lvl5pPr>
-            <a:lvl6pPr indent="-304800" lvl="5" marL="2743200">
+            <a:lvl6pPr marL="2743200" lvl="5" indent="-304800">
               <a:spcBef>
                 <a:spcPts val="0"/>
               </a:spcBef>
@@ -4335,7 +4605,7 @@
               <a:buChar char="■"/>
               <a:defRPr sz="1200"/>
             </a:lvl6pPr>
-            <a:lvl7pPr indent="-304800" lvl="6" marL="3200400">
+            <a:lvl7pPr marL="3200400" lvl="6" indent="-304800">
               <a:spcBef>
                 <a:spcPts val="0"/>
               </a:spcBef>
@@ -4346,7 +4616,7 @@
               <a:buChar char="●"/>
               <a:defRPr sz="1200"/>
             </a:lvl7pPr>
-            <a:lvl8pPr indent="-304800" lvl="7" marL="3657600">
+            <a:lvl8pPr marL="3657600" lvl="7" indent="-304800">
               <a:spcBef>
                 <a:spcPts val="0"/>
               </a:spcBef>
@@ -4357,7 +4627,7 @@
               <a:buChar char="○"/>
               <a:defRPr sz="1200"/>
             </a:lvl8pPr>
-            <a:lvl9pPr indent="-304800" lvl="8" marL="4114800">
+            <a:lvl9pPr marL="4114800" lvl="8" indent="-304800">
               <a:spcBef>
                 <a:spcPts val="0"/>
               </a:spcBef>
@@ -4369,15 +4639,19 @@
               <a:defRPr sz="1200"/>
             </a:lvl9pPr>
           </a:lstStyle>
-          <a:p/>
+          <a:p>
+            <a:endParaRPr/>
+          </a:p>
         </p:txBody>
       </p:sp>
       <p:sp>
         <p:nvSpPr>
           <p:cNvPr id="31" name="Google Shape;31;p7"/>
-          <p:cNvSpPr txBox="1"/>
+          <p:cNvSpPr txBox="1">
+            <a:spLocks noGrp="1"/>
+          </p:cNvSpPr>
           <p:nvPr>
-            <p:ph idx="12" type="sldNum"/>
+            <p:ph type="sldNum" idx="12"/>
           </p:nvPr>
         </p:nvSpPr>
         <p:spPr>
@@ -4390,7 +4664,7 @@
           </a:prstGeom>
         </p:spPr>
         <p:txBody>
-          <a:bodyPr anchorCtr="0" anchor="ctr" bIns="91425" lIns="91425" spcFirstLastPara="1" rIns="91425" wrap="square" tIns="91425">
+          <a:bodyPr spcFirstLastPara="1" wrap="square" lIns="91425" tIns="91425" rIns="91425" bIns="91425" anchor="ctr" anchorCtr="0">
             <a:normAutofit/>
           </a:bodyPr>
           <a:lstStyle>
@@ -4432,7 +4706,7 @@
             </a:lvl9pPr>
           </a:lstStyle>
           <a:p>
-            <a:pPr indent="0" lvl="0" marL="0" rtl="0" algn="r">
+            <a:pPr marL="0" lvl="0" indent="0" algn="r" rtl="0">
               <a:spcBef>
                 <a:spcPts val="0"/>
               </a:spcBef>
@@ -4458,11 +4732,11 @@
 </file>
 
 <file path=ppt/slideLayouts/slideLayout7.xml><?xml version="1.0" encoding="utf-8"?>
-<p:sldLayout xmlns:a="http://schemas.openxmlformats.org/drawingml/2006/main" xmlns:r="http://schemas.openxmlformats.org/officeDocument/2006/relationships" xmlns:mc="http://schemas.openxmlformats.org/markup-compatibility/2006" xmlns:mv="urn:schemas-microsoft-com:mac:vml" xmlns:p="http://schemas.openxmlformats.org/presentationml/2006/main" xmlns:c="http://schemas.openxmlformats.org/drawingml/2006/chart" xmlns:dgm="http://schemas.openxmlformats.org/drawingml/2006/diagram" xmlns:o="urn:schemas-microsoft-com:office:office" xmlns:v="urn:schemas-microsoft-com:vml" xmlns:pvml="urn:schemas-microsoft-com:office:powerpoint" xmlns:com="http://schemas.openxmlformats.org/drawingml/2006/compatibility" xmlns:p14="http://schemas.microsoft.com/office/powerpoint/2010/main" xmlns:p15="http://schemas.microsoft.com/office/powerpoint/2012/main" xmlns:ahyp="http://schemas.microsoft.com/office/drawing/2018/hyperlinkcolor" matchingName="Main point">
+<p:sldLayout xmlns:a="http://schemas.openxmlformats.org/drawingml/2006/main" xmlns:r="http://schemas.openxmlformats.org/officeDocument/2006/relationships" xmlns:p="http://schemas.openxmlformats.org/presentationml/2006/main" matchingName="Main point">
   <p:cSld name="MAIN_POINT">
     <p:spTree>
       <p:nvGrpSpPr>
-        <p:cNvPr id="32" name="Shape 32"/>
+        <p:cNvPr id="1" name="Shape 32"/>
         <p:cNvGrpSpPr/>
         <p:nvPr/>
       </p:nvGrpSpPr>
@@ -4477,7 +4751,9 @@
       <p:sp>
         <p:nvSpPr>
           <p:cNvPr id="33" name="Google Shape;33;p8"/>
-          <p:cNvSpPr txBox="1"/>
+          <p:cNvSpPr txBox="1">
+            <a:spLocks noGrp="1"/>
+          </p:cNvSpPr>
           <p:nvPr>
             <p:ph type="title"/>
           </p:nvPr>
@@ -4492,7 +4768,7 @@
           </a:prstGeom>
         </p:spPr>
         <p:txBody>
-          <a:bodyPr anchorCtr="0" anchor="ctr" bIns="91425" lIns="91425" spcFirstLastPara="1" rIns="91425" wrap="square" tIns="91425">
+          <a:bodyPr spcFirstLastPara="1" wrap="square" lIns="91425" tIns="91425" rIns="91425" bIns="91425" anchor="ctr" anchorCtr="0">
             <a:normAutofit/>
           </a:bodyPr>
           <a:lstStyle>
@@ -4596,15 +4872,19 @@
               <a:defRPr sz="4800"/>
             </a:lvl9pPr>
           </a:lstStyle>
-          <a:p/>
+          <a:p>
+            <a:endParaRPr/>
+          </a:p>
         </p:txBody>
       </p:sp>
       <p:sp>
         <p:nvSpPr>
           <p:cNvPr id="34" name="Google Shape;34;p8"/>
-          <p:cNvSpPr txBox="1"/>
+          <p:cNvSpPr txBox="1">
+            <a:spLocks noGrp="1"/>
+          </p:cNvSpPr>
           <p:nvPr>
-            <p:ph idx="12" type="sldNum"/>
+            <p:ph type="sldNum" idx="12"/>
           </p:nvPr>
         </p:nvSpPr>
         <p:spPr>
@@ -4617,7 +4897,7 @@
           </a:prstGeom>
         </p:spPr>
         <p:txBody>
-          <a:bodyPr anchorCtr="0" anchor="ctr" bIns="91425" lIns="91425" spcFirstLastPara="1" rIns="91425" wrap="square" tIns="91425">
+          <a:bodyPr spcFirstLastPara="1" wrap="square" lIns="91425" tIns="91425" rIns="91425" bIns="91425" anchor="ctr" anchorCtr="0">
             <a:normAutofit/>
           </a:bodyPr>
           <a:lstStyle>
@@ -4659,7 +4939,7 @@
             </a:lvl9pPr>
           </a:lstStyle>
           <a:p>
-            <a:pPr indent="0" lvl="0" marL="0" rtl="0" algn="r">
+            <a:pPr marL="0" lvl="0" indent="0" algn="r" rtl="0">
               <a:spcBef>
                 <a:spcPts val="0"/>
               </a:spcBef>
@@ -4685,11 +4965,11 @@
 </file>
 
 <file path=ppt/slideLayouts/slideLayout8.xml><?xml version="1.0" encoding="utf-8"?>
-<p:sldLayout xmlns:a="http://schemas.openxmlformats.org/drawingml/2006/main" xmlns:r="http://schemas.openxmlformats.org/officeDocument/2006/relationships" xmlns:mc="http://schemas.openxmlformats.org/markup-compatibility/2006" xmlns:mv="urn:schemas-microsoft-com:mac:vml" xmlns:p="http://schemas.openxmlformats.org/presentationml/2006/main" xmlns:c="http://schemas.openxmlformats.org/drawingml/2006/chart" xmlns:dgm="http://schemas.openxmlformats.org/drawingml/2006/diagram" xmlns:o="urn:schemas-microsoft-com:office:office" xmlns:v="urn:schemas-microsoft-com:vml" xmlns:pvml="urn:schemas-microsoft-com:office:powerpoint" xmlns:com="http://schemas.openxmlformats.org/drawingml/2006/compatibility" xmlns:p14="http://schemas.microsoft.com/office/powerpoint/2010/main" xmlns:p15="http://schemas.microsoft.com/office/powerpoint/2012/main" xmlns:ahyp="http://schemas.microsoft.com/office/drawing/2018/hyperlinkcolor" matchingName="Section title and description">
+<p:sldLayout xmlns:a="http://schemas.openxmlformats.org/drawingml/2006/main" xmlns:r="http://schemas.openxmlformats.org/officeDocument/2006/relationships" xmlns:p="http://schemas.openxmlformats.org/presentationml/2006/main" matchingName="Section title and description">
   <p:cSld name="SECTION_TITLE_AND_DESCRIPTION">
     <p:spTree>
       <p:nvGrpSpPr>
-        <p:cNvPr id="35" name="Shape 35"/>
+        <p:cNvPr id="1" name="Shape 35"/>
         <p:cNvGrpSpPr/>
         <p:nvPr/>
       </p:nvGrpSpPr>
@@ -4723,23 +5003,20 @@
           </a:ln>
         </p:spPr>
         <p:txBody>
-          <a:bodyPr anchorCtr="0" anchor="ctr" bIns="91425" lIns="91425" spcFirstLastPara="1" rIns="91425" wrap="square" tIns="91425">
+          <a:bodyPr spcFirstLastPara="1" wrap="square" lIns="91425" tIns="91425" rIns="91425" bIns="91425" anchor="ctr" anchorCtr="0">
             <a:noAutofit/>
           </a:bodyPr>
           <a:lstStyle/>
           <a:p>
-            <a:pPr indent="0" lvl="0" marL="0" rtl="0" algn="l">
-              <a:spcBef>
-                <a:spcPts val="0"/>
-              </a:spcBef>
-              <a:spcAft>
-                <a:spcPts val="0"/>
-              </a:spcAft>
-              <a:buNone/>
-            </a:pPr>
-            <a:r>
-              <a:t/>
-            </a:r>
+            <a:pPr marL="0" lvl="0" indent="0" algn="l" rtl="0">
+              <a:spcBef>
+                <a:spcPts val="0"/>
+              </a:spcBef>
+              <a:spcAft>
+                <a:spcPts val="0"/>
+              </a:spcAft>
+              <a:buNone/>
+            </a:pPr>
             <a:endParaRPr/>
           </a:p>
         </p:txBody>
@@ -4747,7 +5024,9 @@
       <p:sp>
         <p:nvSpPr>
           <p:cNvPr id="37" name="Google Shape;37;p9"/>
-          <p:cNvSpPr txBox="1"/>
+          <p:cNvSpPr txBox="1">
+            <a:spLocks noGrp="1"/>
+          </p:cNvSpPr>
           <p:nvPr>
             <p:ph type="title"/>
           </p:nvPr>
@@ -4762,7 +5041,7 @@
           </a:prstGeom>
         </p:spPr>
         <p:txBody>
-          <a:bodyPr anchorCtr="0" anchor="b" bIns="91425" lIns="91425" spcFirstLastPara="1" rIns="91425" wrap="square" tIns="91425">
+          <a:bodyPr spcFirstLastPara="1" wrap="square" lIns="91425" tIns="91425" rIns="91425" bIns="91425" anchor="b" anchorCtr="0">
             <a:normAutofit/>
           </a:bodyPr>
           <a:lstStyle>
@@ -4866,15 +5145,19 @@
               <a:defRPr sz="4200"/>
             </a:lvl9pPr>
           </a:lstStyle>
-          <a:p/>
+          <a:p>
+            <a:endParaRPr/>
+          </a:p>
         </p:txBody>
       </p:sp>
       <p:sp>
         <p:nvSpPr>
           <p:cNvPr id="38" name="Google Shape;38;p9"/>
-          <p:cNvSpPr txBox="1"/>
+          <p:cNvSpPr txBox="1">
+            <a:spLocks noGrp="1"/>
+          </p:cNvSpPr>
           <p:nvPr>
-            <p:ph idx="1" type="subTitle"/>
+            <p:ph type="subTitle" idx="1"/>
           </p:nvPr>
         </p:nvSpPr>
         <p:spPr>
@@ -4887,7 +5170,7 @@
           </a:prstGeom>
         </p:spPr>
         <p:txBody>
-          <a:bodyPr anchorCtr="0" anchor="t" bIns="91425" lIns="91425" spcFirstLastPara="1" rIns="91425" wrap="square" tIns="91425">
+          <a:bodyPr spcFirstLastPara="1" wrap="square" lIns="91425" tIns="91425" rIns="91425" bIns="91425" anchor="t" anchorCtr="0">
             <a:normAutofit/>
           </a:bodyPr>
           <a:lstStyle>
@@ -5018,15 +5301,19 @@
               <a:defRPr sz="2100"/>
             </a:lvl9pPr>
           </a:lstStyle>
-          <a:p/>
+          <a:p>
+            <a:endParaRPr/>
+          </a:p>
         </p:txBody>
       </p:sp>
       <p:sp>
         <p:nvSpPr>
           <p:cNvPr id="39" name="Google Shape;39;p9"/>
-          <p:cNvSpPr txBox="1"/>
+          <p:cNvSpPr txBox="1">
+            <a:spLocks noGrp="1"/>
+          </p:cNvSpPr>
           <p:nvPr>
-            <p:ph idx="2" type="body"/>
+            <p:ph type="body" idx="2"/>
           </p:nvPr>
         </p:nvSpPr>
         <p:spPr>
@@ -5039,11 +5326,11 @@
           </a:prstGeom>
         </p:spPr>
         <p:txBody>
-          <a:bodyPr anchorCtr="0" anchor="ctr" bIns="91425" lIns="91425" spcFirstLastPara="1" rIns="91425" wrap="square" tIns="91425">
+          <a:bodyPr spcFirstLastPara="1" wrap="square" lIns="91425" tIns="91425" rIns="91425" bIns="91425" anchor="ctr" anchorCtr="0">
             <a:normAutofit/>
           </a:bodyPr>
           <a:lstStyle>
-            <a:lvl1pPr indent="-342900" lvl="0" marL="457200">
+            <a:lvl1pPr marL="457200" lvl="0" indent="-342900">
               <a:spcBef>
                 <a:spcPts val="0"/>
               </a:spcBef>
@@ -5054,7 +5341,7 @@
               <a:buChar char="●"/>
               <a:defRPr/>
             </a:lvl1pPr>
-            <a:lvl2pPr indent="-317500" lvl="1" marL="914400">
+            <a:lvl2pPr marL="914400" lvl="1" indent="-317500">
               <a:spcBef>
                 <a:spcPts val="0"/>
               </a:spcBef>
@@ -5065,7 +5352,7 @@
               <a:buChar char="○"/>
               <a:defRPr/>
             </a:lvl2pPr>
-            <a:lvl3pPr indent="-317500" lvl="2" marL="1371600">
+            <a:lvl3pPr marL="1371600" lvl="2" indent="-317500">
               <a:spcBef>
                 <a:spcPts val="0"/>
               </a:spcBef>
@@ -5076,7 +5363,7 @@
               <a:buChar char="■"/>
               <a:defRPr/>
             </a:lvl3pPr>
-            <a:lvl4pPr indent="-317500" lvl="3" marL="1828800">
+            <a:lvl4pPr marL="1828800" lvl="3" indent="-317500">
               <a:spcBef>
                 <a:spcPts val="0"/>
               </a:spcBef>
@@ -5087,7 +5374,7 @@
               <a:buChar char="●"/>
               <a:defRPr/>
             </a:lvl4pPr>
-            <a:lvl5pPr indent="-317500" lvl="4" marL="2286000">
+            <a:lvl5pPr marL="2286000" lvl="4" indent="-317500">
               <a:spcBef>
                 <a:spcPts val="0"/>
               </a:spcBef>
@@ -5098,7 +5385,7 @@
               <a:buChar char="○"/>
               <a:defRPr/>
             </a:lvl5pPr>
-            <a:lvl6pPr indent="-317500" lvl="5" marL="2743200">
+            <a:lvl6pPr marL="2743200" lvl="5" indent="-317500">
               <a:spcBef>
                 <a:spcPts val="0"/>
               </a:spcBef>
@@ -5109,7 +5396,7 @@
               <a:buChar char="■"/>
               <a:defRPr/>
             </a:lvl6pPr>
-            <a:lvl7pPr indent="-317500" lvl="6" marL="3200400">
+            <a:lvl7pPr marL="3200400" lvl="6" indent="-317500">
               <a:spcBef>
                 <a:spcPts val="0"/>
               </a:spcBef>
@@ -5120,7 +5407,7 @@
               <a:buChar char="●"/>
               <a:defRPr/>
             </a:lvl7pPr>
-            <a:lvl8pPr indent="-317500" lvl="7" marL="3657600">
+            <a:lvl8pPr marL="3657600" lvl="7" indent="-317500">
               <a:spcBef>
                 <a:spcPts val="0"/>
               </a:spcBef>
@@ -5131,7 +5418,7 @@
               <a:buChar char="○"/>
               <a:defRPr/>
             </a:lvl8pPr>
-            <a:lvl9pPr indent="-317500" lvl="8" marL="4114800">
+            <a:lvl9pPr marL="4114800" lvl="8" indent="-317500">
               <a:spcBef>
                 <a:spcPts val="0"/>
               </a:spcBef>
@@ -5143,15 +5430,19 @@
               <a:defRPr/>
             </a:lvl9pPr>
           </a:lstStyle>
-          <a:p/>
+          <a:p>
+            <a:endParaRPr/>
+          </a:p>
         </p:txBody>
       </p:sp>
       <p:sp>
         <p:nvSpPr>
           <p:cNvPr id="40" name="Google Shape;40;p9"/>
-          <p:cNvSpPr txBox="1"/>
+          <p:cNvSpPr txBox="1">
+            <a:spLocks noGrp="1"/>
+          </p:cNvSpPr>
           <p:nvPr>
-            <p:ph idx="12" type="sldNum"/>
+            <p:ph type="sldNum" idx="12"/>
           </p:nvPr>
         </p:nvSpPr>
         <p:spPr>
@@ -5164,7 +5455,7 @@
           </a:prstGeom>
         </p:spPr>
         <p:txBody>
-          <a:bodyPr anchorCtr="0" anchor="ctr" bIns="91425" lIns="91425" spcFirstLastPara="1" rIns="91425" wrap="square" tIns="91425">
+          <a:bodyPr spcFirstLastPara="1" wrap="square" lIns="91425" tIns="91425" rIns="91425" bIns="91425" anchor="ctr" anchorCtr="0">
             <a:normAutofit/>
           </a:bodyPr>
           <a:lstStyle>
@@ -5206,7 +5497,7 @@
             </a:lvl9pPr>
           </a:lstStyle>
           <a:p>
-            <a:pPr indent="0" lvl="0" marL="0" rtl="0" algn="r">
+            <a:pPr marL="0" lvl="0" indent="0" algn="r" rtl="0">
               <a:spcBef>
                 <a:spcPts val="0"/>
               </a:spcBef>
@@ -5232,11 +5523,11 @@
 </file>
 
 <file path=ppt/slideLayouts/slideLayout9.xml><?xml version="1.0" encoding="utf-8"?>
-<p:sldLayout xmlns:a="http://schemas.openxmlformats.org/drawingml/2006/main" xmlns:r="http://schemas.openxmlformats.org/officeDocument/2006/relationships" xmlns:mc="http://schemas.openxmlformats.org/markup-compatibility/2006" xmlns:mv="urn:schemas-microsoft-com:mac:vml" xmlns:p="http://schemas.openxmlformats.org/presentationml/2006/main" xmlns:c="http://schemas.openxmlformats.org/drawingml/2006/chart" xmlns:dgm="http://schemas.openxmlformats.org/drawingml/2006/diagram" xmlns:o="urn:schemas-microsoft-com:office:office" xmlns:v="urn:schemas-microsoft-com:vml" xmlns:pvml="urn:schemas-microsoft-com:office:powerpoint" xmlns:com="http://schemas.openxmlformats.org/drawingml/2006/compatibility" xmlns:p14="http://schemas.microsoft.com/office/powerpoint/2010/main" xmlns:p15="http://schemas.microsoft.com/office/powerpoint/2012/main" xmlns:ahyp="http://schemas.microsoft.com/office/drawing/2018/hyperlinkcolor" matchingName="Caption">
+<p:sldLayout xmlns:a="http://schemas.openxmlformats.org/drawingml/2006/main" xmlns:r="http://schemas.openxmlformats.org/officeDocument/2006/relationships" xmlns:p="http://schemas.openxmlformats.org/presentationml/2006/main" matchingName="Caption">
   <p:cSld name="CAPTION_ONLY">
     <p:spTree>
       <p:nvGrpSpPr>
-        <p:cNvPr id="41" name="Shape 41"/>
+        <p:cNvPr id="1" name="Shape 41"/>
         <p:cNvGrpSpPr/>
         <p:nvPr/>
       </p:nvGrpSpPr>
@@ -5251,9 +5542,11 @@
       <p:sp>
         <p:nvSpPr>
           <p:cNvPr id="42" name="Google Shape;42;p10"/>
-          <p:cNvSpPr txBox="1"/>
+          <p:cNvSpPr txBox="1">
+            <a:spLocks noGrp="1"/>
+          </p:cNvSpPr>
           <p:nvPr>
-            <p:ph idx="1" type="body"/>
+            <p:ph type="body" idx="1"/>
           </p:nvPr>
         </p:nvSpPr>
         <p:spPr>
@@ -5266,11 +5559,11 @@
           </a:prstGeom>
         </p:spPr>
         <p:txBody>
-          <a:bodyPr anchorCtr="0" anchor="ctr" bIns="91425" lIns="91425" spcFirstLastPara="1" rIns="91425" wrap="square" tIns="91425">
+          <a:bodyPr spcFirstLastPara="1" wrap="square" lIns="91425" tIns="91425" rIns="91425" bIns="91425" anchor="ctr" anchorCtr="0">
             <a:normAutofit/>
           </a:bodyPr>
           <a:lstStyle>
-            <a:lvl1pPr indent="-228600" lvl="0" marL="457200">
+            <a:lvl1pPr marL="457200" lvl="0" indent="-228600">
               <a:lnSpc>
                 <a:spcPct val="100000"/>
               </a:lnSpc>
@@ -5285,15 +5578,19 @@
               <a:defRPr/>
             </a:lvl1pPr>
           </a:lstStyle>
-          <a:p/>
+          <a:p>
+            <a:endParaRPr/>
+          </a:p>
         </p:txBody>
       </p:sp>
       <p:sp>
         <p:nvSpPr>
           <p:cNvPr id="43" name="Google Shape;43;p10"/>
-          <p:cNvSpPr txBox="1"/>
+          <p:cNvSpPr txBox="1">
+            <a:spLocks noGrp="1"/>
+          </p:cNvSpPr>
           <p:nvPr>
-            <p:ph idx="12" type="sldNum"/>
+            <p:ph type="sldNum" idx="12"/>
           </p:nvPr>
         </p:nvSpPr>
         <p:spPr>
@@ -5306,7 +5603,7 @@
           </a:prstGeom>
         </p:spPr>
         <p:txBody>
-          <a:bodyPr anchorCtr="0" anchor="ctr" bIns="91425" lIns="91425" spcFirstLastPara="1" rIns="91425" wrap="square" tIns="91425">
+          <a:bodyPr spcFirstLastPara="1" wrap="square" lIns="91425" tIns="91425" rIns="91425" bIns="91425" anchor="ctr" anchorCtr="0">
             <a:normAutofit/>
           </a:bodyPr>
           <a:lstStyle>
@@ -5348,7 +5645,7 @@
             </a:lvl9pPr>
           </a:lstStyle>
           <a:p>
-            <a:pPr indent="0" lvl="0" marL="0" rtl="0" algn="r">
+            <a:pPr marL="0" lvl="0" indent="0" algn="r" rtl="0">
               <a:spcBef>
                 <a:spcPts val="0"/>
               </a:spcBef>
@@ -5374,18 +5671,19 @@
 </file>
 
 <file path=ppt/slideMasters/slideMaster1.xml><?xml version="1.0" encoding="utf-8"?>
-<p:sldMaster xmlns:a="http://schemas.openxmlformats.org/drawingml/2006/main" xmlns:r="http://schemas.openxmlformats.org/officeDocument/2006/relationships" xmlns:mc="http://schemas.openxmlformats.org/markup-compatibility/2006" xmlns:mv="urn:schemas-microsoft-com:mac:vml" xmlns:p="http://schemas.openxmlformats.org/presentationml/2006/main" xmlns:c="http://schemas.openxmlformats.org/drawingml/2006/chart" xmlns:dgm="http://schemas.openxmlformats.org/drawingml/2006/diagram" xmlns:o="urn:schemas-microsoft-com:office:office" xmlns:v="urn:schemas-microsoft-com:vml" xmlns:pvml="urn:schemas-microsoft-com:office:powerpoint" xmlns:com="http://schemas.openxmlformats.org/drawingml/2006/compatibility" xmlns:p14="http://schemas.microsoft.com/office/powerpoint/2010/main" xmlns:p15="http://schemas.microsoft.com/office/powerpoint/2012/main" xmlns:ahyp="http://schemas.microsoft.com/office/drawing/2018/hyperlinkcolor">
+<p:sldMaster xmlns:a="http://schemas.openxmlformats.org/drawingml/2006/main" xmlns:r="http://schemas.openxmlformats.org/officeDocument/2006/relationships" xmlns:p="http://schemas.openxmlformats.org/presentationml/2006/main">
   <p:cSld name="simple-light-2">
     <p:bg>
       <p:bgPr>
         <a:solidFill>
           <a:schemeClr val="lt1"/>
         </a:solidFill>
+        <a:effectLst/>
       </p:bgPr>
     </p:bg>
     <p:spTree>
       <p:nvGrpSpPr>
-        <p:cNvPr id="5" name="Shape 5"/>
+        <p:cNvPr id="1" name="Shape 5"/>
         <p:cNvGrpSpPr/>
         <p:nvPr/>
       </p:nvGrpSpPr>
@@ -5400,7 +5698,9 @@
       <p:sp>
         <p:nvSpPr>
           <p:cNvPr id="6" name="Google Shape;6;p1"/>
-          <p:cNvSpPr txBox="1"/>
+          <p:cNvSpPr txBox="1">
+            <a:spLocks noGrp="1"/>
+          </p:cNvSpPr>
           <p:nvPr>
             <p:ph type="title"/>
           </p:nvPr>
@@ -5419,7 +5719,7 @@
           </a:ln>
         </p:spPr>
         <p:txBody>
-          <a:bodyPr anchorCtr="0" anchor="t" bIns="91425" lIns="91425" spcFirstLastPara="1" rIns="91425" wrap="square" tIns="91425">
+          <a:bodyPr spcFirstLastPara="1" wrap="square" lIns="91425" tIns="91425" rIns="91425" bIns="91425" anchor="t" anchorCtr="0">
             <a:normAutofit/>
           </a:bodyPr>
           <a:lstStyle>
@@ -5586,15 +5886,19 @@
               </a:defRPr>
             </a:lvl9pPr>
           </a:lstStyle>
-          <a:p/>
+          <a:p>
+            <a:endParaRPr/>
+          </a:p>
         </p:txBody>
       </p:sp>
       <p:sp>
         <p:nvSpPr>
           <p:cNvPr id="7" name="Google Shape;7;p1"/>
-          <p:cNvSpPr txBox="1"/>
+          <p:cNvSpPr txBox="1">
+            <a:spLocks noGrp="1"/>
+          </p:cNvSpPr>
           <p:nvPr>
-            <p:ph idx="1" type="body"/>
+            <p:ph type="body" idx="1"/>
           </p:nvPr>
         </p:nvSpPr>
         <p:spPr>
@@ -5611,11 +5915,11 @@
           </a:ln>
         </p:spPr>
         <p:txBody>
-          <a:bodyPr anchorCtr="0" anchor="t" bIns="91425" lIns="91425" spcFirstLastPara="1" rIns="91425" wrap="square" tIns="91425">
+          <a:bodyPr spcFirstLastPara="1" wrap="square" lIns="91425" tIns="91425" rIns="91425" bIns="91425" anchor="t" anchorCtr="0">
             <a:normAutofit/>
           </a:bodyPr>
           <a:lstStyle>
-            <a:lvl1pPr indent="-342900" lvl="0" marL="457200">
+            <a:lvl1pPr marL="457200" lvl="0" indent="-342900">
               <a:lnSpc>
                 <a:spcPct val="115000"/>
               </a:lnSpc>
@@ -5636,7 +5940,7 @@
                 </a:solidFill>
               </a:defRPr>
             </a:lvl1pPr>
-            <a:lvl2pPr indent="-317500" lvl="1" marL="914400">
+            <a:lvl2pPr marL="914400" lvl="1" indent="-317500">
               <a:lnSpc>
                 <a:spcPct val="115000"/>
               </a:lnSpc>
@@ -5657,7 +5961,7 @@
                 </a:solidFill>
               </a:defRPr>
             </a:lvl2pPr>
-            <a:lvl3pPr indent="-317500" lvl="2" marL="1371600">
+            <a:lvl3pPr marL="1371600" lvl="2" indent="-317500">
               <a:lnSpc>
                 <a:spcPct val="115000"/>
               </a:lnSpc>
@@ -5678,7 +5982,7 @@
                 </a:solidFill>
               </a:defRPr>
             </a:lvl3pPr>
-            <a:lvl4pPr indent="-317500" lvl="3" marL="1828800">
+            <a:lvl4pPr marL="1828800" lvl="3" indent="-317500">
               <a:lnSpc>
                 <a:spcPct val="115000"/>
               </a:lnSpc>
@@ -5699,7 +6003,7 @@
                 </a:solidFill>
               </a:defRPr>
             </a:lvl4pPr>
-            <a:lvl5pPr indent="-317500" lvl="4" marL="2286000">
+            <a:lvl5pPr marL="2286000" lvl="4" indent="-317500">
               <a:lnSpc>
                 <a:spcPct val="115000"/>
               </a:lnSpc>
@@ -5720,7 +6024,7 @@
                 </a:solidFill>
               </a:defRPr>
             </a:lvl5pPr>
-            <a:lvl6pPr indent="-317500" lvl="5" marL="2743200">
+            <a:lvl6pPr marL="2743200" lvl="5" indent="-317500">
               <a:lnSpc>
                 <a:spcPct val="115000"/>
               </a:lnSpc>
@@ -5741,7 +6045,7 @@
                 </a:solidFill>
               </a:defRPr>
             </a:lvl6pPr>
-            <a:lvl7pPr indent="-317500" lvl="6" marL="3200400">
+            <a:lvl7pPr marL="3200400" lvl="6" indent="-317500">
               <a:lnSpc>
                 <a:spcPct val="115000"/>
               </a:lnSpc>
@@ -5762,7 +6066,7 @@
                 </a:solidFill>
               </a:defRPr>
             </a:lvl7pPr>
-            <a:lvl8pPr indent="-317500" lvl="7" marL="3657600">
+            <a:lvl8pPr marL="3657600" lvl="7" indent="-317500">
               <a:lnSpc>
                 <a:spcPct val="115000"/>
               </a:lnSpc>
@@ -5783,7 +6087,7 @@
                 </a:solidFill>
               </a:defRPr>
             </a:lvl8pPr>
-            <a:lvl9pPr indent="-317500" lvl="8" marL="4114800">
+            <a:lvl9pPr marL="4114800" lvl="8" indent="-317500">
               <a:lnSpc>
                 <a:spcPct val="115000"/>
               </a:lnSpc>
@@ -5805,15 +6109,19 @@
               </a:defRPr>
             </a:lvl9pPr>
           </a:lstStyle>
-          <a:p/>
+          <a:p>
+            <a:endParaRPr/>
+          </a:p>
         </p:txBody>
       </p:sp>
       <p:sp>
         <p:nvSpPr>
           <p:cNvPr id="8" name="Google Shape;8;p1"/>
-          <p:cNvSpPr txBox="1"/>
+          <p:cNvSpPr txBox="1">
+            <a:spLocks noGrp="1"/>
+          </p:cNvSpPr>
           <p:nvPr>
-            <p:ph idx="12" type="sldNum"/>
+            <p:ph type="sldNum" idx="12"/>
           </p:nvPr>
         </p:nvSpPr>
         <p:spPr>
@@ -5830,7 +6138,7 @@
           </a:ln>
         </p:spPr>
         <p:txBody>
-          <a:bodyPr anchorCtr="0" anchor="ctr" bIns="91425" lIns="91425" spcFirstLastPara="1" rIns="91425" wrap="square" tIns="91425">
+          <a:bodyPr spcFirstLastPara="1" wrap="square" lIns="91425" tIns="91425" rIns="91425" bIns="91425" anchor="ctr" anchorCtr="0">
             <a:normAutofit/>
           </a:bodyPr>
           <a:lstStyle>
@@ -5908,7 +6216,7 @@
             </a:lvl9pPr>
           </a:lstStyle>
           <a:p>
-            <a:pPr indent="0" lvl="0" marL="0" rtl="0" algn="r">
+            <a:pPr marL="0" lvl="0" indent="0" algn="r" rtl="0">
               <a:spcBef>
                 <a:spcPts val="0"/>
               </a:spcBef>
@@ -5927,7 +6235,7 @@
       </p:sp>
     </p:spTree>
   </p:cSld>
-  <p:clrMap accent1="accent1" accent2="accent2" accent3="accent3" accent4="accent4" accent5="accent5" accent6="accent6" bg1="lt1" bg2="dk2" tx1="dk1" tx2="lt2" folHlink="folHlink" hlink="hlink"/>
+  <p:clrMap bg1="lt1" tx1="dk1" bg2="dk2" tx2="lt2" accent1="accent1" accent2="accent2" accent3="accent3" accent4="accent4" accent5="accent5" accent6="accent6" hlink="hlink" folHlink="folHlink"/>
   <p:sldLayoutIdLst>
     <p:sldLayoutId id="2147483648" r:id="rId1"/>
     <p:sldLayoutId id="2147483649" r:id="rId2"/>
@@ -5941,10 +6249,10 @@
     <p:sldLayoutId id="2147483657" r:id="rId10"/>
     <p:sldLayoutId id="2147483658" r:id="rId11"/>
   </p:sldLayoutIdLst>
-  <p:hf dt="0" ftr="0" hdr="0" sldNum="0"/>
+  <p:hf sldNum="0" hdr="0" ftr="0" dt="0"/>
   <p:txStyles>
     <p:titleStyle>
-      <a:defPPr lvl="0" marR="0" rtl="0" algn="l">
+      <a:defPPr marR="0" lvl="0" algn="l" rtl="0">
         <a:lnSpc>
           <a:spcPct val="100000"/>
         </a:lnSpc>
@@ -5955,7 +6263,7 @@
           <a:spcPts val="0"/>
         </a:spcAft>
       </a:defPPr>
-      <a:lvl1pPr lvl="0" marR="0" rtl="0" algn="l">
+      <a:lvl1pPr marR="0" lvl="0" algn="l" rtl="0">
         <a:lnSpc>
           <a:spcPct val="100000"/>
         </a:lnSpc>
@@ -5969,7 +6277,7 @@
           <a:srgbClr val="000000"/>
         </a:buClr>
         <a:buFont typeface="Arial"/>
-        <a:defRPr b="0" i="0" sz="1400" u="none" cap="none" strike="noStrike">
+        <a:defRPr sz="1400" b="0" i="0" u="none" strike="noStrike" cap="none">
           <a:solidFill>
             <a:srgbClr val="000000"/>
           </a:solidFill>
@@ -5979,7 +6287,7 @@
           <a:sym typeface="Arial"/>
         </a:defRPr>
       </a:lvl1pPr>
-      <a:lvl2pPr lvl="1" marR="0" rtl="0" algn="l">
+      <a:lvl2pPr marR="0" lvl="1" algn="l" rtl="0">
         <a:lnSpc>
           <a:spcPct val="100000"/>
         </a:lnSpc>
@@ -5993,7 +6301,7 @@
           <a:srgbClr val="000000"/>
         </a:buClr>
         <a:buFont typeface="Arial"/>
-        <a:defRPr b="0" i="0" sz="1400" u="none" cap="none" strike="noStrike">
+        <a:defRPr sz="1400" b="0" i="0" u="none" strike="noStrike" cap="none">
           <a:solidFill>
             <a:srgbClr val="000000"/>
           </a:solidFill>
@@ -6003,7 +6311,7 @@
           <a:sym typeface="Arial"/>
         </a:defRPr>
       </a:lvl2pPr>
-      <a:lvl3pPr lvl="2" marR="0" rtl="0" algn="l">
+      <a:lvl3pPr marR="0" lvl="2" algn="l" rtl="0">
         <a:lnSpc>
           <a:spcPct val="100000"/>
         </a:lnSpc>
@@ -6017,7 +6325,7 @@
           <a:srgbClr val="000000"/>
         </a:buClr>
         <a:buFont typeface="Arial"/>
-        <a:defRPr b="0" i="0" sz="1400" u="none" cap="none" strike="noStrike">
+        <a:defRPr sz="1400" b="0" i="0" u="none" strike="noStrike" cap="none">
           <a:solidFill>
             <a:srgbClr val="000000"/>
           </a:solidFill>
@@ -6027,7 +6335,7 @@
           <a:sym typeface="Arial"/>
         </a:defRPr>
       </a:lvl3pPr>
-      <a:lvl4pPr lvl="3" marR="0" rtl="0" algn="l">
+      <a:lvl4pPr marR="0" lvl="3" algn="l" rtl="0">
         <a:lnSpc>
           <a:spcPct val="100000"/>
         </a:lnSpc>
@@ -6041,7 +6349,7 @@
           <a:srgbClr val="000000"/>
         </a:buClr>
         <a:buFont typeface="Arial"/>
-        <a:defRPr b="0" i="0" sz="1400" u="none" cap="none" strike="noStrike">
+        <a:defRPr sz="1400" b="0" i="0" u="none" strike="noStrike" cap="none">
           <a:solidFill>
             <a:srgbClr val="000000"/>
           </a:solidFill>
@@ -6051,7 +6359,7 @@
           <a:sym typeface="Arial"/>
         </a:defRPr>
       </a:lvl4pPr>
-      <a:lvl5pPr lvl="4" marR="0" rtl="0" algn="l">
+      <a:lvl5pPr marR="0" lvl="4" algn="l" rtl="0">
         <a:lnSpc>
           <a:spcPct val="100000"/>
         </a:lnSpc>
@@ -6065,7 +6373,7 @@
           <a:srgbClr val="000000"/>
         </a:buClr>
         <a:buFont typeface="Arial"/>
-        <a:defRPr b="0" i="0" sz="1400" u="none" cap="none" strike="noStrike">
+        <a:defRPr sz="1400" b="0" i="0" u="none" strike="noStrike" cap="none">
           <a:solidFill>
             <a:srgbClr val="000000"/>
           </a:solidFill>
@@ -6075,7 +6383,7 @@
           <a:sym typeface="Arial"/>
         </a:defRPr>
       </a:lvl5pPr>
-      <a:lvl6pPr lvl="5" marR="0" rtl="0" algn="l">
+      <a:lvl6pPr marR="0" lvl="5" algn="l" rtl="0">
         <a:lnSpc>
           <a:spcPct val="100000"/>
         </a:lnSpc>
@@ -6089,7 +6397,7 @@
           <a:srgbClr val="000000"/>
         </a:buClr>
         <a:buFont typeface="Arial"/>
-        <a:defRPr b="0" i="0" sz="1400" u="none" cap="none" strike="noStrike">
+        <a:defRPr sz="1400" b="0" i="0" u="none" strike="noStrike" cap="none">
           <a:solidFill>
             <a:srgbClr val="000000"/>
           </a:solidFill>
@@ -6099,7 +6407,7 @@
           <a:sym typeface="Arial"/>
         </a:defRPr>
       </a:lvl6pPr>
-      <a:lvl7pPr lvl="6" marR="0" rtl="0" algn="l">
+      <a:lvl7pPr marR="0" lvl="6" algn="l" rtl="0">
         <a:lnSpc>
           <a:spcPct val="100000"/>
         </a:lnSpc>
@@ -6113,7 +6421,7 @@
           <a:srgbClr val="000000"/>
         </a:buClr>
         <a:buFont typeface="Arial"/>
-        <a:defRPr b="0" i="0" sz="1400" u="none" cap="none" strike="noStrike">
+        <a:defRPr sz="1400" b="0" i="0" u="none" strike="noStrike" cap="none">
           <a:solidFill>
             <a:srgbClr val="000000"/>
           </a:solidFill>
@@ -6123,7 +6431,7 @@
           <a:sym typeface="Arial"/>
         </a:defRPr>
       </a:lvl7pPr>
-      <a:lvl8pPr lvl="7" marR="0" rtl="0" algn="l">
+      <a:lvl8pPr marR="0" lvl="7" algn="l" rtl="0">
         <a:lnSpc>
           <a:spcPct val="100000"/>
         </a:lnSpc>
@@ -6137,7 +6445,7 @@
           <a:srgbClr val="000000"/>
         </a:buClr>
         <a:buFont typeface="Arial"/>
-        <a:defRPr b="0" i="0" sz="1400" u="none" cap="none" strike="noStrike">
+        <a:defRPr sz="1400" b="0" i="0" u="none" strike="noStrike" cap="none">
           <a:solidFill>
             <a:srgbClr val="000000"/>
           </a:solidFill>
@@ -6147,7 +6455,7 @@
           <a:sym typeface="Arial"/>
         </a:defRPr>
       </a:lvl8pPr>
-      <a:lvl9pPr lvl="8" marR="0" rtl="0" algn="l">
+      <a:lvl9pPr marR="0" lvl="8" algn="l" rtl="0">
         <a:lnSpc>
           <a:spcPct val="100000"/>
         </a:lnSpc>
@@ -6161,7 +6469,7 @@
           <a:srgbClr val="000000"/>
         </a:buClr>
         <a:buFont typeface="Arial"/>
-        <a:defRPr b="0" i="0" sz="1400" u="none" cap="none" strike="noStrike">
+        <a:defRPr sz="1400" b="0" i="0" u="none" strike="noStrike" cap="none">
           <a:solidFill>
             <a:srgbClr val="000000"/>
           </a:solidFill>
@@ -6173,7 +6481,7 @@
       </a:lvl9pPr>
     </p:titleStyle>
     <p:bodyStyle>
-      <a:defPPr lvl="0" marR="0" rtl="0" algn="l">
+      <a:defPPr marR="0" lvl="0" algn="l" rtl="0">
         <a:lnSpc>
           <a:spcPct val="100000"/>
         </a:lnSpc>
@@ -6184,7 +6492,7 @@
           <a:spcPts val="0"/>
         </a:spcAft>
       </a:defPPr>
-      <a:lvl1pPr lvl="0" marR="0" rtl="0" algn="l">
+      <a:lvl1pPr marR="0" lvl="0" algn="l" rtl="0">
         <a:lnSpc>
           <a:spcPct val="100000"/>
         </a:lnSpc>
@@ -6198,7 +6506,7 @@
           <a:srgbClr val="000000"/>
         </a:buClr>
         <a:buFont typeface="Arial"/>
-        <a:defRPr b="0" i="0" sz="1400" u="none" cap="none" strike="noStrike">
+        <a:defRPr sz="1400" b="0" i="0" u="none" strike="noStrike" cap="none">
           <a:solidFill>
             <a:srgbClr val="000000"/>
           </a:solidFill>
@@ -6208,7 +6516,7 @@
           <a:sym typeface="Arial"/>
         </a:defRPr>
       </a:lvl1pPr>
-      <a:lvl2pPr lvl="1" marR="0" rtl="0" algn="l">
+      <a:lvl2pPr marR="0" lvl="1" algn="l" rtl="0">
         <a:lnSpc>
           <a:spcPct val="100000"/>
         </a:lnSpc>
@@ -6222,7 +6530,7 @@
           <a:srgbClr val="000000"/>
         </a:buClr>
         <a:buFont typeface="Arial"/>
-        <a:defRPr b="0" i="0" sz="1400" u="none" cap="none" strike="noStrike">
+        <a:defRPr sz="1400" b="0" i="0" u="none" strike="noStrike" cap="none">
           <a:solidFill>
             <a:srgbClr val="000000"/>
           </a:solidFill>
@@ -6232,7 +6540,7 @@
           <a:sym typeface="Arial"/>
         </a:defRPr>
       </a:lvl2pPr>
-      <a:lvl3pPr lvl="2" marR="0" rtl="0" algn="l">
+      <a:lvl3pPr marR="0" lvl="2" algn="l" rtl="0">
         <a:lnSpc>
           <a:spcPct val="100000"/>
         </a:lnSpc>
@@ -6246,7 +6554,7 @@
           <a:srgbClr val="000000"/>
         </a:buClr>
         <a:buFont typeface="Arial"/>
-        <a:defRPr b="0" i="0" sz="1400" u="none" cap="none" strike="noStrike">
+        <a:defRPr sz="1400" b="0" i="0" u="none" strike="noStrike" cap="none">
           <a:solidFill>
             <a:srgbClr val="000000"/>
           </a:solidFill>
@@ -6256,7 +6564,7 @@
           <a:sym typeface="Arial"/>
         </a:defRPr>
       </a:lvl3pPr>
-      <a:lvl4pPr lvl="3" marR="0" rtl="0" algn="l">
+      <a:lvl4pPr marR="0" lvl="3" algn="l" rtl="0">
         <a:lnSpc>
           <a:spcPct val="100000"/>
         </a:lnSpc>
@@ -6270,7 +6578,7 @@
           <a:srgbClr val="000000"/>
         </a:buClr>
         <a:buFont typeface="Arial"/>
-        <a:defRPr b="0" i="0" sz="1400" u="none" cap="none" strike="noStrike">
+        <a:defRPr sz="1400" b="0" i="0" u="none" strike="noStrike" cap="none">
           <a:solidFill>
             <a:srgbClr val="000000"/>
           </a:solidFill>
@@ -6280,7 +6588,7 @@
           <a:sym typeface="Arial"/>
         </a:defRPr>
       </a:lvl4pPr>
-      <a:lvl5pPr lvl="4" marR="0" rtl="0" algn="l">
+      <a:lvl5pPr marR="0" lvl="4" algn="l" rtl="0">
         <a:lnSpc>
           <a:spcPct val="100000"/>
         </a:lnSpc>
@@ -6294,7 +6602,7 @@
           <a:srgbClr val="000000"/>
         </a:buClr>
         <a:buFont typeface="Arial"/>
-        <a:defRPr b="0" i="0" sz="1400" u="none" cap="none" strike="noStrike">
+        <a:defRPr sz="1400" b="0" i="0" u="none" strike="noStrike" cap="none">
           <a:solidFill>
             <a:srgbClr val="000000"/>
           </a:solidFill>
@@ -6304,7 +6612,7 @@
           <a:sym typeface="Arial"/>
         </a:defRPr>
       </a:lvl5pPr>
-      <a:lvl6pPr lvl="5" marR="0" rtl="0" algn="l">
+      <a:lvl6pPr marR="0" lvl="5" algn="l" rtl="0">
         <a:lnSpc>
           <a:spcPct val="100000"/>
         </a:lnSpc>
@@ -6318,7 +6626,7 @@
           <a:srgbClr val="000000"/>
         </a:buClr>
         <a:buFont typeface="Arial"/>
-        <a:defRPr b="0" i="0" sz="1400" u="none" cap="none" strike="noStrike">
+        <a:defRPr sz="1400" b="0" i="0" u="none" strike="noStrike" cap="none">
           <a:solidFill>
             <a:srgbClr val="000000"/>
           </a:solidFill>
@@ -6328,7 +6636,7 @@
           <a:sym typeface="Arial"/>
         </a:defRPr>
       </a:lvl6pPr>
-      <a:lvl7pPr lvl="6" marR="0" rtl="0" algn="l">
+      <a:lvl7pPr marR="0" lvl="6" algn="l" rtl="0">
         <a:lnSpc>
           <a:spcPct val="100000"/>
         </a:lnSpc>
@@ -6342,7 +6650,7 @@
           <a:srgbClr val="000000"/>
         </a:buClr>
         <a:buFont typeface="Arial"/>
-        <a:defRPr b="0" i="0" sz="1400" u="none" cap="none" strike="noStrike">
+        <a:defRPr sz="1400" b="0" i="0" u="none" strike="noStrike" cap="none">
           <a:solidFill>
             <a:srgbClr val="000000"/>
           </a:solidFill>
@@ -6352,7 +6660,7 @@
           <a:sym typeface="Arial"/>
         </a:defRPr>
       </a:lvl7pPr>
-      <a:lvl8pPr lvl="7" marR="0" rtl="0" algn="l">
+      <a:lvl8pPr marR="0" lvl="7" algn="l" rtl="0">
         <a:lnSpc>
           <a:spcPct val="100000"/>
         </a:lnSpc>
@@ -6366,7 +6674,7 @@
           <a:srgbClr val="000000"/>
         </a:buClr>
         <a:buFont typeface="Arial"/>
-        <a:defRPr b="0" i="0" sz="1400" u="none" cap="none" strike="noStrike">
+        <a:defRPr sz="1400" b="0" i="0" u="none" strike="noStrike" cap="none">
           <a:solidFill>
             <a:srgbClr val="000000"/>
           </a:solidFill>
@@ -6376,7 +6684,7 @@
           <a:sym typeface="Arial"/>
         </a:defRPr>
       </a:lvl8pPr>
-      <a:lvl9pPr lvl="8" marR="0" rtl="0" algn="l">
+      <a:lvl9pPr marR="0" lvl="8" algn="l" rtl="0">
         <a:lnSpc>
           <a:spcPct val="100000"/>
         </a:lnSpc>
@@ -6390,7 +6698,7 @@
           <a:srgbClr val="000000"/>
         </a:buClr>
         <a:buFont typeface="Arial"/>
-        <a:defRPr b="0" i="0" sz="1400" u="none" cap="none" strike="noStrike">
+        <a:defRPr sz="1400" b="0" i="0" u="none" strike="noStrike" cap="none">
           <a:solidFill>
             <a:srgbClr val="000000"/>
           </a:solidFill>
@@ -6402,7 +6710,7 @@
       </a:lvl9pPr>
     </p:bodyStyle>
     <p:otherStyle>
-      <a:defPPr lvl="0" marR="0" rtl="0" algn="l">
+      <a:defPPr marR="0" lvl="0" algn="l" rtl="0">
         <a:lnSpc>
           <a:spcPct val="100000"/>
         </a:lnSpc>
@@ -6413,7 +6721,7 @@
           <a:spcPts val="0"/>
         </a:spcAft>
       </a:defPPr>
-      <a:lvl1pPr lvl="0" marR="0" rtl="0" algn="l">
+      <a:lvl1pPr marR="0" lvl="0" algn="l" rtl="0">
         <a:lnSpc>
           <a:spcPct val="100000"/>
         </a:lnSpc>
@@ -6427,7 +6735,7 @@
           <a:srgbClr val="000000"/>
         </a:buClr>
         <a:buFont typeface="Arial"/>
-        <a:defRPr b="0" i="0" sz="1400" u="none" cap="none" strike="noStrike">
+        <a:defRPr sz="1400" b="0" i="0" u="none" strike="noStrike" cap="none">
           <a:solidFill>
             <a:srgbClr val="000000"/>
           </a:solidFill>
@@ -6437,7 +6745,7 @@
           <a:sym typeface="Arial"/>
         </a:defRPr>
       </a:lvl1pPr>
-      <a:lvl2pPr lvl="1" marR="0" rtl="0" algn="l">
+      <a:lvl2pPr marR="0" lvl="1" algn="l" rtl="0">
         <a:lnSpc>
           <a:spcPct val="100000"/>
         </a:lnSpc>
@@ -6451,7 +6759,7 @@
           <a:srgbClr val="000000"/>
         </a:buClr>
         <a:buFont typeface="Arial"/>
-        <a:defRPr b="0" i="0" sz="1400" u="none" cap="none" strike="noStrike">
+        <a:defRPr sz="1400" b="0" i="0" u="none" strike="noStrike" cap="none">
           <a:solidFill>
             <a:srgbClr val="000000"/>
           </a:solidFill>
@@ -6461,7 +6769,7 @@
           <a:sym typeface="Arial"/>
         </a:defRPr>
       </a:lvl2pPr>
-      <a:lvl3pPr lvl="2" marR="0" rtl="0" algn="l">
+      <a:lvl3pPr marR="0" lvl="2" algn="l" rtl="0">
         <a:lnSpc>
           <a:spcPct val="100000"/>
         </a:lnSpc>
@@ -6475,7 +6783,7 @@
           <a:srgbClr val="000000"/>
         </a:buClr>
         <a:buFont typeface="Arial"/>
-        <a:defRPr b="0" i="0" sz="1400" u="none" cap="none" strike="noStrike">
+        <a:defRPr sz="1400" b="0" i="0" u="none" strike="noStrike" cap="none">
           <a:solidFill>
             <a:srgbClr val="000000"/>
           </a:solidFill>
@@ -6485,7 +6793,7 @@
           <a:sym typeface="Arial"/>
         </a:defRPr>
       </a:lvl3pPr>
-      <a:lvl4pPr lvl="3" marR="0" rtl="0" algn="l">
+      <a:lvl4pPr marR="0" lvl="3" algn="l" rtl="0">
         <a:lnSpc>
           <a:spcPct val="100000"/>
         </a:lnSpc>
@@ -6499,7 +6807,7 @@
           <a:srgbClr val="000000"/>
         </a:buClr>
         <a:buFont typeface="Arial"/>
-        <a:defRPr b="0" i="0" sz="1400" u="none" cap="none" strike="noStrike">
+        <a:defRPr sz="1400" b="0" i="0" u="none" strike="noStrike" cap="none">
           <a:solidFill>
             <a:srgbClr val="000000"/>
           </a:solidFill>
@@ -6509,7 +6817,7 @@
           <a:sym typeface="Arial"/>
         </a:defRPr>
       </a:lvl4pPr>
-      <a:lvl5pPr lvl="4" marR="0" rtl="0" algn="l">
+      <a:lvl5pPr marR="0" lvl="4" algn="l" rtl="0">
         <a:lnSpc>
           <a:spcPct val="100000"/>
         </a:lnSpc>
@@ -6523,7 +6831,7 @@
           <a:srgbClr val="000000"/>
         </a:buClr>
         <a:buFont typeface="Arial"/>
-        <a:defRPr b="0" i="0" sz="1400" u="none" cap="none" strike="noStrike">
+        <a:defRPr sz="1400" b="0" i="0" u="none" strike="noStrike" cap="none">
           <a:solidFill>
             <a:srgbClr val="000000"/>
           </a:solidFill>
@@ -6533,7 +6841,7 @@
           <a:sym typeface="Arial"/>
         </a:defRPr>
       </a:lvl5pPr>
-      <a:lvl6pPr lvl="5" marR="0" rtl="0" algn="l">
+      <a:lvl6pPr marR="0" lvl="5" algn="l" rtl="0">
         <a:lnSpc>
           <a:spcPct val="100000"/>
         </a:lnSpc>
@@ -6547,7 +6855,7 @@
           <a:srgbClr val="000000"/>
         </a:buClr>
         <a:buFont typeface="Arial"/>
-        <a:defRPr b="0" i="0" sz="1400" u="none" cap="none" strike="noStrike">
+        <a:defRPr sz="1400" b="0" i="0" u="none" strike="noStrike" cap="none">
           <a:solidFill>
             <a:srgbClr val="000000"/>
           </a:solidFill>
@@ -6557,7 +6865,7 @@
           <a:sym typeface="Arial"/>
         </a:defRPr>
       </a:lvl6pPr>
-      <a:lvl7pPr lvl="6" marR="0" rtl="0" algn="l">
+      <a:lvl7pPr marR="0" lvl="6" algn="l" rtl="0">
         <a:lnSpc>
           <a:spcPct val="100000"/>
         </a:lnSpc>
@@ -6571,7 +6879,7 @@
           <a:srgbClr val="000000"/>
         </a:buClr>
         <a:buFont typeface="Arial"/>
-        <a:defRPr b="0" i="0" sz="1400" u="none" cap="none" strike="noStrike">
+        <a:defRPr sz="1400" b="0" i="0" u="none" strike="noStrike" cap="none">
           <a:solidFill>
             <a:srgbClr val="000000"/>
           </a:solidFill>
@@ -6581,7 +6889,7 @@
           <a:sym typeface="Arial"/>
         </a:defRPr>
       </a:lvl7pPr>
-      <a:lvl8pPr lvl="7" marR="0" rtl="0" algn="l">
+      <a:lvl8pPr marR="0" lvl="7" algn="l" rtl="0">
         <a:lnSpc>
           <a:spcPct val="100000"/>
         </a:lnSpc>
@@ -6595,7 +6903,7 @@
           <a:srgbClr val="000000"/>
         </a:buClr>
         <a:buFont typeface="Arial"/>
-        <a:defRPr b="0" i="0" sz="1400" u="none" cap="none" strike="noStrike">
+        <a:defRPr sz="1400" b="0" i="0" u="none" strike="noStrike" cap="none">
           <a:solidFill>
             <a:srgbClr val="000000"/>
           </a:solidFill>
@@ -6605,7 +6913,7 @@
           <a:sym typeface="Arial"/>
         </a:defRPr>
       </a:lvl8pPr>
-      <a:lvl9pPr lvl="8" marR="0" rtl="0" algn="l">
+      <a:lvl9pPr marR="0" lvl="8" algn="l" rtl="0">
         <a:lnSpc>
           <a:spcPct val="100000"/>
         </a:lnSpc>
@@ -6619,7 +6927,7 @@
           <a:srgbClr val="000000"/>
         </a:buClr>
         <a:buFont typeface="Arial"/>
-        <a:defRPr b="0" i="0" sz="1400" u="none" cap="none" strike="noStrike">
+        <a:defRPr sz="1400" b="0" i="0" u="none" strike="noStrike" cap="none">
           <a:solidFill>
             <a:srgbClr val="000000"/>
           </a:solidFill>
@@ -6635,18 +6943,19 @@
 </file>
 
 <file path=ppt/slides/slide1.xml><?xml version="1.0" encoding="utf-8"?>
-<p:sld xmlns:a="http://schemas.openxmlformats.org/drawingml/2006/main" xmlns:r="http://schemas.openxmlformats.org/officeDocument/2006/relationships" xmlns:mc="http://schemas.openxmlformats.org/markup-compatibility/2006" xmlns:mv="urn:schemas-microsoft-com:mac:vml" xmlns:p="http://schemas.openxmlformats.org/presentationml/2006/main" xmlns:c="http://schemas.openxmlformats.org/drawingml/2006/chart" xmlns:dgm="http://schemas.openxmlformats.org/drawingml/2006/diagram" xmlns:o="urn:schemas-microsoft-com:office:office" xmlns:v="urn:schemas-microsoft-com:vml" xmlns:pvml="urn:schemas-microsoft-com:office:powerpoint" xmlns:com="http://schemas.openxmlformats.org/drawingml/2006/compatibility" xmlns:p14="http://schemas.microsoft.com/office/powerpoint/2010/main" xmlns:p15="http://schemas.microsoft.com/office/powerpoint/2012/main" xmlns:ahyp="http://schemas.microsoft.com/office/drawing/2018/hyperlinkcolor">
+<p:sld xmlns:a="http://schemas.openxmlformats.org/drawingml/2006/main" xmlns:r="http://schemas.openxmlformats.org/officeDocument/2006/relationships" xmlns:p="http://schemas.openxmlformats.org/presentationml/2006/main">
   <p:cSld>
     <p:bg>
       <p:bgPr>
         <a:solidFill>
           <a:schemeClr val="accent3"/>
         </a:solidFill>
+        <a:effectLst/>
       </p:bgPr>
     </p:bg>
     <p:spTree>
       <p:nvGrpSpPr>
-        <p:cNvPr id="53" name="Shape 53"/>
+        <p:cNvPr id="1" name="Shape 53"/>
         <p:cNvGrpSpPr/>
         <p:nvPr/>
       </p:nvGrpSpPr>
@@ -6661,7 +6970,9 @@
       <p:sp>
         <p:nvSpPr>
           <p:cNvPr id="54" name="Google Shape;54;p13"/>
-          <p:cNvSpPr txBox="1"/>
+          <p:cNvSpPr txBox="1">
+            <a:spLocks noGrp="1"/>
+          </p:cNvSpPr>
           <p:nvPr>
             <p:ph type="title"/>
           </p:nvPr>
@@ -6676,29 +6987,29 @@
           </a:prstGeom>
         </p:spPr>
         <p:txBody>
-          <a:bodyPr anchorCtr="0" anchor="ctr" bIns="91425" lIns="91425" spcFirstLastPara="1" rIns="91425" wrap="square" tIns="91425">
+          <a:bodyPr spcFirstLastPara="1" wrap="square" lIns="91425" tIns="91425" rIns="91425" bIns="91425" anchor="ctr" anchorCtr="0">
             <a:normAutofit fontScale="90000"/>
           </a:bodyPr>
           <a:lstStyle/>
           <a:p>
-            <a:pPr indent="0" lvl="0" marL="0" rtl="0" algn="ctr">
-              <a:spcBef>
-                <a:spcPts val="0"/>
-              </a:spcBef>
-              <a:spcAft>
-                <a:spcPts val="0"/>
-              </a:spcAft>
-              <a:buNone/>
-            </a:pPr>
-            <a:r>
-              <a:rPr b="1" lang="en"/>
+            <a:pPr marL="0" lvl="0" indent="0" algn="ctr" rtl="0">
+              <a:spcBef>
+                <a:spcPts val="0"/>
+              </a:spcBef>
+              <a:spcAft>
+                <a:spcPts val="0"/>
+              </a:spcAft>
+              <a:buNone/>
+            </a:pPr>
+            <a:r>
+              <a:rPr lang="en" b="1"/>
               <a:t>Download this slide show and</a:t>
             </a:r>
             <a:br>
-              <a:rPr b="1" lang="en"/>
+              <a:rPr lang="en" b="1"/>
             </a:br>
             <a:r>
-              <a:rPr b="1" lang="en"/>
+              <a:rPr lang="en" b="1"/>
               <a:t>work on your own copy!</a:t>
             </a:r>
             <a:endParaRPr b="1"/>
@@ -6714,11 +7025,177 @@
 </file>
 
 <file path=ppt/slides/slide10.xml><?xml version="1.0" encoding="utf-8"?>
-<p:sld xmlns:a="http://schemas.openxmlformats.org/drawingml/2006/main" xmlns:r="http://schemas.openxmlformats.org/officeDocument/2006/relationships" xmlns:mc="http://schemas.openxmlformats.org/markup-compatibility/2006" xmlns:mv="urn:schemas-microsoft-com:mac:vml" xmlns:p="http://schemas.openxmlformats.org/presentationml/2006/main" xmlns:c="http://schemas.openxmlformats.org/drawingml/2006/chart" xmlns:dgm="http://schemas.openxmlformats.org/drawingml/2006/diagram" xmlns:o="urn:schemas-microsoft-com:office:office" xmlns:v="urn:schemas-microsoft-com:vml" xmlns:pvml="urn:schemas-microsoft-com:office:powerpoint" xmlns:com="http://schemas.openxmlformats.org/drawingml/2006/compatibility" xmlns:p14="http://schemas.microsoft.com/office/powerpoint/2010/main" xmlns:p15="http://schemas.microsoft.com/office/powerpoint/2012/main" xmlns:ahyp="http://schemas.microsoft.com/office/drawing/2018/hyperlinkcolor">
+<p:sld xmlns:a="http://schemas.openxmlformats.org/drawingml/2006/main" xmlns:r="http://schemas.openxmlformats.org/officeDocument/2006/relationships" xmlns:p="http://schemas.openxmlformats.org/presentationml/2006/main">
   <p:cSld>
     <p:spTree>
       <p:nvGrpSpPr>
-        <p:cNvPr id="111" name="Shape 111"/>
+        <p:cNvPr id="1" name="Shape 104"/>
+        <p:cNvGrpSpPr/>
+        <p:nvPr/>
+      </p:nvGrpSpPr>
+      <p:grpSpPr>
+        <a:xfrm>
+          <a:off x="0" y="0"/>
+          <a:ext cx="0" cy="0"/>
+          <a:chOff x="0" y="0"/>
+          <a:chExt cx="0" cy="0"/>
+        </a:xfrm>
+      </p:grpSpPr>
+      <p:sp>
+        <p:nvSpPr>
+          <p:cNvPr id="105" name="Google Shape;105;p21"/>
+          <p:cNvSpPr txBox="1">
+            <a:spLocks noGrp="1"/>
+          </p:cNvSpPr>
+          <p:nvPr>
+            <p:ph type="title"/>
+          </p:nvPr>
+        </p:nvSpPr>
+        <p:spPr>
+          <a:xfrm>
+            <a:off x="311700" y="445025"/>
+            <a:ext cx="8520600" cy="572700"/>
+          </a:xfrm>
+          <a:prstGeom prst="rect">
+            <a:avLst/>
+          </a:prstGeom>
+        </p:spPr>
+        <p:txBody>
+          <a:bodyPr spcFirstLastPara="1" wrap="square" lIns="91425" tIns="91425" rIns="91425" bIns="91425" anchor="t" anchorCtr="0">
+            <a:normAutofit fontScale="90000"/>
+          </a:bodyPr>
+          <a:lstStyle/>
+          <a:p>
+            <a:pPr marL="0" lvl="0" indent="0" algn="l" rtl="0">
+              <a:spcBef>
+                <a:spcPts val="0"/>
+              </a:spcBef>
+              <a:spcAft>
+                <a:spcPts val="0"/>
+              </a:spcAft>
+              <a:buNone/>
+            </a:pPr>
+            <a:r>
+              <a:rPr lang="en"/>
+              <a:t>Occurrence data map (Pleistocene through modern)</a:t>
+            </a:r>
+            <a:endParaRPr/>
+          </a:p>
+        </p:txBody>
+      </p:sp>
+      <p:sp>
+        <p:nvSpPr>
+          <p:cNvPr id="106" name="Google Shape;106;p21"/>
+          <p:cNvSpPr txBox="1">
+            <a:spLocks noGrp="1"/>
+          </p:cNvSpPr>
+          <p:nvPr>
+            <p:ph type="body" idx="1"/>
+          </p:nvPr>
+        </p:nvSpPr>
+        <p:spPr>
+          <a:xfrm>
+            <a:off x="5840400" y="1152525"/>
+            <a:ext cx="2991900" cy="3416400"/>
+          </a:xfrm>
+          <a:prstGeom prst="rect">
+            <a:avLst/>
+          </a:prstGeom>
+        </p:spPr>
+        <p:txBody>
+          <a:bodyPr spcFirstLastPara="1" wrap="square" lIns="91425" tIns="91425" rIns="91425" bIns="91425" anchor="t" anchorCtr="0">
+            <a:normAutofit/>
+          </a:bodyPr>
+          <a:lstStyle/>
+          <a:p>
+            <a:pPr marL="0" lvl="0" indent="0" algn="l" rtl="0">
+              <a:spcBef>
+                <a:spcPts val="0"/>
+              </a:spcBef>
+              <a:spcAft>
+                <a:spcPts val="0"/>
+              </a:spcAft>
+              <a:buNone/>
+            </a:pPr>
+            <a:r>
+              <a:rPr lang="en"/>
+              <a:t>How has your species’ observed range changed from the last ice age to the present?</a:t>
+            </a:r>
+            <a:endParaRPr/>
+          </a:p>
+          <a:p>
+            <a:pPr marL="0" lvl="0" indent="0" algn="l" rtl="0">
+              <a:spcBef>
+                <a:spcPts val="1200"/>
+              </a:spcBef>
+              <a:spcAft>
+                <a:spcPts val="1200"/>
+              </a:spcAft>
+              <a:buClr>
+                <a:schemeClr val="dk1"/>
+              </a:buClr>
+              <a:buSzPts val="1100"/>
+              <a:buFont typeface="Arial"/>
+              <a:buNone/>
+            </a:pPr>
+            <a:r>
+              <a:rPr lang="en"/>
+              <a:t>(this image is from the tutorial with </a:t>
+            </a:r>
+            <a:r>
+              <a:rPr lang="en" i="1"/>
+              <a:t>Microtus pennsylvanicus</a:t>
+            </a:r>
+            <a:r>
+              <a:rPr lang="en"/>
+              <a:t>; delete it and use your own)</a:t>
+            </a:r>
+            <a:endParaRPr/>
+          </a:p>
+        </p:txBody>
+      </p:sp>
+      <p:pic>
+        <p:nvPicPr>
+          <p:cNvPr id="107" name="Google Shape;107;p21"/>
+          <p:cNvPicPr preferRelativeResize="0"/>
+          <p:nvPr/>
+        </p:nvPicPr>
+        <p:blipFill>
+          <a:blip r:embed="rId3">
+            <a:alphaModFix/>
+          </a:blip>
+          <a:stretch>
+            <a:fillRect/>
+          </a:stretch>
+        </p:blipFill>
+        <p:spPr>
+          <a:xfrm>
+            <a:off x="311692" y="1152475"/>
+            <a:ext cx="5528711" cy="3416400"/>
+          </a:xfrm>
+          <a:prstGeom prst="rect">
+            <a:avLst/>
+          </a:prstGeom>
+          <a:noFill/>
+          <a:ln>
+            <a:noFill/>
+          </a:ln>
+        </p:spPr>
+      </p:pic>
+    </p:spTree>
+  </p:cSld>
+  <p:clrMapOvr>
+    <a:masterClrMapping/>
+  </p:clrMapOvr>
+</p:sld>
+</file>
+
+<file path=ppt/slides/slide11.xml><?xml version="1.0" encoding="utf-8"?>
+<p:sld xmlns:a="http://schemas.openxmlformats.org/drawingml/2006/main" xmlns:r="http://schemas.openxmlformats.org/officeDocument/2006/relationships" xmlns:p="http://schemas.openxmlformats.org/presentationml/2006/main">
+  <p:cSld>
+    <p:spTree>
+      <p:nvGrpSpPr>
+        <p:cNvPr id="1" name="Shape 111"/>
         <p:cNvGrpSpPr/>
         <p:nvPr/>
       </p:nvGrpSpPr>
@@ -6733,7 +7210,9 @@
       <p:sp>
         <p:nvSpPr>
           <p:cNvPr id="112" name="Google Shape;112;p22"/>
-          <p:cNvSpPr txBox="1"/>
+          <p:cNvSpPr txBox="1">
+            <a:spLocks noGrp="1"/>
+          </p:cNvSpPr>
           <p:nvPr>
             <p:ph type="title"/>
           </p:nvPr>
@@ -6748,12 +7227,12 @@
           </a:prstGeom>
         </p:spPr>
         <p:txBody>
-          <a:bodyPr anchorCtr="0" anchor="t" bIns="91425" lIns="91425" spcFirstLastPara="1" rIns="91425" wrap="square" tIns="91425">
+          <a:bodyPr spcFirstLastPara="1" wrap="square" lIns="91425" tIns="91425" rIns="91425" bIns="91425" anchor="t" anchorCtr="0">
             <a:normAutofit fontScale="90000"/>
           </a:bodyPr>
           <a:lstStyle/>
           <a:p>
-            <a:pPr indent="0" lvl="0" marL="0" rtl="0" algn="l">
+            <a:pPr marL="0" lvl="0" indent="0" algn="l" rtl="0">
               <a:spcBef>
                 <a:spcPts val="0"/>
               </a:spcBef>
@@ -6773,9 +7252,11 @@
       <p:sp>
         <p:nvSpPr>
           <p:cNvPr id="113" name="Google Shape;113;p22"/>
-          <p:cNvSpPr txBox="1"/>
+          <p:cNvSpPr txBox="1">
+            <a:spLocks noGrp="1"/>
+          </p:cNvSpPr>
           <p:nvPr>
-            <p:ph idx="1" type="body"/>
+            <p:ph type="body" idx="1"/>
           </p:nvPr>
         </p:nvSpPr>
         <p:spPr>
@@ -6788,12 +7269,12 @@
           </a:prstGeom>
         </p:spPr>
         <p:txBody>
-          <a:bodyPr anchorCtr="0" anchor="t" bIns="91425" lIns="91425" spcFirstLastPara="1" rIns="91425" wrap="square" tIns="91425">
+          <a:bodyPr spcFirstLastPara="1" wrap="square" lIns="91425" tIns="91425" rIns="91425" bIns="91425" anchor="t" anchorCtr="0">
             <a:normAutofit/>
           </a:bodyPr>
           <a:lstStyle/>
           <a:p>
-            <a:pPr indent="0" lvl="0" marL="0" rtl="0" algn="l">
+            <a:pPr marL="0" lvl="0" indent="0" algn="l" rtl="0">
               <a:spcBef>
                 <a:spcPts val="0"/>
               </a:spcBef>
@@ -6817,7 +7298,7 @@
             <a:endParaRPr/>
           </a:p>
           <a:p>
-            <a:pPr indent="0" lvl="0" marL="0" rtl="0" algn="l">
+            <a:pPr marL="0" lvl="0" indent="0" algn="l" rtl="0">
               <a:spcBef>
                 <a:spcPts val="1200"/>
               </a:spcBef>
@@ -6833,7 +7314,7 @@
             <a:endParaRPr/>
           </a:p>
           <a:p>
-            <a:pPr indent="0" lvl="0" marL="0" rtl="0" algn="l">
+            <a:pPr marL="0" lvl="0" indent="0" algn="l" rtl="0">
               <a:spcBef>
                 <a:spcPts val="1200"/>
               </a:spcBef>
@@ -6847,7 +7328,7 @@
               <a:t>(this image is from the tutorial with </a:t>
             </a:r>
             <a:r>
-              <a:rPr i="1" lang="en"/>
+              <a:rPr lang="en" i="1"/>
               <a:t>Microtus pennsylvanicus</a:t>
             </a:r>
             <a:r>
@@ -6894,12 +7375,12 @@
 </p:sld>
 </file>
 
-<file path=ppt/slides/slide11.xml><?xml version="1.0" encoding="utf-8"?>
-<p:sld xmlns:a="http://schemas.openxmlformats.org/drawingml/2006/main" xmlns:r="http://schemas.openxmlformats.org/officeDocument/2006/relationships" xmlns:mc="http://schemas.openxmlformats.org/markup-compatibility/2006" xmlns:mv="urn:schemas-microsoft-com:mac:vml" xmlns:p="http://schemas.openxmlformats.org/presentationml/2006/main" xmlns:c="http://schemas.openxmlformats.org/drawingml/2006/chart" xmlns:dgm="http://schemas.openxmlformats.org/drawingml/2006/diagram" xmlns:o="urn:schemas-microsoft-com:office:office" xmlns:v="urn:schemas-microsoft-com:vml" xmlns:pvml="urn:schemas-microsoft-com:office:powerpoint" xmlns:com="http://schemas.openxmlformats.org/drawingml/2006/compatibility" xmlns:p14="http://schemas.microsoft.com/office/powerpoint/2010/main" xmlns:p15="http://schemas.microsoft.com/office/powerpoint/2012/main" xmlns:ahyp="http://schemas.microsoft.com/office/drawing/2018/hyperlinkcolor">
+<file path=ppt/slides/slide12.xml><?xml version="1.0" encoding="utf-8"?>
+<p:sld xmlns:a="http://schemas.openxmlformats.org/drawingml/2006/main" xmlns:r="http://schemas.openxmlformats.org/officeDocument/2006/relationships" xmlns:p="http://schemas.openxmlformats.org/presentationml/2006/main">
   <p:cSld>
     <p:spTree>
       <p:nvGrpSpPr>
-        <p:cNvPr id="118" name="Shape 118"/>
+        <p:cNvPr id="1" name="Shape 118"/>
         <p:cNvGrpSpPr/>
         <p:nvPr/>
       </p:nvGrpSpPr>
@@ -6914,7 +7395,9 @@
       <p:sp>
         <p:nvSpPr>
           <p:cNvPr id="119" name="Google Shape;119;p23"/>
-          <p:cNvSpPr txBox="1"/>
+          <p:cNvSpPr txBox="1">
+            <a:spLocks noGrp="1"/>
+          </p:cNvSpPr>
           <p:nvPr>
             <p:ph type="title"/>
           </p:nvPr>
@@ -6929,12 +7412,12 @@
           </a:prstGeom>
         </p:spPr>
         <p:txBody>
-          <a:bodyPr anchorCtr="0" anchor="t" bIns="91425" lIns="91425" spcFirstLastPara="1" rIns="91425" wrap="square" tIns="91425">
+          <a:bodyPr spcFirstLastPara="1" wrap="square" lIns="91425" tIns="91425" rIns="91425" bIns="91425" anchor="t" anchorCtr="0">
             <a:normAutofit fontScale="90000"/>
           </a:bodyPr>
           <a:lstStyle/>
           <a:p>
-            <a:pPr indent="0" lvl="0" marL="0" rtl="0" algn="l">
+            <a:pPr marL="0" lvl="0" indent="0" algn="l" rtl="0">
               <a:spcBef>
                 <a:spcPts val="0"/>
               </a:spcBef>
@@ -6954,9 +7437,11 @@
       <p:sp>
         <p:nvSpPr>
           <p:cNvPr id="120" name="Google Shape;120;p23"/>
-          <p:cNvSpPr txBox="1"/>
+          <p:cNvSpPr txBox="1">
+            <a:spLocks noGrp="1"/>
+          </p:cNvSpPr>
           <p:nvPr>
-            <p:ph idx="1" type="body"/>
+            <p:ph type="body" idx="1"/>
           </p:nvPr>
         </p:nvSpPr>
         <p:spPr>
@@ -6969,12 +7454,12 @@
           </a:prstGeom>
         </p:spPr>
         <p:txBody>
-          <a:bodyPr anchorCtr="0" anchor="t" bIns="91425" lIns="91425" spcFirstLastPara="1" rIns="91425" wrap="square" tIns="91425">
+          <a:bodyPr spcFirstLastPara="1" wrap="square" lIns="91425" tIns="91425" rIns="91425" bIns="91425" anchor="t" anchorCtr="0">
             <a:normAutofit/>
           </a:bodyPr>
           <a:lstStyle/>
           <a:p>
-            <a:pPr indent="0" lvl="0" marL="0" rtl="0" algn="l">
+            <a:pPr marL="0" lvl="0" indent="0" algn="l" rtl="0">
               <a:spcBef>
                 <a:spcPts val="0"/>
               </a:spcBef>
@@ -6999,12 +7484,12 @@
 </p:sld>
 </file>
 
-<file path=ppt/slides/slide12.xml><?xml version="1.0" encoding="utf-8"?>
-<p:sld xmlns:a="http://schemas.openxmlformats.org/drawingml/2006/main" xmlns:r="http://schemas.openxmlformats.org/officeDocument/2006/relationships" xmlns:mc="http://schemas.openxmlformats.org/markup-compatibility/2006" xmlns:mv="urn:schemas-microsoft-com:mac:vml" xmlns:p="http://schemas.openxmlformats.org/presentationml/2006/main" xmlns:c="http://schemas.openxmlformats.org/drawingml/2006/chart" xmlns:dgm="http://schemas.openxmlformats.org/drawingml/2006/diagram" xmlns:o="urn:schemas-microsoft-com:office:office" xmlns:v="urn:schemas-microsoft-com:vml" xmlns:pvml="urn:schemas-microsoft-com:office:powerpoint" xmlns:com="http://schemas.openxmlformats.org/drawingml/2006/compatibility" xmlns:p14="http://schemas.microsoft.com/office/powerpoint/2010/main" xmlns:p15="http://schemas.microsoft.com/office/powerpoint/2012/main" xmlns:ahyp="http://schemas.microsoft.com/office/drawing/2018/hyperlinkcolor">
+<file path=ppt/slides/slide13.xml><?xml version="1.0" encoding="utf-8"?>
+<p:sld xmlns:a="http://schemas.openxmlformats.org/drawingml/2006/main" xmlns:r="http://schemas.openxmlformats.org/officeDocument/2006/relationships" xmlns:p="http://schemas.openxmlformats.org/presentationml/2006/main">
   <p:cSld>
     <p:spTree>
       <p:nvGrpSpPr>
-        <p:cNvPr id="124" name="Shape 124"/>
+        <p:cNvPr id="1" name="Shape 124"/>
         <p:cNvGrpSpPr/>
         <p:nvPr/>
       </p:nvGrpSpPr>
@@ -7019,7 +7504,9 @@
       <p:sp>
         <p:nvSpPr>
           <p:cNvPr id="125" name="Google Shape;125;p24"/>
-          <p:cNvSpPr txBox="1"/>
+          <p:cNvSpPr txBox="1">
+            <a:spLocks noGrp="1"/>
+          </p:cNvSpPr>
           <p:nvPr>
             <p:ph type="title"/>
           </p:nvPr>
@@ -7034,12 +7521,12 @@
           </a:prstGeom>
         </p:spPr>
         <p:txBody>
-          <a:bodyPr anchorCtr="0" anchor="t" bIns="91425" lIns="91425" spcFirstLastPara="1" rIns="91425" wrap="square" tIns="91425">
+          <a:bodyPr spcFirstLastPara="1" wrap="square" lIns="91425" tIns="91425" rIns="91425" bIns="91425" anchor="t" anchorCtr="0">
             <a:normAutofit fontScale="90000"/>
           </a:bodyPr>
           <a:lstStyle/>
           <a:p>
-            <a:pPr indent="0" lvl="0" marL="0" rtl="0" algn="l">
+            <a:pPr marL="0" lvl="0" indent="0" algn="l" rtl="0">
               <a:spcBef>
                 <a:spcPts val="0"/>
               </a:spcBef>
@@ -7059,9 +7546,11 @@
       <p:sp>
         <p:nvSpPr>
           <p:cNvPr id="126" name="Google Shape;126;p24"/>
-          <p:cNvSpPr txBox="1"/>
+          <p:cNvSpPr txBox="1">
+            <a:spLocks noGrp="1"/>
+          </p:cNvSpPr>
           <p:nvPr>
-            <p:ph idx="1" type="body"/>
+            <p:ph type="body" idx="1"/>
           </p:nvPr>
         </p:nvSpPr>
         <p:spPr>
@@ -7074,12 +7563,12 @@
           </a:prstGeom>
         </p:spPr>
         <p:txBody>
-          <a:bodyPr anchorCtr="0" anchor="t" bIns="91425" lIns="91425" spcFirstLastPara="1" rIns="91425" wrap="square" tIns="91425">
+          <a:bodyPr spcFirstLastPara="1" wrap="square" lIns="91425" tIns="91425" rIns="91425" bIns="91425" anchor="t" anchorCtr="0">
             <a:normAutofit/>
           </a:bodyPr>
           <a:lstStyle/>
           <a:p>
-            <a:pPr indent="0" lvl="0" marL="0" rtl="0" algn="l">
+            <a:pPr marL="0" lvl="0" indent="0" algn="l" rtl="0">
               <a:spcBef>
                 <a:spcPts val="0"/>
               </a:spcBef>
@@ -7095,7 +7584,7 @@
             <a:endParaRPr/>
           </a:p>
           <a:p>
-            <a:pPr indent="0" lvl="0" marL="0" rtl="0" algn="l">
+            <a:pPr marL="0" lvl="0" indent="0" algn="l" rtl="0">
               <a:spcBef>
                 <a:spcPts val="1200"/>
               </a:spcBef>
@@ -7109,7 +7598,7 @@
               <a:t>(What other factors that </a:t>
             </a:r>
             <a:r>
-              <a:rPr i="1" lang="en"/>
+              <a:rPr lang="en" i="1"/>
               <a:t>weren’t</a:t>
             </a:r>
             <a:r>
@@ -7128,12 +7617,12 @@
 </p:sld>
 </file>
 
-<file path=ppt/slides/slide13.xml><?xml version="1.0" encoding="utf-8"?>
-<p:sld xmlns:a="http://schemas.openxmlformats.org/drawingml/2006/main" xmlns:r="http://schemas.openxmlformats.org/officeDocument/2006/relationships" xmlns:mc="http://schemas.openxmlformats.org/markup-compatibility/2006" xmlns:mv="urn:schemas-microsoft-com:mac:vml" xmlns:p="http://schemas.openxmlformats.org/presentationml/2006/main" xmlns:c="http://schemas.openxmlformats.org/drawingml/2006/chart" xmlns:dgm="http://schemas.openxmlformats.org/drawingml/2006/diagram" xmlns:o="urn:schemas-microsoft-com:office:office" xmlns:v="urn:schemas-microsoft-com:vml" xmlns:pvml="urn:schemas-microsoft-com:office:powerpoint" xmlns:com="http://schemas.openxmlformats.org/drawingml/2006/compatibility" xmlns:p14="http://schemas.microsoft.com/office/powerpoint/2010/main" xmlns:p15="http://schemas.microsoft.com/office/powerpoint/2012/main" xmlns:ahyp="http://schemas.microsoft.com/office/drawing/2018/hyperlinkcolor">
+<file path=ppt/slides/slide14.xml><?xml version="1.0" encoding="utf-8"?>
+<p:sld xmlns:a="http://schemas.openxmlformats.org/drawingml/2006/main" xmlns:r="http://schemas.openxmlformats.org/officeDocument/2006/relationships" xmlns:p="http://schemas.openxmlformats.org/presentationml/2006/main">
   <p:cSld>
     <p:spTree>
       <p:nvGrpSpPr>
-        <p:cNvPr id="130" name="Shape 130"/>
+        <p:cNvPr id="1" name="Shape 130"/>
         <p:cNvGrpSpPr/>
         <p:nvPr/>
       </p:nvGrpSpPr>
@@ -7148,7 +7637,9 @@
       <p:sp>
         <p:nvSpPr>
           <p:cNvPr id="131" name="Google Shape;131;p25"/>
-          <p:cNvSpPr txBox="1"/>
+          <p:cNvSpPr txBox="1">
+            <a:spLocks noGrp="1"/>
+          </p:cNvSpPr>
           <p:nvPr>
             <p:ph type="title"/>
           </p:nvPr>
@@ -7163,12 +7654,12 @@
           </a:prstGeom>
         </p:spPr>
         <p:txBody>
-          <a:bodyPr anchorCtr="0" anchor="t" bIns="91425" lIns="91425" spcFirstLastPara="1" rIns="91425" wrap="square" tIns="91425">
+          <a:bodyPr spcFirstLastPara="1" wrap="square" lIns="91425" tIns="91425" rIns="91425" bIns="91425" anchor="t" anchorCtr="0">
             <a:normAutofit fontScale="90000"/>
           </a:bodyPr>
           <a:lstStyle/>
           <a:p>
-            <a:pPr indent="0" lvl="0" marL="0" rtl="0" algn="l">
+            <a:pPr marL="0" lvl="0" indent="0" algn="l" rtl="0">
               <a:spcBef>
                 <a:spcPts val="0"/>
               </a:spcBef>
@@ -7188,9 +7679,11 @@
       <p:sp>
         <p:nvSpPr>
           <p:cNvPr id="132" name="Google Shape;132;p25"/>
-          <p:cNvSpPr txBox="1"/>
+          <p:cNvSpPr txBox="1">
+            <a:spLocks noGrp="1"/>
+          </p:cNvSpPr>
           <p:nvPr>
-            <p:ph idx="1" type="body"/>
+            <p:ph type="body" idx="1"/>
           </p:nvPr>
         </p:nvSpPr>
         <p:spPr>
@@ -7203,12 +7696,12 @@
           </a:prstGeom>
         </p:spPr>
         <p:txBody>
-          <a:bodyPr anchorCtr="0" anchor="t" bIns="91425" lIns="91425" spcFirstLastPara="1" rIns="91425" wrap="square" tIns="91425">
+          <a:bodyPr spcFirstLastPara="1" wrap="square" lIns="91425" tIns="91425" rIns="91425" bIns="91425" anchor="t" anchorCtr="0">
             <a:normAutofit/>
           </a:bodyPr>
           <a:lstStyle/>
           <a:p>
-            <a:pPr indent="0" lvl="0" marL="0" rtl="0" algn="l">
+            <a:pPr marL="0" lvl="0" indent="0" algn="l" rtl="0">
               <a:spcBef>
                 <a:spcPts val="0"/>
               </a:spcBef>
@@ -7222,7 +7715,7 @@
               <a:t>(Based on your </a:t>
             </a:r>
             <a:r>
-              <a:rPr i="1" lang="en" u="sng"/>
+              <a:rPr lang="en" i="1" u="sng"/>
               <a:t>species distribution models</a:t>
             </a:r>
             <a:r>
@@ -7232,7 +7725,7 @@
             <a:endParaRPr/>
           </a:p>
           <a:p>
-            <a:pPr indent="0" lvl="0" marL="0" rtl="0" algn="l">
+            <a:pPr marL="0" lvl="0" indent="0" algn="l" rtl="0">
               <a:spcBef>
                 <a:spcPts val="1200"/>
               </a:spcBef>
@@ -7246,12 +7739,8 @@
               <a:t>(Based on your </a:t>
             </a:r>
             <a:r>
-              <a:rPr i="1" lang="en" u="sng"/>
-              <a:t>background</a:t>
-            </a:r>
-            <a:r>
-              <a:rPr i="1" lang="en" u="sng"/>
-              <a:t> research</a:t>
+              <a:rPr lang="en" i="1" u="sng"/>
+              <a:t>background research</a:t>
             </a:r>
             <a:r>
               <a:rPr lang="en"/>
@@ -7270,18 +7759,19 @@
 </file>
 
 <file path=ppt/slides/slide2.xml><?xml version="1.0" encoding="utf-8"?>
-<p:sld xmlns:a="http://schemas.openxmlformats.org/drawingml/2006/main" xmlns:r="http://schemas.openxmlformats.org/officeDocument/2006/relationships" xmlns:mc="http://schemas.openxmlformats.org/markup-compatibility/2006" xmlns:mv="urn:schemas-microsoft-com:mac:vml" xmlns:p="http://schemas.openxmlformats.org/presentationml/2006/main" xmlns:c="http://schemas.openxmlformats.org/drawingml/2006/chart" xmlns:dgm="http://schemas.openxmlformats.org/drawingml/2006/diagram" xmlns:o="urn:schemas-microsoft-com:office:office" xmlns:v="urn:schemas-microsoft-com:vml" xmlns:pvml="urn:schemas-microsoft-com:office:powerpoint" xmlns:com="http://schemas.openxmlformats.org/drawingml/2006/compatibility" xmlns:p14="http://schemas.microsoft.com/office/powerpoint/2010/main" xmlns:p15="http://schemas.microsoft.com/office/powerpoint/2012/main" xmlns:ahyp="http://schemas.microsoft.com/office/drawing/2018/hyperlinkcolor">
+<p:sld xmlns:a="http://schemas.openxmlformats.org/drawingml/2006/main" xmlns:r="http://schemas.openxmlformats.org/officeDocument/2006/relationships" xmlns:p="http://schemas.openxmlformats.org/presentationml/2006/main">
   <p:cSld>
     <p:bg>
       <p:bgPr>
         <a:solidFill>
           <a:schemeClr val="accent3"/>
         </a:solidFill>
+        <a:effectLst/>
       </p:bgPr>
     </p:bg>
     <p:spTree>
       <p:nvGrpSpPr>
-        <p:cNvPr id="58" name="Shape 58"/>
+        <p:cNvPr id="1" name="Shape 58"/>
         <p:cNvGrpSpPr/>
         <p:nvPr/>
       </p:nvGrpSpPr>
@@ -7296,7 +7786,9 @@
       <p:sp>
         <p:nvSpPr>
           <p:cNvPr id="59" name="Google Shape;59;p14"/>
-          <p:cNvSpPr txBox="1"/>
+          <p:cNvSpPr txBox="1">
+            <a:spLocks noGrp="1"/>
+          </p:cNvSpPr>
           <p:nvPr>
             <p:ph type="title"/>
           </p:nvPr>
@@ -7311,12 +7803,12 @@
           </a:prstGeom>
         </p:spPr>
         <p:txBody>
-          <a:bodyPr anchorCtr="0" anchor="t" bIns="91425" lIns="91425" spcFirstLastPara="1" rIns="91425" wrap="square" tIns="91425">
+          <a:bodyPr spcFirstLastPara="1" wrap="square" lIns="91425" tIns="91425" rIns="91425" bIns="91425" anchor="t" anchorCtr="0">
             <a:normAutofit fontScale="90000"/>
           </a:bodyPr>
           <a:lstStyle/>
           <a:p>
-            <a:pPr indent="0" lvl="0" marL="0" rtl="0" algn="l">
+            <a:pPr marL="0" lvl="0" indent="0" algn="l" rtl="0">
               <a:spcBef>
                 <a:spcPts val="0"/>
               </a:spcBef>
@@ -7336,9 +7828,11 @@
       <p:sp>
         <p:nvSpPr>
           <p:cNvPr id="60" name="Google Shape;60;p14"/>
-          <p:cNvSpPr txBox="1"/>
+          <p:cNvSpPr txBox="1">
+            <a:spLocks noGrp="1"/>
+          </p:cNvSpPr>
           <p:nvPr>
-            <p:ph idx="1" type="body"/>
+            <p:ph type="body" idx="1"/>
           </p:nvPr>
         </p:nvSpPr>
         <p:spPr>
@@ -7351,12 +7845,12 @@
           </a:prstGeom>
         </p:spPr>
         <p:txBody>
-          <a:bodyPr anchorCtr="0" anchor="t" bIns="91425" lIns="91425" spcFirstLastPara="1" rIns="91425" wrap="square" tIns="91425">
-            <a:normAutofit fontScale="92500"/>
+          <a:bodyPr spcFirstLastPara="1" wrap="square" lIns="91425" tIns="91425" rIns="91425" bIns="91425" anchor="t" anchorCtr="0">
+            <a:normAutofit fontScale="92500" lnSpcReduction="10000"/>
           </a:bodyPr>
           <a:lstStyle/>
           <a:p>
-            <a:pPr indent="-357822" lvl="0" marL="457200" rtl="0" algn="l">
+            <a:pPr marL="457200" lvl="0" indent="-357822" algn="l" rtl="0">
               <a:lnSpc>
                 <a:spcPct val="120000"/>
               </a:lnSpc>
@@ -7370,7 +7864,7 @@
               <a:buChar char="●"/>
             </a:pPr>
             <a:r>
-              <a:rPr lang="en" sz="2200">
+              <a:rPr lang="en" sz="2200" dirty="0">
                 <a:solidFill>
                   <a:schemeClr val="dk1"/>
                 </a:solidFill>
@@ -7378,7 +7872,7 @@
               <a:t>The model you made in this class is called a </a:t>
             </a:r>
             <a:r>
-              <a:rPr i="1" lang="en" sz="2200">
+              <a:rPr lang="en" sz="2200" i="1" dirty="0">
                 <a:solidFill>
                   <a:schemeClr val="dk1"/>
                 </a:solidFill>
@@ -7386,21 +7880,21 @@
               <a:t>species distribution model</a:t>
             </a:r>
             <a:r>
-              <a:rPr lang="en" sz="2200">
+              <a:rPr lang="en" sz="2200" dirty="0">
                 <a:solidFill>
                   <a:schemeClr val="dk1"/>
                 </a:solidFill>
               </a:rPr>
               <a:t> (SDM). </a:t>
             </a:r>
-            <a:endParaRPr sz="2200">
+            <a:endParaRPr sz="2200" dirty="0">
               <a:solidFill>
                 <a:schemeClr val="dk1"/>
               </a:solidFill>
             </a:endParaRPr>
           </a:p>
           <a:p>
-            <a:pPr indent="-357822" lvl="0" marL="457200" rtl="0" algn="l">
+            <a:pPr marL="457200" lvl="0" indent="-357822" algn="l" rtl="0">
               <a:lnSpc>
                 <a:spcPct val="120000"/>
               </a:lnSpc>
@@ -7414,21 +7908,21 @@
               <a:buChar char="●"/>
             </a:pPr>
             <a:r>
-              <a:rPr lang="en" sz="2200">
+              <a:rPr lang="en" sz="2200" dirty="0">
                 <a:solidFill>
                   <a:schemeClr val="dk1"/>
                 </a:solidFill>
               </a:rPr>
               <a:t>Many studies are published with basically the same approach!</a:t>
             </a:r>
-            <a:endParaRPr sz="2200">
+            <a:endParaRPr sz="2200" dirty="0">
               <a:solidFill>
                 <a:schemeClr val="dk1"/>
               </a:solidFill>
             </a:endParaRPr>
           </a:p>
           <a:p>
-            <a:pPr indent="-340201" lvl="1" marL="914400" rtl="0" algn="l">
+            <a:pPr marL="914400" lvl="1" indent="-340201" algn="l" rtl="0">
               <a:lnSpc>
                 <a:spcPct val="120000"/>
               </a:lnSpc>
@@ -7442,30 +7936,22 @@
               <a:buChar char="○"/>
             </a:pPr>
             <a:r>
-              <a:rPr lang="en" sz="1900">
+              <a:rPr lang="en" sz="1900" dirty="0">
                 <a:solidFill>
                   <a:schemeClr val="dk1"/>
                 </a:solidFill>
               </a:rPr>
-              <a:t>Look at this example paper</a:t>
-            </a:r>
-            <a:r>
-              <a:rPr lang="en" sz="1900">
-                <a:solidFill>
-                  <a:schemeClr val="dk1"/>
-                </a:solidFill>
-              </a:rPr>
-              <a:t>: </a:t>
-            </a:r>
-            <a:r>
-              <a:rPr lang="en" sz="1900" u="sng">
+              <a:t>Look at this example paper: </a:t>
+            </a:r>
+            <a:r>
+              <a:rPr lang="en" sz="1900" u="sng" dirty="0">
                 <a:solidFill>
                   <a:schemeClr val="lt2"/>
                 </a:solidFill>
                 <a:hlinkClick r:id="rId3">
                   <a:extLst>
                     <a:ext uri="{A12FA001-AC4F-418D-AE19-62706E023703}">
-                      <ahyp:hlinkClr val="tx"/>
+                      <ahyp:hlinkClr xmlns:ahyp="http://schemas.microsoft.com/office/drawing/2018/hyperlinkcolor" val="tx"/>
                     </a:ext>
                   </a:extLst>
                 </a:hlinkClick>
@@ -7473,165 +7959,149 @@
               <a:t>"Predicting current and future habitat of Indian pangolin (</a:t>
             </a:r>
             <a:r>
-              <a:rPr i="1" lang="en" sz="1900" u="sng">
+              <a:rPr lang="en" sz="1900" i="1" u="sng" dirty="0">
+                <a:solidFill>
+                  <a:schemeClr val="lt2"/>
+                </a:solidFill>
+                <a:hlinkClick r:id="rId3">
+                  <a:extLst>
+                    <a:ext uri="{A12FA001-AC4F-418D-AE19-62706E023703}">
+                      <ahyp:hlinkClr xmlns:ahyp="http://schemas.microsoft.com/office/drawing/2018/hyperlinkcolor" val="tx"/>
+                    </a:ext>
+                  </a:extLst>
+                </a:hlinkClick>
+              </a:rPr>
+              <a:t>Manis crassicaudata</a:t>
+            </a:r>
+            <a:r>
+              <a:rPr lang="en" sz="1900" u="sng" dirty="0">
+                <a:solidFill>
+                  <a:schemeClr val="lt2"/>
+                </a:solidFill>
+                <a:hlinkClick r:id="rId3">
+                  <a:extLst>
+                    <a:ext uri="{A12FA001-AC4F-418D-AE19-62706E023703}">
+                      <ahyp:hlinkClr xmlns:ahyp="http://schemas.microsoft.com/office/drawing/2018/hyperlinkcolor" val="tx"/>
+                    </a:ext>
+                  </a:extLst>
+                </a:hlinkClick>
+              </a:rPr>
+              <a:t>) under climate change", Qasim et al., 2024.</a:t>
+            </a:r>
+            <a:r>
+              <a:rPr lang="en" sz="1900" dirty="0">
+                <a:solidFill>
+                  <a:schemeClr val="dk1"/>
+                </a:solidFill>
+              </a:rPr>
+              <a:t> </a:t>
+            </a:r>
+            <a:endParaRPr sz="1900" dirty="0">
+              <a:solidFill>
+                <a:schemeClr val="dk1"/>
+              </a:solidFill>
+            </a:endParaRPr>
+          </a:p>
+          <a:p>
+            <a:pPr marL="914400" lvl="1" indent="-340201" algn="l" rtl="0">
+              <a:lnSpc>
+                <a:spcPct val="120000"/>
+              </a:lnSpc>
+              <a:spcBef>
+                <a:spcPts val="0"/>
+              </a:spcBef>
+              <a:spcAft>
+                <a:spcPts val="0"/>
+              </a:spcAft>
+              <a:buSzPct val="100000"/>
+              <a:buChar char="○"/>
+            </a:pPr>
+            <a:r>
+              <a:rPr lang="en" sz="1900" dirty="0">
+                <a:solidFill>
+                  <a:schemeClr val="dk1"/>
+                </a:solidFill>
+              </a:rPr>
+              <a:t>It’ll probably look pretty familiar.</a:t>
+            </a:r>
+            <a:endParaRPr sz="1900" dirty="0">
+              <a:solidFill>
+                <a:schemeClr val="dk1"/>
+              </a:solidFill>
+            </a:endParaRPr>
+          </a:p>
+          <a:p>
+            <a:pPr marL="457200" lvl="0" indent="-357822" algn="l" rtl="0">
+              <a:lnSpc>
+                <a:spcPct val="120000"/>
+              </a:lnSpc>
+              <a:spcBef>
+                <a:spcPts val="0"/>
+              </a:spcBef>
+              <a:spcAft>
+                <a:spcPts val="0"/>
+              </a:spcAft>
+              <a:buClr>
+                <a:schemeClr val="dk1"/>
+              </a:buClr>
+              <a:buSzPct val="100000"/>
+              <a:buChar char="●"/>
+            </a:pPr>
+            <a:r>
+              <a:rPr lang="en" sz="2200" dirty="0">
+                <a:solidFill>
+                  <a:schemeClr val="dk1"/>
+                </a:solidFill>
+              </a:rPr>
+              <a:t>SDMs are used to guide official decisions about land management. </a:t>
+            </a:r>
+            <a:endParaRPr sz="2200" dirty="0">
+              <a:solidFill>
+                <a:schemeClr val="dk1"/>
+              </a:solidFill>
+            </a:endParaRPr>
+          </a:p>
+          <a:p>
+            <a:pPr marL="914400" lvl="1" indent="-340201" algn="l" rtl="0">
+              <a:lnSpc>
+                <a:spcPct val="120000"/>
+              </a:lnSpc>
+              <a:spcBef>
+                <a:spcPts val="0"/>
+              </a:spcBef>
+              <a:spcAft>
+                <a:spcPts val="0"/>
+              </a:spcAft>
+              <a:buClr>
+                <a:schemeClr val="dk1"/>
+              </a:buClr>
+              <a:buSzPct val="100000"/>
+              <a:buChar char="○"/>
+            </a:pPr>
+            <a:r>
+              <a:rPr lang="en" sz="1900" dirty="0">
+                <a:solidFill>
+                  <a:schemeClr val="dk1"/>
+                </a:solidFill>
+              </a:rPr>
+              <a:t>Look at this website by the New Zealand Dept. of Conservation: </a:t>
+            </a:r>
+            <a:r>
+              <a:rPr lang="en" sz="1900" u="sng" dirty="0">
                 <a:solidFill>
                   <a:schemeClr val="lt2"/>
                 </a:solidFill>
                 <a:hlinkClick r:id="rId4">
                   <a:extLst>
                     <a:ext uri="{A12FA001-AC4F-418D-AE19-62706E023703}">
-                      <ahyp:hlinkClr val="tx"/>
-                    </a:ext>
-                  </a:extLst>
-                </a:hlinkClick>
-              </a:rPr>
-              <a:t>Manis crassicaudata</a:t>
-            </a:r>
-            <a:r>
-              <a:rPr lang="en" sz="1900" u="sng">
-                <a:solidFill>
-                  <a:schemeClr val="lt2"/>
-                </a:solidFill>
-                <a:hlinkClick r:id="rId5">
-                  <a:extLst>
-                    <a:ext uri="{A12FA001-AC4F-418D-AE19-62706E023703}">
-                      <ahyp:hlinkClr val="tx"/>
-                    </a:ext>
-                  </a:extLst>
-                </a:hlinkClick>
-              </a:rPr>
-              <a:t>) under climate change", Qasim et al., 2024.</a:t>
-            </a:r>
-            <a:r>
-              <a:rPr lang="en" sz="1900">
-                <a:solidFill>
-                  <a:schemeClr val="dk1"/>
-                </a:solidFill>
-              </a:rPr>
-              <a:t> </a:t>
-            </a:r>
-            <a:endParaRPr sz="1900">
-              <a:solidFill>
-                <a:schemeClr val="dk1"/>
-              </a:solidFill>
-            </a:endParaRPr>
-          </a:p>
-          <a:p>
-            <a:pPr indent="-340201" lvl="1" marL="914400" rtl="0" algn="l">
-              <a:lnSpc>
-                <a:spcPct val="120000"/>
-              </a:lnSpc>
-              <a:spcBef>
-                <a:spcPts val="0"/>
-              </a:spcBef>
-              <a:spcAft>
-                <a:spcPts val="0"/>
-              </a:spcAft>
-              <a:buSzPct val="100000"/>
-              <a:buChar char="○"/>
-            </a:pPr>
-            <a:r>
-              <a:rPr lang="en" sz="1900">
-                <a:solidFill>
-                  <a:schemeClr val="dk1"/>
-                </a:solidFill>
-              </a:rPr>
-              <a:t>It’ll probably look pretty familiar.</a:t>
-            </a:r>
-            <a:endParaRPr sz="1900">
-              <a:solidFill>
-                <a:schemeClr val="dk1"/>
-              </a:solidFill>
-            </a:endParaRPr>
-          </a:p>
-          <a:p>
-            <a:pPr indent="-357822" lvl="0" marL="457200" rtl="0" algn="l">
-              <a:lnSpc>
-                <a:spcPct val="120000"/>
-              </a:lnSpc>
-              <a:spcBef>
-                <a:spcPts val="0"/>
-              </a:spcBef>
-              <a:spcAft>
-                <a:spcPts val="0"/>
-              </a:spcAft>
-              <a:buClr>
-                <a:schemeClr val="dk1"/>
-              </a:buClr>
-              <a:buSzPct val="100000"/>
-              <a:buChar char="●"/>
-            </a:pPr>
-            <a:r>
-              <a:rPr lang="en" sz="2200">
-                <a:solidFill>
-                  <a:schemeClr val="dk1"/>
-                </a:solidFill>
-              </a:rPr>
-              <a:t>SDMs are used to guide official decisions about land management. </a:t>
-            </a:r>
-            <a:endParaRPr sz="2200">
-              <a:solidFill>
-                <a:schemeClr val="dk1"/>
-              </a:solidFill>
-            </a:endParaRPr>
-          </a:p>
-          <a:p>
-            <a:pPr indent="-340201" lvl="1" marL="914400" rtl="0" algn="l">
-              <a:lnSpc>
-                <a:spcPct val="120000"/>
-              </a:lnSpc>
-              <a:spcBef>
-                <a:spcPts val="0"/>
-              </a:spcBef>
-              <a:spcAft>
-                <a:spcPts val="0"/>
-              </a:spcAft>
-              <a:buClr>
-                <a:schemeClr val="dk1"/>
-              </a:buClr>
-              <a:buSzPct val="100000"/>
-              <a:buChar char="○"/>
-            </a:pPr>
-            <a:r>
-              <a:rPr lang="en" sz="1900">
-                <a:solidFill>
-                  <a:schemeClr val="dk1"/>
-                </a:solidFill>
-              </a:rPr>
-              <a:t>Look at this website </a:t>
-            </a:r>
-            <a:r>
-              <a:rPr lang="en" sz="1900">
-                <a:solidFill>
-                  <a:schemeClr val="dk1"/>
-                </a:solidFill>
-              </a:rPr>
-              <a:t>by</a:t>
-            </a:r>
-            <a:r>
-              <a:rPr lang="en" sz="1900">
-                <a:solidFill>
-                  <a:schemeClr val="dk1"/>
-                </a:solidFill>
-              </a:rPr>
-              <a:t> the New Zealand Dept. of Conservation: </a:t>
-            </a:r>
-            <a:r>
-              <a:rPr lang="en" sz="1900" u="sng">
-                <a:solidFill>
-                  <a:schemeClr val="lt2"/>
-                </a:solidFill>
-                <a:hlinkClick r:id="rId6">
-                  <a:extLst>
-                    <a:ext uri="{A12FA001-AC4F-418D-AE19-62706E023703}">
-                      <ahyp:hlinkClr val="tx"/>
+                      <ahyp:hlinkClr xmlns:ahyp="http://schemas.microsoft.com/office/drawing/2018/hyperlinkcolor" val="tx"/>
                     </a:ext>
                   </a:extLst>
                 </a:hlinkClick>
               </a:rPr>
               <a:t>Predicting suitable breeding sites for New Zealand sea lions</a:t>
             </a:r>
-            <a:endParaRPr sz="1900">
+            <a:endParaRPr sz="1900" dirty="0">
               <a:solidFill>
                 <a:schemeClr val="lt2"/>
               </a:solidFill>
@@ -7648,18 +8118,19 @@
 </file>
 
 <file path=ppt/slides/slide3.xml><?xml version="1.0" encoding="utf-8"?>
-<p:sld xmlns:a="http://schemas.openxmlformats.org/drawingml/2006/main" xmlns:r="http://schemas.openxmlformats.org/officeDocument/2006/relationships" xmlns:mc="http://schemas.openxmlformats.org/markup-compatibility/2006" xmlns:mv="urn:schemas-microsoft-com:mac:vml" xmlns:p="http://schemas.openxmlformats.org/presentationml/2006/main" xmlns:c="http://schemas.openxmlformats.org/drawingml/2006/chart" xmlns:dgm="http://schemas.openxmlformats.org/drawingml/2006/diagram" xmlns:o="urn:schemas-microsoft-com:office:office" xmlns:v="urn:schemas-microsoft-com:vml" xmlns:pvml="urn:schemas-microsoft-com:office:powerpoint" xmlns:com="http://schemas.openxmlformats.org/drawingml/2006/compatibility" xmlns:p14="http://schemas.microsoft.com/office/powerpoint/2010/main" xmlns:p15="http://schemas.microsoft.com/office/powerpoint/2012/main" xmlns:ahyp="http://schemas.microsoft.com/office/drawing/2018/hyperlinkcolor">
+<p:sld xmlns:a="http://schemas.openxmlformats.org/drawingml/2006/main" xmlns:r="http://schemas.openxmlformats.org/officeDocument/2006/relationships" xmlns:p="http://schemas.openxmlformats.org/presentationml/2006/main">
   <p:cSld>
     <p:bg>
       <p:bgPr>
         <a:solidFill>
           <a:schemeClr val="accent3"/>
         </a:solidFill>
+        <a:effectLst/>
       </p:bgPr>
     </p:bg>
     <p:spTree>
       <p:nvGrpSpPr>
-        <p:cNvPr id="64" name="Shape 64"/>
+        <p:cNvPr id="1" name="Shape 64"/>
         <p:cNvGrpSpPr/>
         <p:nvPr/>
       </p:nvGrpSpPr>
@@ -7674,7 +8145,9 @@
       <p:sp>
         <p:nvSpPr>
           <p:cNvPr id="65" name="Google Shape;65;p15"/>
-          <p:cNvSpPr txBox="1"/>
+          <p:cNvSpPr txBox="1">
+            <a:spLocks noGrp="1"/>
+          </p:cNvSpPr>
           <p:nvPr>
             <p:ph type="title"/>
           </p:nvPr>
@@ -7689,12 +8162,12 @@
           </a:prstGeom>
         </p:spPr>
         <p:txBody>
-          <a:bodyPr anchorCtr="0" anchor="t" bIns="91425" lIns="91425" spcFirstLastPara="1" rIns="91425" wrap="square" tIns="91425">
+          <a:bodyPr spcFirstLastPara="1" wrap="square" lIns="91425" tIns="91425" rIns="91425" bIns="91425" anchor="t" anchorCtr="0">
             <a:normAutofit fontScale="90000"/>
           </a:bodyPr>
           <a:lstStyle/>
           <a:p>
-            <a:pPr indent="0" lvl="0" marL="0" rtl="0" algn="l">
+            <a:pPr marL="0" lvl="0" indent="0" algn="l" rtl="0">
               <a:spcBef>
                 <a:spcPts val="0"/>
               </a:spcBef>
@@ -7714,9 +8187,11 @@
       <p:sp>
         <p:nvSpPr>
           <p:cNvPr id="66" name="Google Shape;66;p15"/>
-          <p:cNvSpPr txBox="1"/>
+          <p:cNvSpPr txBox="1">
+            <a:spLocks noGrp="1"/>
+          </p:cNvSpPr>
           <p:nvPr>
-            <p:ph idx="1" type="body"/>
+            <p:ph type="body" idx="1"/>
           </p:nvPr>
         </p:nvSpPr>
         <p:spPr>
@@ -7729,12 +8204,12 @@
           </a:prstGeom>
         </p:spPr>
         <p:txBody>
-          <a:bodyPr anchorCtr="0" anchor="t" bIns="91425" lIns="91425" spcFirstLastPara="1" rIns="91425" wrap="square" tIns="91425">
+          <a:bodyPr spcFirstLastPara="1" wrap="square" lIns="91425" tIns="91425" rIns="91425" bIns="91425" anchor="t" anchorCtr="0">
             <a:normAutofit/>
           </a:bodyPr>
           <a:lstStyle/>
           <a:p>
-            <a:pPr indent="-342900" lvl="0" marL="457200" rtl="0" algn="l">
+            <a:pPr marL="457200" lvl="0" indent="-342900" algn="l" rtl="0">
               <a:spcBef>
                 <a:spcPts val="0"/>
               </a:spcBef>
@@ -7748,7 +8223,7 @@
               <a:buChar char="●"/>
             </a:pPr>
             <a:r>
-              <a:rPr lang="en">
+              <a:rPr lang="en" dirty="0">
                 <a:solidFill>
                   <a:schemeClr val="dk1"/>
                 </a:solidFill>
@@ -7756,14 +8231,14 @@
               <a:t>Use the </a:t>
             </a:r>
             <a:r>
-              <a:rPr lang="en" u="sng">
+              <a:rPr lang="en" u="sng" dirty="0">
                 <a:solidFill>
                   <a:schemeClr val="lt2"/>
                 </a:solidFill>
                 <a:hlinkClick r:id="rId3">
                   <a:extLst>
                     <a:ext uri="{A12FA001-AC4F-418D-AE19-62706E023703}">
-                      <ahyp:hlinkClr val="tx"/>
+                      <ahyp:hlinkClr xmlns:ahyp="http://schemas.microsoft.com/office/drawing/2018/hyperlinkcolor" val="tx"/>
                     </a:ext>
                   </a:extLst>
                 </a:hlinkClick>
@@ -7771,21 +8246,21 @@
               <a:t>library website</a:t>
             </a:r>
             <a:r>
-              <a:rPr lang="en">
+              <a:rPr lang="en" dirty="0">
                 <a:solidFill>
                   <a:schemeClr val="dk1"/>
                 </a:solidFill>
               </a:rPr>
               <a:t> to look up references.</a:t>
             </a:r>
-            <a:endParaRPr>
+            <a:endParaRPr dirty="0">
               <a:solidFill>
                 <a:schemeClr val="dk1"/>
               </a:solidFill>
             </a:endParaRPr>
           </a:p>
           <a:p>
-            <a:pPr indent="-317500" lvl="1" marL="914400" rtl="0" algn="l">
+            <a:pPr marL="914400" lvl="1" indent="-317500" algn="l" rtl="0">
               <a:spcBef>
                 <a:spcPts val="0"/>
               </a:spcBef>
@@ -7799,21 +8274,21 @@
               <a:buChar char="○"/>
             </a:pPr>
             <a:r>
-              <a:rPr lang="en">
+              <a:rPr lang="en" dirty="0">
                 <a:solidFill>
                   <a:schemeClr val="dk1"/>
                 </a:solidFill>
               </a:rPr>
               <a:t>To reach the full search page, click in the search box &amp; hit enter without typing anything</a:t>
             </a:r>
-            <a:endParaRPr>
+            <a:endParaRPr dirty="0">
               <a:solidFill>
                 <a:schemeClr val="dk1"/>
               </a:solidFill>
             </a:endParaRPr>
           </a:p>
           <a:p>
-            <a:pPr indent="-317500" lvl="1" marL="914400" rtl="0" algn="l">
+            <a:pPr marL="914400" lvl="1" indent="-317500" algn="l" rtl="0">
               <a:spcBef>
                 <a:spcPts val="0"/>
               </a:spcBef>
@@ -7827,21 +8302,21 @@
               <a:buChar char="○"/>
             </a:pPr>
             <a:r>
-              <a:rPr lang="en">
+              <a:rPr lang="en" dirty="0">
                 <a:solidFill>
                   <a:schemeClr val="dk1"/>
                 </a:solidFill>
               </a:rPr>
-              <a:t>Then choose “UC Merced Catalog” from the dropdown and enter your search terms.</a:t>
-            </a:r>
-            <a:endParaRPr>
+              <a:t>Then choose “UC Merced Catalog” from the dropdown menu and enter your search terms.</a:t>
+            </a:r>
+            <a:endParaRPr dirty="0">
               <a:solidFill>
                 <a:schemeClr val="dk1"/>
               </a:solidFill>
             </a:endParaRPr>
           </a:p>
           <a:p>
-            <a:pPr indent="-317500" lvl="1" marL="914400" rtl="0" algn="l">
+            <a:pPr marL="914400" lvl="1" indent="-317500" algn="l" rtl="0">
               <a:spcBef>
                 <a:spcPts val="0"/>
               </a:spcBef>
@@ -7855,21 +8330,21 @@
               <a:buChar char="○"/>
             </a:pPr>
             <a:r>
-              <a:rPr lang="en">
+              <a:rPr lang="en" dirty="0">
                 <a:solidFill>
                   <a:schemeClr val="dk1"/>
                 </a:solidFill>
               </a:rPr>
               <a:t>Suggested search strings: [your species name] + any of the following: “conservation”, “ecology”, “conservation biology”</a:t>
             </a:r>
-            <a:endParaRPr>
+            <a:endParaRPr dirty="0">
               <a:solidFill>
                 <a:schemeClr val="dk1"/>
               </a:solidFill>
             </a:endParaRPr>
           </a:p>
           <a:p>
-            <a:pPr indent="-342900" lvl="0" marL="457200" rtl="0" algn="l">
+            <a:pPr marL="457200" lvl="0" indent="-342900" algn="l" rtl="0">
               <a:spcBef>
                 <a:spcPts val="0"/>
               </a:spcBef>
@@ -7883,29 +8358,21 @@
               <a:buChar char="●"/>
             </a:pPr>
             <a:r>
-              <a:rPr lang="en">
+              <a:rPr lang="en" dirty="0">
                 <a:solidFill>
                   <a:schemeClr val="dk1"/>
                 </a:solidFill>
               </a:rPr>
-              <a:t>Find and read at least one of each of the </a:t>
-            </a:r>
-            <a:r>
-              <a:rPr lang="en">
-                <a:solidFill>
-                  <a:schemeClr val="dk1"/>
-                </a:solidFill>
-              </a:rPr>
-              <a:t>following kinds of resource: </a:t>
-            </a:r>
-            <a:endParaRPr>
+              <a:t>Find and read at least one of each of the following kinds of resource: </a:t>
+            </a:r>
+            <a:endParaRPr dirty="0">
               <a:solidFill>
                 <a:schemeClr val="dk1"/>
               </a:solidFill>
             </a:endParaRPr>
           </a:p>
           <a:p>
-            <a:pPr indent="-317500" lvl="1" marL="914400" rtl="0" algn="l">
+            <a:pPr marL="914400" lvl="1" indent="-317500" algn="l" rtl="0">
               <a:spcBef>
                 <a:spcPts val="0"/>
               </a:spcBef>
@@ -7919,7 +8386,7 @@
               <a:buChar char="○"/>
             </a:pPr>
             <a:r>
-              <a:rPr lang="en">
+              <a:rPr lang="en" dirty="0">
                 <a:solidFill>
                   <a:schemeClr val="dk1"/>
                 </a:solidFill>
@@ -7927,7 +8394,7 @@
               <a:t>one </a:t>
             </a:r>
             <a:r>
-              <a:rPr lang="en" u="sng">
+              <a:rPr lang="en" u="sng" dirty="0">
                 <a:solidFill>
                   <a:schemeClr val="dk1"/>
                 </a:solidFill>
@@ -7935,21 +8402,21 @@
               <a:t>physical book</a:t>
             </a:r>
             <a:r>
-              <a:rPr lang="en">
+              <a:rPr lang="en" dirty="0">
                 <a:solidFill>
                   <a:schemeClr val="dk1"/>
                 </a:solidFill>
               </a:rPr>
               <a:t> from the collection (use the call number to find it in the stacks)</a:t>
             </a:r>
-            <a:endParaRPr>
+            <a:endParaRPr dirty="0">
               <a:solidFill>
                 <a:schemeClr val="dk1"/>
               </a:solidFill>
             </a:endParaRPr>
           </a:p>
           <a:p>
-            <a:pPr indent="-317500" lvl="2" marL="1371600" rtl="0" algn="l">
+            <a:pPr marL="1371600" lvl="2" indent="-317500" algn="l" rtl="0">
               <a:spcBef>
                 <a:spcPts val="0"/>
               </a:spcBef>
@@ -7963,21 +8430,21 @@
               <a:buChar char="■"/>
             </a:pPr>
             <a:r>
-              <a:rPr lang="en">
+              <a:rPr lang="en" dirty="0">
                 <a:solidFill>
                   <a:schemeClr val="dk1"/>
                 </a:solidFill>
               </a:rPr>
               <a:t>Call numbers will look like this: </a:t>
             </a:r>
-            <a:endParaRPr>
+            <a:endParaRPr dirty="0">
               <a:solidFill>
                 <a:schemeClr val="dk1"/>
               </a:solidFill>
             </a:endParaRPr>
           </a:p>
           <a:p>
-            <a:pPr indent="-317500" lvl="1" marL="914400" rtl="0" algn="l">
+            <a:pPr marL="914400" lvl="1" indent="-317500" algn="l" rtl="0">
               <a:spcBef>
                 <a:spcPts val="0"/>
               </a:spcBef>
@@ -7991,53 +8458,37 @@
               <a:buChar char="○"/>
             </a:pPr>
             <a:r>
-              <a:rPr lang="en">
+              <a:rPr lang="en" dirty="0">
                 <a:solidFill>
                   <a:schemeClr val="dk1"/>
                 </a:solidFill>
               </a:rPr>
-              <a:t>o</a:t>
-            </a:r>
-            <a:r>
-              <a:rPr lang="en">
+              <a:t>one </a:t>
+            </a:r>
+            <a:r>
+              <a:rPr lang="en" u="sng" dirty="0">
                 <a:solidFill>
                   <a:schemeClr val="dk1"/>
                 </a:solidFill>
               </a:rPr>
-              <a:t>ne </a:t>
-            </a:r>
-            <a:r>
-              <a:rPr lang="en" u="sng">
-                <a:solidFill>
-                  <a:schemeClr val="dk1"/>
-                </a:solidFill>
-              </a:rPr>
-              <a:t>peer-reviewed </a:t>
-            </a:r>
-            <a:r>
-              <a:rPr lang="en" u="sng">
-                <a:solidFill>
-                  <a:schemeClr val="dk1"/>
-                </a:solidFill>
-              </a:rPr>
-              <a:t>journal article</a:t>
-            </a:r>
-            <a:r>
-              <a:rPr lang="en">
+              <a:t>peer-reviewed journal article</a:t>
+            </a:r>
+            <a:r>
+              <a:rPr lang="en" dirty="0">
                 <a:solidFill>
                   <a:schemeClr val="dk1"/>
                 </a:solidFill>
               </a:rPr>
               <a:t> (look for the                          tag in the results)</a:t>
             </a:r>
-            <a:endParaRPr>
+            <a:endParaRPr dirty="0">
               <a:solidFill>
                 <a:schemeClr val="dk1"/>
               </a:solidFill>
             </a:endParaRPr>
           </a:p>
           <a:p>
-            <a:pPr indent="-342900" lvl="0" marL="457200" rtl="0" algn="l">
+            <a:pPr marL="457200" lvl="0" indent="-342900" algn="l" rtl="0">
               <a:spcBef>
                 <a:spcPts val="0"/>
               </a:spcBef>
@@ -8051,21 +8502,21 @@
               <a:buChar char="●"/>
             </a:pPr>
             <a:r>
-              <a:rPr lang="en">
+              <a:rPr lang="en" dirty="0">
                 <a:solidFill>
                   <a:schemeClr val="dk1"/>
                 </a:solidFill>
               </a:rPr>
               <a:t>Use these resources to fill in your knowledge about your species so you can tell us about your conclusions! </a:t>
             </a:r>
-            <a:endParaRPr>
+            <a:endParaRPr dirty="0">
               <a:solidFill>
                 <a:schemeClr val="dk1"/>
               </a:solidFill>
             </a:endParaRPr>
           </a:p>
           <a:p>
-            <a:pPr indent="-317500" lvl="1" marL="914400" rtl="0" algn="l">
+            <a:pPr marL="914400" lvl="1" indent="-317500" algn="l" rtl="0">
               <a:spcBef>
                 <a:spcPts val="0"/>
               </a:spcBef>
@@ -8079,14 +8530,14 @@
               <a:buChar char="○"/>
             </a:pPr>
             <a:r>
-              <a:rPr lang="en">
+              <a:rPr lang="en" dirty="0">
                 <a:solidFill>
                   <a:schemeClr val="dk1"/>
                 </a:solidFill>
               </a:rPr>
               <a:t>All the slides after this one are offered as a place to start preparing your presentation.</a:t>
             </a:r>
-            <a:endParaRPr>
+            <a:endParaRPr dirty="0">
               <a:solidFill>
                 <a:schemeClr val="dk1"/>
               </a:solidFill>
@@ -8159,18 +8610,19 @@
 </file>
 
 <file path=ppt/slides/slide4.xml><?xml version="1.0" encoding="utf-8"?>
-<p:sld xmlns:a="http://schemas.openxmlformats.org/drawingml/2006/main" xmlns:r="http://schemas.openxmlformats.org/officeDocument/2006/relationships" xmlns:mc="http://schemas.openxmlformats.org/markup-compatibility/2006" xmlns:mv="urn:schemas-microsoft-com:mac:vml" xmlns:p="http://schemas.openxmlformats.org/presentationml/2006/main" xmlns:c="http://schemas.openxmlformats.org/drawingml/2006/chart" xmlns:dgm="http://schemas.openxmlformats.org/drawingml/2006/diagram" xmlns:o="urn:schemas-microsoft-com:office:office" xmlns:v="urn:schemas-microsoft-com:vml" xmlns:pvml="urn:schemas-microsoft-com:office:powerpoint" xmlns:com="http://schemas.openxmlformats.org/drawingml/2006/compatibility" xmlns:p14="http://schemas.microsoft.com/office/powerpoint/2010/main" xmlns:p15="http://schemas.microsoft.com/office/powerpoint/2012/main" xmlns:ahyp="http://schemas.microsoft.com/office/drawing/2018/hyperlinkcolor">
+<p:sld xmlns:a="http://schemas.openxmlformats.org/drawingml/2006/main" xmlns:r="http://schemas.openxmlformats.org/officeDocument/2006/relationships" xmlns:p="http://schemas.openxmlformats.org/presentationml/2006/main">
   <p:cSld>
     <p:bg>
       <p:bgPr>
         <a:solidFill>
           <a:schemeClr val="accent3"/>
         </a:solidFill>
+        <a:effectLst/>
       </p:bgPr>
     </p:bg>
     <p:spTree>
       <p:nvGrpSpPr>
-        <p:cNvPr id="72" name="Shape 72"/>
+        <p:cNvPr id="1" name="Shape 72"/>
         <p:cNvGrpSpPr/>
         <p:nvPr/>
       </p:nvGrpSpPr>
@@ -8185,7 +8637,9 @@
       <p:sp>
         <p:nvSpPr>
           <p:cNvPr id="73" name="Google Shape;73;p16"/>
-          <p:cNvSpPr txBox="1"/>
+          <p:cNvSpPr txBox="1">
+            <a:spLocks noGrp="1"/>
+          </p:cNvSpPr>
           <p:nvPr>
             <p:ph type="title"/>
           </p:nvPr>
@@ -8200,12 +8654,12 @@
           </a:prstGeom>
         </p:spPr>
         <p:txBody>
-          <a:bodyPr anchorCtr="0" anchor="t" bIns="91425" lIns="91425" spcFirstLastPara="1" rIns="91425" wrap="square" tIns="91425">
+          <a:bodyPr spcFirstLastPara="1" wrap="square" lIns="91425" tIns="91425" rIns="91425" bIns="91425" anchor="t" anchorCtr="0">
             <a:normAutofit fontScale="90000"/>
           </a:bodyPr>
           <a:lstStyle/>
           <a:p>
-            <a:pPr indent="0" lvl="0" marL="0" rtl="0" algn="l">
+            <a:pPr marL="0" lvl="0" indent="0" algn="l" rtl="0">
               <a:spcBef>
                 <a:spcPts val="0"/>
               </a:spcBef>
@@ -8225,9 +8679,11 @@
       <p:sp>
         <p:nvSpPr>
           <p:cNvPr id="74" name="Google Shape;74;p16"/>
-          <p:cNvSpPr txBox="1"/>
+          <p:cNvSpPr txBox="1">
+            <a:spLocks noGrp="1"/>
+          </p:cNvSpPr>
           <p:nvPr>
-            <p:ph idx="1" type="body"/>
+            <p:ph type="body" idx="1"/>
           </p:nvPr>
         </p:nvSpPr>
         <p:spPr>
@@ -8240,36 +8696,36 @@
           </a:prstGeom>
         </p:spPr>
         <p:txBody>
-          <a:bodyPr anchorCtr="0" anchor="t" bIns="91425" lIns="91425" spcFirstLastPara="1" rIns="91425" wrap="square" tIns="91425">
+          <a:bodyPr spcFirstLastPara="1" wrap="square" lIns="91425" tIns="91425" rIns="91425" bIns="91425" anchor="t" anchorCtr="0">
             <a:normAutofit/>
           </a:bodyPr>
           <a:lstStyle/>
           <a:p>
-            <a:pPr indent="0" lvl="0" marL="0" rtl="0" algn="l">
-              <a:spcBef>
-                <a:spcPts val="0"/>
-              </a:spcBef>
-              <a:spcAft>
-                <a:spcPts val="0"/>
-              </a:spcAft>
-              <a:buNone/>
-            </a:pPr>
-            <a:r>
-              <a:rPr lang="en">
+            <a:pPr marL="0" lvl="0" indent="0" algn="l" rtl="0">
+              <a:spcBef>
+                <a:spcPts val="0"/>
+              </a:spcBef>
+              <a:spcAft>
+                <a:spcPts val="0"/>
+              </a:spcAft>
+              <a:buNone/>
+            </a:pPr>
+            <a:r>
+              <a:rPr lang="en" dirty="0">
                 <a:solidFill>
                   <a:schemeClr val="dk1"/>
                 </a:solidFill>
               </a:rPr>
               <a:t>Many public websites let you explore or add to data sets</a:t>
             </a:r>
-            <a:endParaRPr>
+            <a:endParaRPr dirty="0">
               <a:solidFill>
                 <a:schemeClr val="dk1"/>
               </a:solidFill>
             </a:endParaRPr>
           </a:p>
           <a:p>
-            <a:pPr indent="-342900" lvl="0" marL="457200" rtl="0" algn="l">
+            <a:pPr marL="457200" lvl="0" indent="-342900" algn="l" rtl="0">
               <a:spcBef>
                 <a:spcPts val="1200"/>
               </a:spcBef>
@@ -8283,21 +8739,21 @@
               <a:buChar char="●"/>
             </a:pPr>
             <a:r>
-              <a:rPr lang="en">
+              <a:rPr lang="en" dirty="0">
                 <a:solidFill>
                   <a:schemeClr val="dk1"/>
                 </a:solidFill>
               </a:rPr>
               <a:t>Paleoclimate maps</a:t>
             </a:r>
-            <a:endParaRPr>
+            <a:endParaRPr dirty="0">
               <a:solidFill>
                 <a:schemeClr val="dk1"/>
               </a:solidFill>
             </a:endParaRPr>
           </a:p>
           <a:p>
-            <a:pPr indent="-317500" lvl="1" marL="914400" rtl="0" algn="l">
+            <a:pPr marL="914400" lvl="1" indent="-317500" algn="l" rtl="0">
               <a:spcBef>
                 <a:spcPts val="0"/>
               </a:spcBef>
@@ -8311,7 +8767,7 @@
               <a:buChar char="○"/>
             </a:pPr>
             <a:r>
-              <a:rPr lang="en" u="sng">
+              <a:rPr lang="en" u="sng" dirty="0">
                 <a:solidFill>
                   <a:schemeClr val="hlink"/>
                 </a:solidFill>
@@ -8319,14 +8775,14 @@
               </a:rPr>
               <a:t>https://www.ncei.noaa.gov/maps/paleo/</a:t>
             </a:r>
-            <a:endParaRPr>
+            <a:endParaRPr dirty="0">
               <a:solidFill>
                 <a:schemeClr val="dk1"/>
               </a:solidFill>
             </a:endParaRPr>
           </a:p>
           <a:p>
-            <a:pPr indent="-342900" lvl="0" marL="457200" rtl="0" algn="l">
+            <a:pPr marL="457200" lvl="0" indent="-342900" algn="l" rtl="0">
               <a:spcBef>
                 <a:spcPts val="0"/>
               </a:spcBef>
@@ -8340,21 +8796,21 @@
               <a:buChar char="●"/>
             </a:pPr>
             <a:r>
-              <a:rPr lang="en">
+              <a:rPr lang="en" dirty="0">
                 <a:solidFill>
                   <a:schemeClr val="dk1"/>
                 </a:solidFill>
               </a:rPr>
               <a:t>Land use changes </a:t>
             </a:r>
-            <a:endParaRPr>
+            <a:endParaRPr dirty="0">
               <a:solidFill>
                 <a:schemeClr val="dk1"/>
               </a:solidFill>
             </a:endParaRPr>
           </a:p>
           <a:p>
-            <a:pPr indent="-317500" lvl="1" marL="914400" rtl="0" algn="l">
+            <a:pPr marL="914400" lvl="1" indent="-317500" algn="l" rtl="0">
               <a:spcBef>
                 <a:spcPts val="0"/>
               </a:spcBef>
@@ -8368,7 +8824,7 @@
               <a:buChar char="○"/>
             </a:pPr>
             <a:r>
-              <a:rPr lang="en" u="sng">
+              <a:rPr lang="en" u="sng" dirty="0">
                 <a:solidFill>
                   <a:schemeClr val="hlink"/>
                 </a:solidFill>
@@ -8377,21 +8833,21 @@
               <a:t>https://na.unep.net/atlas/googleEarth.php</a:t>
             </a:r>
             <a:r>
-              <a:rPr lang="en">
+              <a:rPr lang="en" dirty="0">
                 <a:solidFill>
                   <a:schemeClr val="dk1"/>
                 </a:solidFill>
               </a:rPr>
               <a:t> (instructions for finding the layer in Google Earth)</a:t>
             </a:r>
-            <a:endParaRPr>
+            <a:endParaRPr dirty="0">
               <a:solidFill>
                 <a:schemeClr val="dk1"/>
               </a:solidFill>
             </a:endParaRPr>
           </a:p>
           <a:p>
-            <a:pPr indent="-342900" lvl="0" marL="457200" rtl="0" algn="l">
+            <a:pPr marL="457200" lvl="0" indent="-342900" algn="l" rtl="0">
               <a:spcBef>
                 <a:spcPts val="0"/>
               </a:spcBef>
@@ -8405,21 +8861,21 @@
               <a:buChar char="●"/>
             </a:pPr>
             <a:r>
-              <a:rPr lang="en">
+              <a:rPr lang="en" dirty="0">
                 <a:solidFill>
                   <a:schemeClr val="dk1"/>
                 </a:solidFill>
               </a:rPr>
               <a:t>Visualizations of species occurrence databases</a:t>
             </a:r>
-            <a:endParaRPr>
+            <a:endParaRPr dirty="0">
               <a:solidFill>
                 <a:schemeClr val="dk1"/>
               </a:solidFill>
             </a:endParaRPr>
           </a:p>
           <a:p>
-            <a:pPr indent="-317500" lvl="1" marL="914400" rtl="0" algn="l">
+            <a:pPr marL="914400" lvl="1" indent="-317500" algn="l" rtl="0">
               <a:spcBef>
                 <a:spcPts val="0"/>
               </a:spcBef>
@@ -8433,7 +8889,7 @@
               <a:buChar char="○"/>
             </a:pPr>
             <a:r>
-              <a:rPr lang="en">
+              <a:rPr lang="en" dirty="0">
                 <a:solidFill>
                   <a:schemeClr val="dk1"/>
                 </a:solidFill>
@@ -8441,7 +8897,7 @@
               <a:t>GBIF:  </a:t>
             </a:r>
             <a:r>
-              <a:rPr lang="en" u="sng">
+              <a:rPr lang="en" u="sng" dirty="0">
                 <a:solidFill>
                   <a:schemeClr val="hlink"/>
                 </a:solidFill>
@@ -8449,14 +8905,14 @@
               </a:rPr>
               <a:t>https://www.gbif.org/species/ </a:t>
             </a:r>
-            <a:endParaRPr>
+            <a:endParaRPr dirty="0">
               <a:solidFill>
                 <a:schemeClr val="dk1"/>
               </a:solidFill>
             </a:endParaRPr>
           </a:p>
           <a:p>
-            <a:pPr indent="-317500" lvl="1" marL="914400" rtl="0" algn="l">
+            <a:pPr marL="914400" lvl="1" indent="-317500" algn="l" rtl="0">
               <a:spcBef>
                 <a:spcPts val="0"/>
               </a:spcBef>
@@ -8470,7 +8926,7 @@
               <a:buChar char="○"/>
             </a:pPr>
             <a:r>
-              <a:rPr lang="en">
+              <a:rPr lang="en" dirty="0">
                 <a:solidFill>
                   <a:schemeClr val="dk1"/>
                 </a:solidFill>
@@ -8478,7 +8934,7 @@
               <a:t>Neotoma: </a:t>
             </a:r>
             <a:r>
-              <a:rPr lang="en" u="sng">
+              <a:rPr lang="en" u="sng" dirty="0">
                 <a:solidFill>
                   <a:schemeClr val="hlink"/>
                 </a:solidFill>
@@ -8486,14 +8942,14 @@
               </a:rPr>
               <a:t>https://apps.neotomadb.org/explorer</a:t>
             </a:r>
-            <a:endParaRPr>
+            <a:endParaRPr dirty="0">
               <a:solidFill>
                 <a:schemeClr val="dk1"/>
               </a:solidFill>
             </a:endParaRPr>
           </a:p>
           <a:p>
-            <a:pPr indent="-317500" lvl="1" marL="914400" rtl="0" algn="l">
+            <a:pPr marL="914400" lvl="1" indent="-317500" algn="l" rtl="0">
               <a:spcBef>
                 <a:spcPts val="0"/>
               </a:spcBef>
@@ -8507,7 +8963,7 @@
               <a:buChar char="○"/>
             </a:pPr>
             <a:r>
-              <a:rPr lang="en">
+              <a:rPr lang="en" dirty="0">
                 <a:solidFill>
                   <a:schemeClr val="dk1"/>
                 </a:solidFill>
@@ -8515,7 +8971,7 @@
               <a:t>Paleobiology Database: </a:t>
             </a:r>
             <a:r>
-              <a:rPr lang="en" u="sng">
+              <a:rPr lang="en" u="sng" dirty="0">
                 <a:solidFill>
                   <a:schemeClr val="hlink"/>
                 </a:solidFill>
@@ -8523,14 +8979,14 @@
               </a:rPr>
               <a:t>https://paleobiodb.org/navigator/</a:t>
             </a:r>
-            <a:endParaRPr>
+            <a:endParaRPr dirty="0">
               <a:solidFill>
                 <a:schemeClr val="dk1"/>
               </a:solidFill>
             </a:endParaRPr>
           </a:p>
           <a:p>
-            <a:pPr indent="-342900" lvl="0" marL="457200" rtl="0" algn="l">
+            <a:pPr marL="457200" lvl="0" indent="-342900" algn="l" rtl="0">
               <a:spcBef>
                 <a:spcPts val="0"/>
               </a:spcBef>
@@ -8544,21 +9000,21 @@
               <a:buChar char="●"/>
             </a:pPr>
             <a:r>
-              <a:rPr lang="en">
+              <a:rPr lang="en" dirty="0">
                 <a:solidFill>
                   <a:schemeClr val="dk1"/>
                 </a:solidFill>
               </a:rPr>
               <a:t>Participatory biodiversity science</a:t>
             </a:r>
-            <a:endParaRPr>
+            <a:endParaRPr dirty="0">
               <a:solidFill>
                 <a:schemeClr val="dk1"/>
               </a:solidFill>
             </a:endParaRPr>
           </a:p>
           <a:p>
-            <a:pPr indent="-317500" lvl="1" marL="914400" rtl="0" algn="l">
+            <a:pPr marL="914400" lvl="1" indent="-317500" algn="l" rtl="0">
               <a:spcBef>
                 <a:spcPts val="0"/>
               </a:spcBef>
@@ -8572,15 +9028,23 @@
               <a:buChar char="○"/>
             </a:pPr>
             <a:r>
-              <a:rPr lang="en">
+              <a:rPr lang="en" dirty="0" err="1">
                 <a:solidFill>
                   <a:schemeClr val="dk1"/>
                 </a:solidFill>
               </a:rPr>
-              <a:t>iNaturalist: </a:t>
-            </a:r>
-            <a:r>
-              <a:rPr lang="en" u="sng">
+              <a:t>iNaturalist</a:t>
+            </a:r>
+            <a:r>
+              <a:rPr lang="en" dirty="0">
+                <a:solidFill>
+                  <a:schemeClr val="dk1"/>
+                </a:solidFill>
+              </a:rPr>
+              <a:t>: </a:t>
+            </a:r>
+            <a:r>
+              <a:rPr lang="en" u="sng" dirty="0">
                 <a:solidFill>
                   <a:schemeClr val="hlink"/>
                 </a:solidFill>
@@ -8588,14 +9052,14 @@
               </a:rPr>
               <a:t>https://www.inaturalist.org/observations?place_id=any&amp;subview=map</a:t>
             </a:r>
-            <a:endParaRPr>
+            <a:endParaRPr dirty="0">
               <a:solidFill>
                 <a:schemeClr val="dk1"/>
               </a:solidFill>
             </a:endParaRPr>
           </a:p>
           <a:p>
-            <a:pPr indent="-317500" lvl="2" marL="1371600" rtl="0" algn="l">
+            <a:pPr marL="1371600" lvl="2" indent="-317500" algn="l" rtl="0">
               <a:spcBef>
                 <a:spcPts val="0"/>
               </a:spcBef>
@@ -8609,22 +9073,30 @@
               <a:buChar char="■"/>
             </a:pPr>
             <a:r>
-              <a:rPr lang="en">
+              <a:rPr lang="en" dirty="0">
                 <a:solidFill>
                   <a:schemeClr val="dk1"/>
                 </a:solidFill>
               </a:rPr>
-              <a:t>D</a:t>
-            </a:r>
-            <a:r>
-              <a:rPr lang="en">
+              <a:t>Download the </a:t>
+            </a:r>
+            <a:r>
+              <a:rPr lang="en" dirty="0" err="1">
                 <a:solidFill>
                   <a:schemeClr val="dk1"/>
                 </a:solidFill>
               </a:rPr>
-              <a:t>ownload the iNaturalist app to contribute your own observations!</a:t>
-            </a:r>
-            <a:endParaRPr>
+              <a:t>iNaturalist</a:t>
+            </a:r>
+            <a:r>
+              <a:rPr lang="en" dirty="0">
+                <a:solidFill>
+                  <a:schemeClr val="dk1"/>
+                </a:solidFill>
+              </a:rPr>
+              <a:t> app to contribute your own observations!</a:t>
+            </a:r>
+            <a:endParaRPr dirty="0">
               <a:solidFill>
                 <a:schemeClr val="dk1"/>
               </a:solidFill>
@@ -8641,18 +9113,19 @@
 </file>
 
 <file path=ppt/slides/slide5.xml><?xml version="1.0" encoding="utf-8"?>
-<p:sld xmlns:a="http://schemas.openxmlformats.org/drawingml/2006/main" xmlns:r="http://schemas.openxmlformats.org/officeDocument/2006/relationships" xmlns:mc="http://schemas.openxmlformats.org/markup-compatibility/2006" xmlns:mv="urn:schemas-microsoft-com:mac:vml" xmlns:p="http://schemas.openxmlformats.org/presentationml/2006/main" xmlns:c="http://schemas.openxmlformats.org/drawingml/2006/chart" xmlns:dgm="http://schemas.openxmlformats.org/drawingml/2006/diagram" xmlns:o="urn:schemas-microsoft-com:office:office" xmlns:v="urn:schemas-microsoft-com:vml" xmlns:pvml="urn:schemas-microsoft-com:office:powerpoint" xmlns:com="http://schemas.openxmlformats.org/drawingml/2006/compatibility" xmlns:p14="http://schemas.microsoft.com/office/powerpoint/2010/main" xmlns:p15="http://schemas.microsoft.com/office/powerpoint/2012/main" xmlns:ahyp="http://schemas.microsoft.com/office/drawing/2018/hyperlinkcolor">
+<p:sld xmlns:a="http://schemas.openxmlformats.org/drawingml/2006/main" xmlns:r="http://schemas.openxmlformats.org/officeDocument/2006/relationships" xmlns:p="http://schemas.openxmlformats.org/presentationml/2006/main">
   <p:cSld>
     <p:bg>
       <p:bgPr>
         <a:solidFill>
           <a:schemeClr val="accent3"/>
         </a:solidFill>
+        <a:effectLst/>
       </p:bgPr>
     </p:bg>
     <p:spTree>
       <p:nvGrpSpPr>
-        <p:cNvPr id="78" name="Shape 78"/>
+        <p:cNvPr id="1" name="Shape 78"/>
         <p:cNvGrpSpPr/>
         <p:nvPr/>
       </p:nvGrpSpPr>
@@ -8667,9 +9140,11 @@
       <p:sp>
         <p:nvSpPr>
           <p:cNvPr id="79" name="Google Shape;79;p17"/>
-          <p:cNvSpPr txBox="1"/>
+          <p:cNvSpPr txBox="1">
+            <a:spLocks noGrp="1"/>
+          </p:cNvSpPr>
           <p:nvPr>
-            <p:ph idx="1" type="body"/>
+            <p:ph type="body" idx="1"/>
           </p:nvPr>
         </p:nvSpPr>
         <p:spPr>
@@ -8682,52 +9157,36 @@
           </a:prstGeom>
         </p:spPr>
         <p:txBody>
-          <a:bodyPr anchorCtr="0" anchor="t" bIns="91425" lIns="91425" spcFirstLastPara="1" rIns="91425" wrap="square" tIns="91425">
+          <a:bodyPr spcFirstLastPara="1" wrap="square" lIns="91425" tIns="91425" rIns="91425" bIns="91425" anchor="t" anchorCtr="0">
             <a:normAutofit/>
           </a:bodyPr>
           <a:lstStyle/>
           <a:p>
-            <a:pPr indent="0" lvl="0" marL="0" rtl="0" algn="l">
-              <a:spcBef>
-                <a:spcPts val="0"/>
-              </a:spcBef>
-              <a:spcAft>
-                <a:spcPts val="0"/>
-              </a:spcAft>
-              <a:buNone/>
-            </a:pPr>
-            <a:r>
-              <a:rPr lang="en">
+            <a:pPr marL="0" lvl="0" indent="0" algn="l" rtl="0">
+              <a:spcBef>
+                <a:spcPts val="0"/>
+              </a:spcBef>
+              <a:spcAft>
+                <a:spcPts val="0"/>
+              </a:spcAft>
+              <a:buNone/>
+            </a:pPr>
+            <a:r>
+              <a:rPr lang="en" dirty="0">
                 <a:solidFill>
                   <a:schemeClr val="dk1"/>
                 </a:solidFill>
               </a:rPr>
-              <a:t>D</a:t>
-            </a:r>
-            <a:r>
-              <a:rPr lang="en">
-                <a:solidFill>
-                  <a:schemeClr val="dk1"/>
-                </a:solidFill>
-              </a:rPr>
-              <a:t>ata science &amp; programming resources for biodiversity and conservation</a:t>
-            </a:r>
-            <a:r>
-              <a:rPr lang="en">
-                <a:solidFill>
-                  <a:schemeClr val="dk1"/>
-                </a:solidFill>
-              </a:rPr>
-              <a:t>:</a:t>
-            </a:r>
-            <a:endParaRPr>
+              <a:t>Data science &amp; programming resources for biodiversity and conservation:</a:t>
+            </a:r>
+            <a:endParaRPr dirty="0">
               <a:solidFill>
                 <a:schemeClr val="dk1"/>
               </a:solidFill>
             </a:endParaRPr>
           </a:p>
           <a:p>
-            <a:pPr indent="-342900" lvl="0" marL="457200" rtl="0" algn="l">
+            <a:pPr marL="457200" lvl="0" indent="-342900" algn="l" rtl="0">
               <a:spcBef>
                 <a:spcPts val="1200"/>
               </a:spcBef>
@@ -8741,37 +9200,21 @@
               <a:buChar char="●"/>
             </a:pPr>
             <a:r>
-              <a:rPr lang="en">
+              <a:rPr lang="en" dirty="0">
                 <a:solidFill>
                   <a:schemeClr val="dk1"/>
                 </a:solidFill>
               </a:rPr>
-              <a:t>“Geographic Data Science </a:t>
-            </a:r>
-            <a:r>
-              <a:rPr lang="en">
-                <a:solidFill>
-                  <a:schemeClr val="dk1"/>
-                </a:solidFill>
-              </a:rPr>
-              <a:t>with</a:t>
-            </a:r>
-            <a:r>
-              <a:rPr lang="en">
-                <a:solidFill>
-                  <a:schemeClr val="dk1"/>
-                </a:solidFill>
-              </a:rPr>
-              <a:t> R” book mentioned in class</a:t>
-            </a:r>
-            <a:endParaRPr>
+              <a:t>“Geographic Data Science with R” book mentioned in class</a:t>
+            </a:r>
+            <a:endParaRPr dirty="0">
               <a:solidFill>
                 <a:schemeClr val="dk1"/>
               </a:solidFill>
             </a:endParaRPr>
           </a:p>
           <a:p>
-            <a:pPr indent="-317500" lvl="1" marL="914400" rtl="0" algn="l">
+            <a:pPr marL="914400" lvl="1" indent="-317500" algn="l" rtl="0">
               <a:spcBef>
                 <a:spcPts val="0"/>
               </a:spcBef>
@@ -8785,7 +9228,7 @@
               <a:buChar char="○"/>
             </a:pPr>
             <a:r>
-              <a:rPr lang="en">
+              <a:rPr lang="en" dirty="0">
                 <a:solidFill>
                   <a:schemeClr val="dk1"/>
                 </a:solidFill>
@@ -8793,7 +9236,7 @@
               <a:t> </a:t>
             </a:r>
             <a:r>
-              <a:rPr lang="en" u="sng">
+              <a:rPr lang="en" u="sng" dirty="0">
                 <a:solidFill>
                   <a:schemeClr val="hlink"/>
                 </a:solidFill>
@@ -8801,14 +9244,14 @@
               </a:rPr>
               <a:t>https://bookdown.org/mcwimberly/gdswr-book/</a:t>
             </a:r>
-            <a:endParaRPr>
+            <a:endParaRPr dirty="0">
               <a:solidFill>
                 <a:schemeClr val="dk1"/>
               </a:solidFill>
             </a:endParaRPr>
           </a:p>
           <a:p>
-            <a:pPr indent="-342900" lvl="0" marL="457200" rtl="0" algn="l">
+            <a:pPr marL="457200" lvl="0" indent="-342900" algn="l" rtl="0">
               <a:spcBef>
                 <a:spcPts val="0"/>
               </a:spcBef>
@@ -8822,29 +9265,21 @@
               <a:buChar char="●"/>
             </a:pPr>
             <a:r>
-              <a:rPr lang="en">
+              <a:rPr lang="en" dirty="0">
                 <a:solidFill>
                   <a:schemeClr val="dk1"/>
                 </a:solidFill>
               </a:rPr>
-              <a:t>ArcGIS </a:t>
-            </a:r>
-            <a:r>
-              <a:rPr lang="en">
-                <a:solidFill>
-                  <a:schemeClr val="dk1"/>
-                </a:solidFill>
-              </a:rPr>
-              <a:t>is another commonly used language for this kind of work</a:t>
-            </a:r>
-            <a:endParaRPr>
+              <a:t>ArcGIS is another commonly used language for this kind of work</a:t>
+            </a:r>
+            <a:endParaRPr dirty="0">
               <a:solidFill>
                 <a:schemeClr val="dk1"/>
               </a:solidFill>
             </a:endParaRPr>
           </a:p>
           <a:p>
-            <a:pPr indent="-317500" lvl="1" marL="914400" rtl="0" algn="l">
+            <a:pPr marL="914400" lvl="1" indent="-317500" algn="l" rtl="0">
               <a:spcBef>
                 <a:spcPts val="0"/>
               </a:spcBef>
@@ -8858,7 +9293,7 @@
               <a:buChar char="○"/>
             </a:pPr>
             <a:r>
-              <a:rPr lang="en">
+              <a:rPr lang="en" dirty="0">
                 <a:solidFill>
                   <a:schemeClr val="dk1"/>
                 </a:solidFill>
@@ -8866,7 +9301,7 @@
               <a:t>Intro to GIS: </a:t>
             </a:r>
             <a:r>
-              <a:rPr lang="en" u="sng">
+              <a:rPr lang="en" u="sng" dirty="0">
                 <a:solidFill>
                   <a:schemeClr val="hlink"/>
                 </a:solidFill>
@@ -8874,14 +9309,14 @@
               </a:rPr>
               <a:t>https://storymaps.arcgis.com/collections/348fbd8b93304411ba8ad3641f192344</a:t>
             </a:r>
-            <a:endParaRPr>
+            <a:endParaRPr dirty="0">
               <a:solidFill>
                 <a:schemeClr val="dk1"/>
               </a:solidFill>
             </a:endParaRPr>
           </a:p>
           <a:p>
-            <a:pPr indent="-342900" lvl="0" marL="457200" rtl="0" algn="l">
+            <a:pPr marL="457200" lvl="0" indent="-342900" algn="l" rtl="0">
               <a:spcBef>
                 <a:spcPts val="0"/>
               </a:spcBef>
@@ -8895,7 +9330,7 @@
               <a:buChar char="●"/>
             </a:pPr>
             <a:r>
-              <a:rPr lang="en">
+              <a:rPr lang="en" dirty="0">
                 <a:solidFill>
                   <a:schemeClr val="dk1"/>
                 </a:solidFill>
@@ -8903,7 +9338,7 @@
               <a:t>Besides habitat conservation and distribution modeling, there are </a:t>
             </a:r>
             <a:r>
-              <a:rPr lang="en" u="sng">
+              <a:rPr lang="en" u="sng" dirty="0">
                 <a:solidFill>
                   <a:schemeClr val="dk1"/>
                 </a:solidFill>
@@ -8911,21 +9346,21 @@
               <a:t>many</a:t>
             </a:r>
             <a:r>
-              <a:rPr lang="en">
+              <a:rPr lang="en" dirty="0">
                 <a:solidFill>
                   <a:schemeClr val="dk1"/>
                 </a:solidFill>
               </a:rPr>
               <a:t> other uses for data science in conservation. For just a few examples:</a:t>
             </a:r>
-            <a:endParaRPr>
+            <a:endParaRPr dirty="0">
               <a:solidFill>
                 <a:schemeClr val="dk1"/>
               </a:solidFill>
             </a:endParaRPr>
           </a:p>
           <a:p>
-            <a:pPr indent="-317500" lvl="1" marL="914400" rtl="0" algn="l">
+            <a:pPr marL="914400" lvl="1" indent="-317500" algn="l" rtl="0">
               <a:spcBef>
                 <a:spcPts val="0"/>
               </a:spcBef>
@@ -8939,7 +9374,7 @@
               <a:buChar char="○"/>
             </a:pPr>
             <a:r>
-              <a:rPr lang="en" u="sng">
+              <a:rPr lang="en" u="sng" dirty="0">
                 <a:solidFill>
                   <a:schemeClr val="hlink"/>
                 </a:solidFill>
@@ -8948,22 +9383,59 @@
               <a:t>Using c</a:t>
             </a:r>
             <a:r>
-              <a:rPr lang="en" u="sng">
+              <a:rPr lang="en" u="sng" dirty="0">
+                <a:solidFill>
+                  <a:schemeClr val="hlink"/>
+                </a:solidFill>
+                <a:hlinkClick r:id="rId5"/>
+              </a:rPr>
+              <a:t>omputer vision with camera traps to ID wildlife</a:t>
+            </a:r>
+            <a:endParaRPr dirty="0">
+              <a:solidFill>
+                <a:schemeClr val="dk1"/>
+              </a:solidFill>
+            </a:endParaRPr>
+          </a:p>
+          <a:p>
+            <a:pPr marL="914400" lvl="1" indent="-317500" algn="l" rtl="0">
+              <a:spcBef>
+                <a:spcPts val="0"/>
+              </a:spcBef>
+              <a:spcAft>
+                <a:spcPts val="0"/>
+              </a:spcAft>
+              <a:buClr>
+                <a:schemeClr val="dk1"/>
+              </a:buClr>
+              <a:buSzPts val="1400"/>
+              <a:buChar char="○"/>
+            </a:pPr>
+            <a:r>
+              <a:rPr lang="en" u="sng" dirty="0">
                 <a:solidFill>
                   <a:schemeClr val="hlink"/>
                 </a:solidFill>
                 <a:hlinkClick r:id="rId6"/>
               </a:rPr>
-              <a:t>omputer vision with camera traps to ID wildlife</a:t>
-            </a:r>
-            <a:endParaRPr>
+              <a:t>Using wildlife tracking software with tags to monitor movement patterns</a:t>
+            </a:r>
+            <a:r>
+              <a:rPr lang="en" dirty="0">
+                <a:solidFill>
+                  <a:schemeClr val="dk1"/>
+                </a:solidFill>
+              </a:rPr>
+              <a:t> </a:t>
+            </a:r>
+            <a:endParaRPr dirty="0">
               <a:solidFill>
                 <a:schemeClr val="dk1"/>
               </a:solidFill>
             </a:endParaRPr>
           </a:p>
           <a:p>
-            <a:pPr indent="-317500" lvl="1" marL="914400" rtl="0" algn="l">
+            <a:pPr marL="914400" lvl="1" indent="-317500" algn="l" rtl="0">
               <a:spcBef>
                 <a:spcPts val="0"/>
               </a:spcBef>
@@ -8977,30 +9449,38 @@
               <a:buChar char="○"/>
             </a:pPr>
             <a:r>
-              <a:rPr lang="en" u="sng">
+              <a:rPr lang="en" dirty="0">
+                <a:solidFill>
+                  <a:schemeClr val="dk1"/>
+                </a:solidFill>
+              </a:rPr>
+              <a:t>Environmental quality management using monitoring devices (e.g. </a:t>
+            </a:r>
+            <a:r>
+              <a:rPr lang="en" u="sng" dirty="0">
                 <a:solidFill>
                   <a:schemeClr val="hlink"/>
                 </a:solidFill>
                 <a:hlinkClick r:id="rId7"/>
               </a:rPr>
-              <a:t>Using wildlife tracking software with tags to monitor movement patterns</a:t>
-            </a:r>
-            <a:r>
-              <a:rPr lang="en">
+              <a:t>air quality</a:t>
+            </a:r>
+            <a:r>
+              <a:rPr lang="en" dirty="0">
                 <a:solidFill>
                   <a:schemeClr val="dk1"/>
                 </a:solidFill>
               </a:rPr>
-              <a:t> </a:t>
-            </a:r>
-            <a:endParaRPr>
+              <a:t>)</a:t>
+            </a:r>
+            <a:endParaRPr dirty="0">
               <a:solidFill>
                 <a:schemeClr val="dk1"/>
               </a:solidFill>
             </a:endParaRPr>
           </a:p>
           <a:p>
-            <a:pPr indent="-317500" lvl="1" marL="914400" rtl="0" algn="l">
+            <a:pPr marL="914400" lvl="1" indent="-317500" algn="l" rtl="0">
               <a:spcBef>
                 <a:spcPts val="0"/>
               </a:spcBef>
@@ -9014,68 +9494,23 @@
               <a:buChar char="○"/>
             </a:pPr>
             <a:r>
-              <a:rPr lang="en">
-                <a:solidFill>
-                  <a:schemeClr val="dk1"/>
-                </a:solidFill>
-              </a:rPr>
-              <a:t>Environmental quality management using monitoring devices (e.g. </a:t>
-            </a:r>
-            <a:r>
-              <a:rPr lang="en" u="sng">
+              <a:rPr lang="en" u="sng" dirty="0">
                 <a:solidFill>
                   <a:schemeClr val="hlink"/>
                 </a:solidFill>
                 <a:hlinkClick r:id="rId8"/>
               </a:rPr>
-              <a:t>air quality</a:t>
-            </a:r>
-            <a:r>
-              <a:rPr lang="en">
-                <a:solidFill>
-                  <a:schemeClr val="dk1"/>
-                </a:solidFill>
-              </a:rPr>
-              <a:t>)</a:t>
-            </a:r>
-            <a:endParaRPr>
-              <a:solidFill>
-                <a:schemeClr val="dk1"/>
-              </a:solidFill>
-            </a:endParaRPr>
-          </a:p>
-          <a:p>
-            <a:pPr indent="-317500" lvl="1" marL="914400" rtl="0" algn="l">
-              <a:spcBef>
-                <a:spcPts val="0"/>
-              </a:spcBef>
-              <a:spcAft>
-                <a:spcPts val="0"/>
-              </a:spcAft>
-              <a:buClr>
-                <a:schemeClr val="dk1"/>
-              </a:buClr>
-              <a:buSzPts val="1400"/>
-              <a:buChar char="○"/>
-            </a:pPr>
-            <a:r>
-              <a:rPr lang="en" u="sng">
-                <a:solidFill>
-                  <a:schemeClr val="hlink"/>
-                </a:solidFill>
-                <a:hlinkClick r:id="rId9"/>
-              </a:rPr>
               <a:t>Climate modeling</a:t>
             </a:r>
             <a:r>
-              <a:rPr lang="en">
+              <a:rPr lang="en" dirty="0">
                 <a:solidFill>
                   <a:schemeClr val="dk1"/>
                 </a:solidFill>
               </a:rPr>
               <a:t>, of course (someone had to make those models we used!)</a:t>
             </a:r>
-            <a:endParaRPr>
+            <a:endParaRPr dirty="0">
               <a:solidFill>
                 <a:schemeClr val="dk1"/>
               </a:solidFill>
@@ -9086,7 +9521,9 @@
       <p:sp>
         <p:nvSpPr>
           <p:cNvPr id="80" name="Google Shape;80;p17"/>
-          <p:cNvSpPr txBox="1"/>
+          <p:cNvSpPr txBox="1">
+            <a:spLocks noGrp="1"/>
+          </p:cNvSpPr>
           <p:nvPr>
             <p:ph type="title"/>
           </p:nvPr>
@@ -9101,12 +9538,12 @@
           </a:prstGeom>
         </p:spPr>
         <p:txBody>
-          <a:bodyPr anchorCtr="0" anchor="t" bIns="91425" lIns="91425" spcFirstLastPara="1" rIns="91425" wrap="square" tIns="91425">
+          <a:bodyPr spcFirstLastPara="1" wrap="square" lIns="91425" tIns="91425" rIns="91425" bIns="91425" anchor="t" anchorCtr="0">
             <a:normAutofit fontScale="90000"/>
           </a:bodyPr>
           <a:lstStyle/>
           <a:p>
-            <a:pPr indent="0" lvl="0" marL="0" rtl="0" algn="l">
+            <a:pPr marL="0" lvl="0" indent="0" algn="l" rtl="0">
               <a:spcBef>
                 <a:spcPts val="0"/>
               </a:spcBef>
@@ -9117,11 +9554,7 @@
             </a:pPr>
             <a:r>
               <a:rPr lang="en"/>
-              <a:t>Other </a:t>
-            </a:r>
-            <a:r>
-              <a:rPr lang="en"/>
-              <a:t>related resources for further study</a:t>
+              <a:t>Other related resources for further study</a:t>
             </a:r>
             <a:endParaRPr/>
           </a:p>
@@ -9136,11 +9569,325 @@
 </file>
 
 <file path=ppt/slides/slide6.xml><?xml version="1.0" encoding="utf-8"?>
-<p:sld xmlns:a="http://schemas.openxmlformats.org/drawingml/2006/main" xmlns:r="http://schemas.openxmlformats.org/officeDocument/2006/relationships" xmlns:mc="http://schemas.openxmlformats.org/markup-compatibility/2006" xmlns:mv="urn:schemas-microsoft-com:mac:vml" xmlns:p="http://schemas.openxmlformats.org/presentationml/2006/main" xmlns:c="http://schemas.openxmlformats.org/drawingml/2006/chart" xmlns:dgm="http://schemas.openxmlformats.org/drawingml/2006/diagram" xmlns:o="urn:schemas-microsoft-com:office:office" xmlns:v="urn:schemas-microsoft-com:vml" xmlns:pvml="urn:schemas-microsoft-com:office:powerpoint" xmlns:com="http://schemas.openxmlformats.org/drawingml/2006/compatibility" xmlns:p14="http://schemas.microsoft.com/office/powerpoint/2010/main" xmlns:p15="http://schemas.microsoft.com/office/powerpoint/2012/main" xmlns:ahyp="http://schemas.microsoft.com/office/drawing/2018/hyperlinkcolor">
+<p:sld xmlns:a="http://schemas.openxmlformats.org/drawingml/2006/main" xmlns:r="http://schemas.openxmlformats.org/officeDocument/2006/relationships" xmlns:p="http://schemas.openxmlformats.org/presentationml/2006/main">
+  <p:cSld>
+    <p:bg>
+      <p:bgPr>
+        <a:solidFill>
+          <a:schemeClr val="accent3"/>
+        </a:solidFill>
+        <a:effectLst/>
+      </p:bgPr>
+    </p:bg>
+    <p:spTree>
+      <p:nvGrpSpPr>
+        <p:cNvPr id="1" name="Shape 78">
+          <a:extLst>
+            <a:ext uri="{FF2B5EF4-FFF2-40B4-BE49-F238E27FC236}">
+              <a16:creationId xmlns:a16="http://schemas.microsoft.com/office/drawing/2014/main" id="{CB3BE546-6951-DD1B-8359-0A398418469E}"/>
+            </a:ext>
+          </a:extLst>
+        </p:cNvPr>
+        <p:cNvGrpSpPr/>
+        <p:nvPr/>
+      </p:nvGrpSpPr>
+      <p:grpSpPr>
+        <a:xfrm>
+          <a:off x="0" y="0"/>
+          <a:ext cx="0" cy="0"/>
+          <a:chOff x="0" y="0"/>
+          <a:chExt cx="0" cy="0"/>
+        </a:xfrm>
+      </p:grpSpPr>
+      <p:sp>
+        <p:nvSpPr>
+          <p:cNvPr id="79" name="Google Shape;79;p17">
+            <a:extLst>
+              <a:ext uri="{FF2B5EF4-FFF2-40B4-BE49-F238E27FC236}">
+                <a16:creationId xmlns:a16="http://schemas.microsoft.com/office/drawing/2014/main" id="{F6D3232E-4F94-CF17-05A7-BF7C21EEE7DA}"/>
+              </a:ext>
+            </a:extLst>
+          </p:cNvPr>
+          <p:cNvSpPr txBox="1">
+            <a:spLocks noGrp="1"/>
+          </p:cNvSpPr>
+          <p:nvPr>
+            <p:ph type="body" idx="1"/>
+          </p:nvPr>
+        </p:nvSpPr>
+        <p:spPr>
+          <a:xfrm>
+            <a:off x="311700" y="1152475"/>
+            <a:ext cx="8520600" cy="3742200"/>
+          </a:xfrm>
+          <a:prstGeom prst="rect">
+            <a:avLst/>
+          </a:prstGeom>
+        </p:spPr>
+        <p:txBody>
+          <a:bodyPr spcFirstLastPara="1" wrap="square" lIns="91425" tIns="91425" rIns="91425" bIns="91425" anchor="t" anchorCtr="0">
+            <a:normAutofit/>
+          </a:bodyPr>
+          <a:lstStyle/>
+          <a:p>
+            <a:pPr marL="285750" lvl="0" indent="-285750" algn="l" rtl="0">
+              <a:spcBef>
+                <a:spcPts val="0"/>
+              </a:spcBef>
+              <a:spcAft>
+                <a:spcPts val="0"/>
+              </a:spcAft>
+              <a:buFontTx/>
+              <a:buChar char="-"/>
+            </a:pPr>
+            <a:r>
+              <a:rPr lang="en-US" dirty="0">
+                <a:solidFill>
+                  <a:schemeClr val="dk1"/>
+                </a:solidFill>
+              </a:rPr>
+              <a:t>Save your presentation with a unique file name – </a:t>
+            </a:r>
+            <a:r>
+              <a:rPr lang="en-US" dirty="0" err="1">
+                <a:solidFill>
+                  <a:schemeClr val="dk1"/>
+                </a:solidFill>
+              </a:rPr>
+              <a:t>ie</a:t>
+            </a:r>
+            <a:r>
+              <a:rPr lang="en-US" dirty="0">
+                <a:solidFill>
+                  <a:schemeClr val="dk1"/>
+                </a:solidFill>
+              </a:rPr>
+              <a:t>,[your name]_[your species]</a:t>
+            </a:r>
+          </a:p>
+          <a:p>
+            <a:pPr marL="742950" lvl="1" indent="-285750">
+              <a:buFontTx/>
+              <a:buChar char="-"/>
+            </a:pPr>
+            <a:r>
+              <a:rPr lang="en-US" dirty="0">
+                <a:solidFill>
+                  <a:schemeClr val="dk1"/>
+                </a:solidFill>
+              </a:rPr>
+              <a:t>example: </a:t>
+            </a:r>
+            <a:r>
+              <a:rPr lang="en-US" dirty="0" err="1">
+                <a:solidFill>
+                  <a:schemeClr val="dk1"/>
+                </a:solidFill>
+              </a:rPr>
+              <a:t>Blois_Microtus_pennsylvanicus.pptx</a:t>
+            </a:r>
+            <a:endParaRPr lang="en-US" dirty="0">
+              <a:solidFill>
+                <a:schemeClr val="dk1"/>
+              </a:solidFill>
+            </a:endParaRPr>
+          </a:p>
+          <a:p>
+            <a:pPr marL="285750" lvl="0" indent="-285750" algn="l" rtl="0">
+              <a:spcBef>
+                <a:spcPts val="0"/>
+              </a:spcBef>
+              <a:spcAft>
+                <a:spcPts val="0"/>
+              </a:spcAft>
+              <a:buFontTx/>
+              <a:buChar char="-"/>
+            </a:pPr>
+            <a:r>
+              <a:rPr lang="en-US" dirty="0">
+                <a:solidFill>
+                  <a:schemeClr val="dk1"/>
+                </a:solidFill>
+              </a:rPr>
+              <a:t>Replace [your study species] with the name of your chosen species</a:t>
+            </a:r>
+          </a:p>
+          <a:p>
+            <a:pPr marL="285750" lvl="0" indent="-285750" algn="l" rtl="0">
+              <a:spcBef>
+                <a:spcPts val="0"/>
+              </a:spcBef>
+              <a:spcAft>
+                <a:spcPts val="0"/>
+              </a:spcAft>
+              <a:buFontTx/>
+              <a:buChar char="-"/>
+            </a:pPr>
+            <a:r>
+              <a:rPr lang="en-US" dirty="0">
+                <a:solidFill>
+                  <a:schemeClr val="dk1"/>
+                </a:solidFill>
+              </a:rPr>
+              <a:t>Update the text on each slide with information relevant to your chosen species</a:t>
+            </a:r>
+          </a:p>
+          <a:p>
+            <a:pPr marL="285750" lvl="0" indent="-285750" algn="l" rtl="0">
+              <a:spcBef>
+                <a:spcPts val="0"/>
+              </a:spcBef>
+              <a:spcAft>
+                <a:spcPts val="0"/>
+              </a:spcAft>
+              <a:buFontTx/>
+              <a:buChar char="-"/>
+            </a:pPr>
+            <a:endParaRPr lang="en-US" dirty="0">
+              <a:solidFill>
+                <a:schemeClr val="dk1"/>
+              </a:solidFill>
+            </a:endParaRPr>
+          </a:p>
+          <a:p>
+            <a:pPr marL="285750" lvl="0" indent="-285750" algn="l" rtl="0">
+              <a:spcBef>
+                <a:spcPts val="0"/>
+              </a:spcBef>
+              <a:spcAft>
+                <a:spcPts val="0"/>
+              </a:spcAft>
+              <a:buFontTx/>
+              <a:buChar char="-"/>
+            </a:pPr>
+            <a:r>
+              <a:rPr lang="en-US" dirty="0">
+                <a:solidFill>
+                  <a:schemeClr val="dk1"/>
+                </a:solidFill>
+              </a:rPr>
+              <a:t>Before your presentation:</a:t>
+            </a:r>
+          </a:p>
+          <a:p>
+            <a:pPr marL="285750" lvl="0" indent="-285750" algn="l" rtl="0">
+              <a:spcBef>
+                <a:spcPts val="0"/>
+              </a:spcBef>
+              <a:spcAft>
+                <a:spcPts val="0"/>
+              </a:spcAft>
+              <a:buFontTx/>
+              <a:buChar char="-"/>
+            </a:pPr>
+            <a:endParaRPr lang="en-US" dirty="0">
+              <a:solidFill>
+                <a:schemeClr val="dk1"/>
+              </a:solidFill>
+            </a:endParaRPr>
+          </a:p>
+          <a:p>
+            <a:pPr marL="742950" lvl="1" indent="-285750">
+              <a:buFontTx/>
+              <a:buChar char="-"/>
+            </a:pPr>
+            <a:r>
+              <a:rPr lang="en-US" dirty="0">
+                <a:solidFill>
+                  <a:schemeClr val="dk1"/>
+                </a:solidFill>
+              </a:rPr>
+              <a:t>Make sure you delete any ‘extra’ text from the template that is not necessary for your species</a:t>
+            </a:r>
+          </a:p>
+          <a:p>
+            <a:pPr marL="742950" lvl="1" indent="-285750">
+              <a:buFontTx/>
+              <a:buChar char="-"/>
+            </a:pPr>
+            <a:r>
+              <a:rPr lang="en-US" dirty="0">
+                <a:solidFill>
+                  <a:schemeClr val="dk1"/>
+                </a:solidFill>
+              </a:rPr>
+              <a:t>Make sure you delete all the blue/gray background slides from the presentation</a:t>
+            </a:r>
+            <a:endParaRPr dirty="0">
+              <a:solidFill>
+                <a:schemeClr val="dk1"/>
+              </a:solidFill>
+            </a:endParaRPr>
+          </a:p>
+        </p:txBody>
+      </p:sp>
+      <p:sp>
+        <p:nvSpPr>
+          <p:cNvPr id="80" name="Google Shape;80;p17">
+            <a:extLst>
+              <a:ext uri="{FF2B5EF4-FFF2-40B4-BE49-F238E27FC236}">
+                <a16:creationId xmlns:a16="http://schemas.microsoft.com/office/drawing/2014/main" id="{EA991A1E-F5A4-1D5C-EF8F-B02EC2BC11C9}"/>
+              </a:ext>
+            </a:extLst>
+          </p:cNvPr>
+          <p:cNvSpPr txBox="1">
+            <a:spLocks noGrp="1"/>
+          </p:cNvSpPr>
+          <p:nvPr>
+            <p:ph type="title"/>
+          </p:nvPr>
+        </p:nvSpPr>
+        <p:spPr>
+          <a:xfrm>
+            <a:off x="311700" y="445025"/>
+            <a:ext cx="8520600" cy="572700"/>
+          </a:xfrm>
+          <a:prstGeom prst="rect">
+            <a:avLst/>
+          </a:prstGeom>
+        </p:spPr>
+        <p:txBody>
+          <a:bodyPr spcFirstLastPara="1" wrap="square" lIns="91425" tIns="91425" rIns="91425" bIns="91425" anchor="t" anchorCtr="0">
+            <a:normAutofit fontScale="90000"/>
+          </a:bodyPr>
+          <a:lstStyle/>
+          <a:p>
+            <a:pPr marL="0" lvl="0" indent="0" algn="l" rtl="0">
+              <a:spcBef>
+                <a:spcPts val="0"/>
+              </a:spcBef>
+              <a:spcAft>
+                <a:spcPts val="0"/>
+              </a:spcAft>
+              <a:buNone/>
+            </a:pPr>
+            <a:r>
+              <a:rPr lang="en" dirty="0"/>
+              <a:t>Using the slide template</a:t>
+            </a:r>
+            <a:endParaRPr dirty="0"/>
+          </a:p>
+        </p:txBody>
+      </p:sp>
+    </p:spTree>
+    <p:extLst>
+      <p:ext uri="{BB962C8B-B14F-4D97-AF65-F5344CB8AC3E}">
+        <p14:creationId xmlns:p14="http://schemas.microsoft.com/office/powerpoint/2010/main" val="2243695703"/>
+      </p:ext>
+    </p:extLst>
+  </p:cSld>
+  <p:clrMapOvr>
+    <a:masterClrMapping/>
+  </p:clrMapOvr>
+</p:sld>
+</file>
+
+<file path=ppt/slides/slide7.xml><?xml version="1.0" encoding="utf-8"?>
+<p:sld xmlns:a="http://schemas.openxmlformats.org/drawingml/2006/main" xmlns:r="http://schemas.openxmlformats.org/officeDocument/2006/relationships" xmlns:p="http://schemas.openxmlformats.org/presentationml/2006/main">
   <p:cSld>
     <p:spTree>
       <p:nvGrpSpPr>
-        <p:cNvPr id="84" name="Shape 84"/>
+        <p:cNvPr id="1" name="Shape 84"/>
         <p:cNvGrpSpPr/>
         <p:nvPr/>
       </p:nvGrpSpPr>
@@ -9155,7 +9902,9 @@
       <p:sp>
         <p:nvSpPr>
           <p:cNvPr id="85" name="Google Shape;85;p18"/>
-          <p:cNvSpPr txBox="1"/>
+          <p:cNvSpPr txBox="1">
+            <a:spLocks noGrp="1"/>
+          </p:cNvSpPr>
           <p:nvPr>
             <p:ph type="title"/>
           </p:nvPr>
@@ -9170,34 +9919,36 @@
           </a:prstGeom>
         </p:spPr>
         <p:txBody>
-          <a:bodyPr anchorCtr="0" anchor="t" bIns="91425" lIns="91425" spcFirstLastPara="1" rIns="91425" wrap="square" tIns="91425">
+          <a:bodyPr spcFirstLastPara="1" wrap="square" lIns="91425" tIns="91425" rIns="91425" bIns="91425" anchor="t" anchorCtr="0">
             <a:normAutofit fontScale="90000"/>
           </a:bodyPr>
           <a:lstStyle/>
           <a:p>
-            <a:pPr indent="0" lvl="0" marL="0" rtl="0" algn="l">
-              <a:spcBef>
-                <a:spcPts val="0"/>
-              </a:spcBef>
-              <a:spcAft>
-                <a:spcPts val="0"/>
-              </a:spcAft>
-              <a:buNone/>
-            </a:pPr>
-            <a:r>
-              <a:rPr lang="en"/>
-              <a:t>Introduction to your study species</a:t>
-            </a:r>
-            <a:endParaRPr/>
+            <a:pPr marL="0" lvl="0" indent="0" algn="l" rtl="0">
+              <a:spcBef>
+                <a:spcPts val="0"/>
+              </a:spcBef>
+              <a:spcAft>
+                <a:spcPts val="0"/>
+              </a:spcAft>
+              <a:buNone/>
+            </a:pPr>
+            <a:r>
+              <a:rPr lang="en" dirty="0"/>
+              <a:t>Introduction to [your study species]</a:t>
+            </a:r>
+            <a:endParaRPr dirty="0"/>
           </a:p>
         </p:txBody>
       </p:sp>
       <p:sp>
         <p:nvSpPr>
           <p:cNvPr id="86" name="Google Shape;86;p18"/>
-          <p:cNvSpPr txBox="1"/>
+          <p:cNvSpPr txBox="1">
+            <a:spLocks noGrp="1"/>
+          </p:cNvSpPr>
           <p:nvPr>
-            <p:ph idx="1" type="body"/>
+            <p:ph type="body" idx="1"/>
           </p:nvPr>
         </p:nvSpPr>
         <p:spPr>
@@ -9210,12 +9961,12 @@
           </a:prstGeom>
         </p:spPr>
         <p:txBody>
-          <a:bodyPr anchorCtr="0" anchor="t" bIns="91425" lIns="91425" spcFirstLastPara="1" rIns="91425" wrap="square" tIns="91425">
+          <a:bodyPr spcFirstLastPara="1" wrap="square" lIns="91425" tIns="91425" rIns="91425" bIns="91425" anchor="t" anchorCtr="0">
             <a:normAutofit/>
           </a:bodyPr>
           <a:lstStyle/>
           <a:p>
-            <a:pPr indent="-342900" lvl="0" marL="457200" rtl="0" algn="l">
+            <a:pPr marL="457200" lvl="0" indent="-342900" algn="l" rtl="0">
               <a:spcBef>
                 <a:spcPts val="0"/>
               </a:spcBef>
@@ -9226,13 +9977,13 @@
               <a:buChar char="●"/>
             </a:pPr>
             <a:r>
-              <a:rPr lang="en"/>
-              <a:t>Northern Short-Tailed Shrew</a:t>
-            </a:r>
-            <a:endParaRPr/>
-          </a:p>
-          <a:p>
-            <a:pPr indent="-342900" lvl="0" marL="457200" rtl="0" algn="l">
+              <a:rPr lang="en" dirty="0"/>
+              <a:t>Common name</a:t>
+            </a:r>
+            <a:endParaRPr dirty="0"/>
+          </a:p>
+          <a:p>
+            <a:pPr marL="457200" lvl="0" indent="-342900" algn="l" rtl="0">
               <a:spcBef>
                 <a:spcPts val="0"/>
               </a:spcBef>
@@ -9243,13 +9994,13 @@
               <a:buChar char="●"/>
             </a:pPr>
             <a:r>
-              <a:rPr lang="en"/>
+              <a:rPr lang="en" dirty="0"/>
               <a:t>Scientific name</a:t>
             </a:r>
-            <a:endParaRPr/>
-          </a:p>
-          <a:p>
-            <a:pPr indent="0" lvl="0" marL="0" rtl="0" algn="l">
+            <a:endParaRPr dirty="0"/>
+          </a:p>
+          <a:p>
+            <a:pPr marL="0" lvl="0" indent="0" algn="l" rtl="0">
               <a:spcBef>
                 <a:spcPts val="1200"/>
               </a:spcBef>
@@ -9258,13 +10009,10 @@
               </a:spcAft>
               <a:buNone/>
             </a:pPr>
-            <a:r>
-              <a:t/>
-            </a:r>
-            <a:endParaRPr/>
-          </a:p>
-          <a:p>
-            <a:pPr indent="-342900" lvl="0" marL="457200" rtl="0" algn="l">
+            <a:endParaRPr dirty="0"/>
+          </a:p>
+          <a:p>
+            <a:pPr marL="457200" lvl="0" indent="-342900" algn="l" rtl="0">
               <a:spcBef>
                 <a:spcPts val="1200"/>
               </a:spcBef>
@@ -9275,15 +10023,14 @@
               <a:buChar char="●"/>
             </a:pPr>
             <a:r>
-              <a:rPr lang="en"/>
-              <a:t>Interesting/unique characteristics</a:t>
-            </a:r>
-            <a:endParaRPr/>
-          </a:p>
-          <a:p>
-            <a:pPr indent="-342900" lvl="0" marL="457200" rtl="0" algn="l">
-              <a:spcBef>
-                <a:spcPts val="0"/>
+              <a:rPr lang="en" dirty="0"/>
+              <a:t>Where is it found today?</a:t>
+            </a:r>
+          </a:p>
+          <a:p>
+            <a:pPr marL="457200" lvl="0" indent="-342900" algn="l" rtl="0">
+              <a:spcBef>
+                <a:spcPts val="1200"/>
               </a:spcBef>
               <a:spcAft>
                 <a:spcPts val="0"/>
@@ -9292,13 +10039,13 @@
               <a:buChar char="●"/>
             </a:pPr>
             <a:r>
-              <a:rPr lang="en"/>
-              <a:t>Endangered/threatened?</a:t>
-            </a:r>
-            <a:endParaRPr/>
-          </a:p>
-          <a:p>
-            <a:pPr indent="-342900" lvl="0" marL="457200" rtl="0" algn="l">
+              <a:rPr lang="en" dirty="0"/>
+              <a:t>Interesting/unique characteristics</a:t>
+            </a:r>
+            <a:endParaRPr dirty="0"/>
+          </a:p>
+          <a:p>
+            <a:pPr marL="457200" lvl="0" indent="-342900" algn="l" rtl="0">
               <a:spcBef>
                 <a:spcPts val="0"/>
               </a:spcBef>
@@ -9309,13 +10056,30 @@
               <a:buChar char="●"/>
             </a:pPr>
             <a:r>
-              <a:rPr lang="en"/>
+              <a:rPr lang="en" dirty="0"/>
+              <a:t>Endangered/threatened?</a:t>
+            </a:r>
+            <a:endParaRPr dirty="0"/>
+          </a:p>
+          <a:p>
+            <a:pPr marL="457200" lvl="0" indent="-342900" algn="l" rtl="0">
+              <a:spcBef>
+                <a:spcPts val="0"/>
+              </a:spcBef>
+              <a:spcAft>
+                <a:spcPts val="0"/>
+              </a:spcAft>
+              <a:buSzPts val="1800"/>
+              <a:buChar char="●"/>
+            </a:pPr>
+            <a:r>
+              <a:rPr lang="en" dirty="0"/>
               <a:t>Fossil record: how old is the species? </a:t>
             </a:r>
-            <a:endParaRPr/>
-          </a:p>
-          <a:p>
-            <a:pPr indent="-317500" lvl="1" marL="914400" rtl="0" algn="l">
+            <a:endParaRPr dirty="0"/>
+          </a:p>
+          <a:p>
+            <a:pPr marL="914400" lvl="1" indent="-317500" algn="l" rtl="0">
               <a:spcBef>
                 <a:spcPts val="0"/>
               </a:spcBef>
@@ -9326,11 +10090,11 @@
               <a:buChar char="○"/>
             </a:pPr>
             <a:r>
-              <a:rPr lang="en"/>
+              <a:rPr lang="en" dirty="0"/>
               <a:t>(check </a:t>
             </a:r>
             <a:r>
-              <a:rPr lang="en" u="sng">
+              <a:rPr lang="en" u="sng" dirty="0">
                 <a:solidFill>
                   <a:schemeClr val="hlink"/>
                 </a:solidFill>
@@ -9339,11 +10103,11 @@
               <a:t>neotomadb.org</a:t>
             </a:r>
             <a:r>
-              <a:rPr lang="en"/>
+              <a:rPr lang="en" dirty="0"/>
               <a:t> and </a:t>
             </a:r>
             <a:r>
-              <a:rPr lang="en" u="sng">
+              <a:rPr lang="en" u="sng" dirty="0">
                 <a:solidFill>
                   <a:schemeClr val="hlink"/>
                 </a:solidFill>
@@ -9352,13 +10116,13 @@
               <a:t>paleobiodb.org</a:t>
             </a:r>
             <a:r>
-              <a:rPr lang="en"/>
+              <a:rPr lang="en" dirty="0"/>
               <a:t>)</a:t>
             </a:r>
-            <a:endParaRPr/>
-          </a:p>
-          <a:p>
-            <a:pPr indent="-342900" lvl="0" marL="457200" rtl="0" algn="l">
+            <a:endParaRPr dirty="0"/>
+          </a:p>
+          <a:p>
+            <a:pPr marL="457200" lvl="0" indent="-342900" algn="l" rtl="0">
               <a:spcBef>
                 <a:spcPts val="0"/>
               </a:spcBef>
@@ -9369,10 +10133,10 @@
               <a:buChar char="●"/>
             </a:pPr>
             <a:r>
-              <a:rPr lang="en"/>
+              <a:rPr lang="en" dirty="0"/>
               <a:t>Other closely related species</a:t>
             </a:r>
-            <a:endParaRPr/>
+            <a:endParaRPr dirty="0"/>
           </a:p>
         </p:txBody>
       </p:sp>
@@ -9393,23 +10157,23 @@
           <a:solidFill>
             <a:schemeClr val="lt2"/>
           </a:solidFill>
-          <a:ln cap="flat" cmpd="sng" w="9525">
+          <a:ln w="9525" cap="flat" cmpd="sng">
             <a:solidFill>
               <a:schemeClr val="dk2"/>
             </a:solidFill>
             <a:prstDash val="solid"/>
             <a:round/>
-            <a:headEnd len="sm" w="sm" type="none"/>
-            <a:tailEnd len="sm" w="sm" type="none"/>
+            <a:headEnd type="none" w="sm" len="sm"/>
+            <a:tailEnd type="none" w="sm" len="sm"/>
           </a:ln>
         </p:spPr>
         <p:txBody>
-          <a:bodyPr anchorCtr="0" anchor="ctr" bIns="91425" lIns="91425" spcFirstLastPara="1" rIns="91425" wrap="square" tIns="91425">
+          <a:bodyPr spcFirstLastPara="1" wrap="square" lIns="91425" tIns="91425" rIns="91425" bIns="91425" anchor="ctr" anchorCtr="0">
             <a:noAutofit/>
           </a:bodyPr>
           <a:lstStyle/>
           <a:p>
-            <a:pPr indent="0" lvl="0" marL="0" rtl="0" algn="ctr">
+            <a:pPr marL="0" lvl="0" indent="0" algn="ctr" rtl="0">
               <a:spcBef>
                 <a:spcPts val="0"/>
               </a:spcBef>
@@ -9434,12 +10198,12 @@
 </p:sld>
 </file>
 
-<file path=ppt/slides/slide7.xml><?xml version="1.0" encoding="utf-8"?>
-<p:sld xmlns:a="http://schemas.openxmlformats.org/drawingml/2006/main" xmlns:r="http://schemas.openxmlformats.org/officeDocument/2006/relationships" xmlns:mc="http://schemas.openxmlformats.org/markup-compatibility/2006" xmlns:mv="urn:schemas-microsoft-com:mac:vml" xmlns:p="http://schemas.openxmlformats.org/presentationml/2006/main" xmlns:c="http://schemas.openxmlformats.org/drawingml/2006/chart" xmlns:dgm="http://schemas.openxmlformats.org/drawingml/2006/diagram" xmlns:o="urn:schemas-microsoft-com:office:office" xmlns:v="urn:schemas-microsoft-com:vml" xmlns:pvml="urn:schemas-microsoft-com:office:powerpoint" xmlns:com="http://schemas.openxmlformats.org/drawingml/2006/compatibility" xmlns:p14="http://schemas.microsoft.com/office/powerpoint/2010/main" xmlns:p15="http://schemas.microsoft.com/office/powerpoint/2012/main" xmlns:ahyp="http://schemas.microsoft.com/office/drawing/2018/hyperlinkcolor">
+<file path=ppt/slides/slide8.xml><?xml version="1.0" encoding="utf-8"?>
+<p:sld xmlns:a="http://schemas.openxmlformats.org/drawingml/2006/main" xmlns:r="http://schemas.openxmlformats.org/officeDocument/2006/relationships" xmlns:p="http://schemas.openxmlformats.org/presentationml/2006/main">
   <p:cSld>
     <p:spTree>
       <p:nvGrpSpPr>
-        <p:cNvPr id="91" name="Shape 91"/>
+        <p:cNvPr id="1" name="Shape 91"/>
         <p:cNvGrpSpPr/>
         <p:nvPr/>
       </p:nvGrpSpPr>
@@ -9454,7 +10218,9 @@
       <p:sp>
         <p:nvSpPr>
           <p:cNvPr id="92" name="Google Shape;92;p19"/>
-          <p:cNvSpPr txBox="1"/>
+          <p:cNvSpPr txBox="1">
+            <a:spLocks noGrp="1"/>
+          </p:cNvSpPr>
           <p:nvPr>
             <p:ph type="title"/>
           </p:nvPr>
@@ -9469,34 +10235,36 @@
           </a:prstGeom>
         </p:spPr>
         <p:txBody>
-          <a:bodyPr anchorCtr="0" anchor="t" bIns="91425" lIns="91425" spcFirstLastPara="1" rIns="91425" wrap="square" tIns="91425">
+          <a:bodyPr spcFirstLastPara="1" wrap="square" lIns="91425" tIns="91425" rIns="91425" bIns="91425" anchor="t" anchorCtr="0">
             <a:normAutofit fontScale="90000"/>
           </a:bodyPr>
           <a:lstStyle/>
           <a:p>
-            <a:pPr indent="0" lvl="0" marL="0" rtl="0" algn="l">
-              <a:spcBef>
-                <a:spcPts val="0"/>
-              </a:spcBef>
-              <a:spcAft>
-                <a:spcPts val="0"/>
-              </a:spcAft>
-              <a:buNone/>
-            </a:pPr>
-            <a:r>
-              <a:rPr lang="en"/>
-              <a:t>More ecological information about your species</a:t>
-            </a:r>
-            <a:endParaRPr/>
+            <a:pPr marL="0" lvl="0" indent="0" algn="l" rtl="0">
+              <a:spcBef>
+                <a:spcPts val="0"/>
+              </a:spcBef>
+              <a:spcAft>
+                <a:spcPts val="0"/>
+              </a:spcAft>
+              <a:buNone/>
+            </a:pPr>
+            <a:r>
+              <a:rPr lang="en" dirty="0"/>
+              <a:t>More ecological information about [your species]</a:t>
+            </a:r>
+            <a:endParaRPr dirty="0"/>
           </a:p>
         </p:txBody>
       </p:sp>
       <p:sp>
         <p:nvSpPr>
           <p:cNvPr id="93" name="Google Shape;93;p19"/>
-          <p:cNvSpPr txBox="1"/>
+          <p:cNvSpPr txBox="1">
+            <a:spLocks noGrp="1"/>
+          </p:cNvSpPr>
           <p:nvPr>
-            <p:ph idx="1" type="body"/>
+            <p:ph type="body" idx="1"/>
           </p:nvPr>
         </p:nvSpPr>
         <p:spPr>
@@ -9509,12 +10277,12 @@
           </a:prstGeom>
         </p:spPr>
         <p:txBody>
-          <a:bodyPr anchorCtr="0" anchor="t" bIns="91425" lIns="91425" spcFirstLastPara="1" rIns="91425" wrap="square" tIns="91425">
+          <a:bodyPr spcFirstLastPara="1" wrap="square" lIns="91425" tIns="91425" rIns="91425" bIns="91425" anchor="t" anchorCtr="0">
             <a:normAutofit/>
           </a:bodyPr>
           <a:lstStyle/>
           <a:p>
-            <a:pPr indent="-342900" lvl="0" marL="457200" rtl="0" algn="l">
+            <a:pPr marL="457200" lvl="0" indent="-342900" algn="l" rtl="0">
               <a:spcBef>
                 <a:spcPts val="0"/>
               </a:spcBef>
@@ -9525,13 +10293,13 @@
               <a:buChar char="●"/>
             </a:pPr>
             <a:r>
-              <a:rPr lang="en"/>
+              <a:rPr lang="en" dirty="0"/>
               <a:t>Body size</a:t>
             </a:r>
-            <a:endParaRPr/>
-          </a:p>
-          <a:p>
-            <a:pPr indent="-342900" lvl="0" marL="457200" rtl="0" algn="l">
+            <a:endParaRPr dirty="0"/>
+          </a:p>
+          <a:p>
+            <a:pPr marL="457200" lvl="0" indent="-342900" algn="l" rtl="0">
               <a:spcBef>
                 <a:spcPts val="0"/>
               </a:spcBef>
@@ -9542,13 +10310,13 @@
               <a:buChar char="●"/>
             </a:pPr>
             <a:r>
-              <a:rPr lang="en"/>
+              <a:rPr lang="en" dirty="0"/>
               <a:t>Habitat</a:t>
             </a:r>
-            <a:endParaRPr/>
-          </a:p>
-          <a:p>
-            <a:pPr indent="-342900" lvl="0" marL="457200" rtl="0" algn="l">
+            <a:endParaRPr dirty="0"/>
+          </a:p>
+          <a:p>
+            <a:pPr marL="457200" lvl="0" indent="-342900" algn="l" rtl="0">
               <a:spcBef>
                 <a:spcPts val="0"/>
               </a:spcBef>
@@ -9559,13 +10327,13 @@
               <a:buChar char="●"/>
             </a:pPr>
             <a:r>
-              <a:rPr lang="en"/>
+              <a:rPr lang="en" dirty="0"/>
               <a:t>Diet</a:t>
             </a:r>
-            <a:endParaRPr/>
-          </a:p>
-          <a:p>
-            <a:pPr indent="-342900" lvl="0" marL="457200" rtl="0" algn="l">
+            <a:endParaRPr dirty="0"/>
+          </a:p>
+          <a:p>
+            <a:pPr marL="457200" lvl="0" indent="-342900" algn="l" rtl="0">
               <a:spcBef>
                 <a:spcPts val="0"/>
               </a:spcBef>
@@ -9576,13 +10344,13 @@
               <a:buChar char="●"/>
             </a:pPr>
             <a:r>
-              <a:rPr lang="en"/>
+              <a:rPr lang="en" dirty="0"/>
               <a:t>Lifespan</a:t>
             </a:r>
-            <a:endParaRPr/>
-          </a:p>
-          <a:p>
-            <a:pPr indent="-342900" lvl="0" marL="457200" rtl="0" algn="l">
+            <a:endParaRPr dirty="0"/>
+          </a:p>
+          <a:p>
+            <a:pPr marL="457200" lvl="0" indent="-342900" algn="l" rtl="0">
               <a:spcBef>
                 <a:spcPts val="0"/>
               </a:spcBef>
@@ -9593,13 +10361,13 @@
               <a:buChar char="●"/>
             </a:pPr>
             <a:r>
-              <a:rPr lang="en"/>
+              <a:rPr lang="en" dirty="0"/>
               <a:t>Reproductive behavior</a:t>
             </a:r>
-            <a:endParaRPr/>
-          </a:p>
-          <a:p>
-            <a:pPr indent="-342900" lvl="0" marL="457200" rtl="0" algn="l">
+            <a:endParaRPr dirty="0"/>
+          </a:p>
+          <a:p>
+            <a:pPr marL="457200" lvl="0" indent="-342900" algn="l" rtl="0">
               <a:spcBef>
                 <a:spcPts val="0"/>
               </a:spcBef>
@@ -9610,10 +10378,26 @@
               <a:buChar char="●"/>
             </a:pPr>
             <a:r>
-              <a:rPr lang="en"/>
+              <a:rPr lang="en" dirty="0"/>
               <a:t>Social behavior</a:t>
             </a:r>
-            <a:endParaRPr/>
+          </a:p>
+          <a:p>
+            <a:pPr marL="457200" lvl="0" indent="-342900" algn="l" rtl="0">
+              <a:spcBef>
+                <a:spcPts val="0"/>
+              </a:spcBef>
+              <a:spcAft>
+                <a:spcPts val="0"/>
+              </a:spcAft>
+              <a:buSzPts val="1800"/>
+              <a:buChar char="●"/>
+            </a:pPr>
+            <a:r>
+              <a:rPr lang="en" dirty="0" err="1"/>
+              <a:t>etc</a:t>
+            </a:r>
+            <a:endParaRPr dirty="0"/>
           </a:p>
         </p:txBody>
       </p:sp>
@@ -9634,23 +10418,23 @@
           <a:solidFill>
             <a:schemeClr val="lt2"/>
           </a:solidFill>
-          <a:ln cap="flat" cmpd="sng" w="9525">
+          <a:ln w="9525" cap="flat" cmpd="sng">
             <a:solidFill>
               <a:schemeClr val="dk2"/>
             </a:solidFill>
             <a:prstDash val="solid"/>
             <a:round/>
-            <a:headEnd len="sm" w="sm" type="none"/>
-            <a:tailEnd len="sm" w="sm" type="none"/>
+            <a:headEnd type="none" w="sm" len="sm"/>
+            <a:tailEnd type="none" w="sm" len="sm"/>
           </a:ln>
         </p:spPr>
         <p:txBody>
-          <a:bodyPr anchorCtr="0" anchor="ctr" bIns="91425" lIns="91425" spcFirstLastPara="1" rIns="91425" wrap="square" tIns="91425">
+          <a:bodyPr spcFirstLastPara="1" wrap="square" lIns="91425" tIns="91425" rIns="91425" bIns="91425" anchor="ctr" anchorCtr="0">
             <a:noAutofit/>
           </a:bodyPr>
           <a:lstStyle/>
           <a:p>
-            <a:pPr indent="0" lvl="0" marL="0" rtl="0" algn="ctr">
+            <a:pPr marL="0" lvl="0" indent="0" algn="ctr" rtl="0">
               <a:spcBef>
                 <a:spcPts val="0"/>
               </a:spcBef>
@@ -9661,11 +10445,7 @@
             </a:pPr>
             <a:r>
               <a:rPr lang="en"/>
-              <a:t>more </a:t>
-            </a:r>
-            <a:r>
-              <a:rPr lang="en"/>
-              <a:t>pictures</a:t>
+              <a:t>more pictures</a:t>
             </a:r>
             <a:endParaRPr/>
           </a:p>
@@ -9679,12 +10459,12 @@
 </p:sld>
 </file>
 
-<file path=ppt/slides/slide8.xml><?xml version="1.0" encoding="utf-8"?>
-<p:sld xmlns:a="http://schemas.openxmlformats.org/drawingml/2006/main" xmlns:r="http://schemas.openxmlformats.org/officeDocument/2006/relationships" xmlns:mc="http://schemas.openxmlformats.org/markup-compatibility/2006" xmlns:mv="urn:schemas-microsoft-com:mac:vml" xmlns:p="http://schemas.openxmlformats.org/presentationml/2006/main" xmlns:c="http://schemas.openxmlformats.org/drawingml/2006/chart" xmlns:dgm="http://schemas.openxmlformats.org/drawingml/2006/diagram" xmlns:o="urn:schemas-microsoft-com:office:office" xmlns:v="urn:schemas-microsoft-com:vml" xmlns:pvml="urn:schemas-microsoft-com:office:powerpoint" xmlns:com="http://schemas.openxmlformats.org/drawingml/2006/compatibility" xmlns:p14="http://schemas.microsoft.com/office/powerpoint/2010/main" xmlns:p15="http://schemas.microsoft.com/office/powerpoint/2012/main" xmlns:ahyp="http://schemas.microsoft.com/office/drawing/2018/hyperlinkcolor">
+<file path=ppt/slides/slide9.xml><?xml version="1.0" encoding="utf-8"?>
+<p:sld xmlns:a="http://schemas.openxmlformats.org/drawingml/2006/main" xmlns:r="http://schemas.openxmlformats.org/officeDocument/2006/relationships" xmlns:p="http://schemas.openxmlformats.org/presentationml/2006/main">
   <p:cSld>
     <p:spTree>
       <p:nvGrpSpPr>
-        <p:cNvPr id="98" name="Shape 98"/>
+        <p:cNvPr id="1" name="Shape 98"/>
         <p:cNvGrpSpPr/>
         <p:nvPr/>
       </p:nvGrpSpPr>
@@ -9699,7 +10479,9 @@
       <p:sp>
         <p:nvSpPr>
           <p:cNvPr id="99" name="Google Shape;99;p20"/>
-          <p:cNvSpPr txBox="1"/>
+          <p:cNvSpPr txBox="1">
+            <a:spLocks noGrp="1"/>
+          </p:cNvSpPr>
           <p:nvPr>
             <p:ph type="title"/>
           </p:nvPr>
@@ -9714,12 +10496,12 @@
           </a:prstGeom>
         </p:spPr>
         <p:txBody>
-          <a:bodyPr anchorCtr="0" anchor="t" bIns="91425" lIns="91425" spcFirstLastPara="1" rIns="91425" wrap="square" tIns="91425">
+          <a:bodyPr spcFirstLastPara="1" wrap="square" lIns="91425" tIns="91425" rIns="91425" bIns="91425" anchor="t" anchorCtr="0">
             <a:normAutofit fontScale="90000"/>
           </a:bodyPr>
           <a:lstStyle/>
           <a:p>
-            <a:pPr indent="0" lvl="0" marL="0" rtl="0" algn="l">
+            <a:pPr marL="0" lvl="0" indent="0" algn="l" rtl="0">
               <a:spcBef>
                 <a:spcPts val="0"/>
               </a:spcBef>
@@ -9739,9 +10521,11 @@
       <p:sp>
         <p:nvSpPr>
           <p:cNvPr id="100" name="Google Shape;100;p20"/>
-          <p:cNvSpPr txBox="1"/>
+          <p:cNvSpPr txBox="1">
+            <a:spLocks noGrp="1"/>
+          </p:cNvSpPr>
           <p:nvPr>
-            <p:ph idx="1" type="body"/>
+            <p:ph type="body" idx="1"/>
           </p:nvPr>
         </p:nvSpPr>
         <p:spPr>
@@ -9754,25 +10538,62 @@
           </a:prstGeom>
         </p:spPr>
         <p:txBody>
-          <a:bodyPr anchorCtr="0" anchor="t" bIns="91425" lIns="91425" spcFirstLastPara="1" rIns="91425" wrap="square" tIns="91425">
+          <a:bodyPr spcFirstLastPara="1" wrap="square" lIns="91425" tIns="91425" rIns="91425" bIns="91425" anchor="t" anchorCtr="0">
             <a:normAutofit/>
           </a:bodyPr>
           <a:lstStyle/>
           <a:p>
-            <a:pPr indent="0" lvl="0" marL="0" rtl="0" algn="l">
-              <a:spcBef>
-                <a:spcPts val="0"/>
-              </a:spcBef>
+            <a:pPr marL="285750" indent="-285750">
               <a:spcAft>
                 <a:spcPts val="1200"/>
               </a:spcAft>
-              <a:buNone/>
-            </a:pPr>
-            <a:r>
-              <a:rPr lang="en"/>
+            </a:pPr>
+            <a:r>
+              <a:rPr lang="en" dirty="0"/>
+              <a:t>Conservation challenge 1</a:t>
+            </a:r>
+          </a:p>
+          <a:p>
+            <a:pPr marL="285750" indent="-285750">
+              <a:spcAft>
+                <a:spcPts val="1200"/>
+              </a:spcAft>
+            </a:pPr>
+            <a:r>
+              <a:rPr lang="en" dirty="0"/>
+              <a:t>Conservation challenge 2</a:t>
+            </a:r>
+          </a:p>
+          <a:p>
+            <a:pPr marL="285750" indent="-285750">
+              <a:spcAft>
+                <a:spcPts val="1200"/>
+              </a:spcAft>
+            </a:pPr>
+            <a:r>
+              <a:rPr lang="en" dirty="0" err="1"/>
+              <a:t>etc</a:t>
+            </a:r>
+            <a:r>
+              <a:rPr lang="en" dirty="0"/>
+              <a:t>…</a:t>
+            </a:r>
+          </a:p>
+          <a:p>
+            <a:pPr marL="0" lvl="0" indent="0" algn="l" rtl="0">
+              <a:spcBef>
+                <a:spcPts val="0"/>
+              </a:spcBef>
+              <a:spcAft>
+                <a:spcPts val="1200"/>
+              </a:spcAft>
+              <a:buNone/>
+            </a:pPr>
+            <a:r>
+              <a:rPr lang="en" dirty="0"/>
               <a:t>[also name your sources here]</a:t>
             </a:r>
-            <a:endParaRPr/>
+            <a:endParaRPr dirty="0"/>
           </a:p>
         </p:txBody>
       </p:sp>
@@ -9784,178 +10605,289 @@
 </p:sld>
 </file>
 
-<file path=ppt/slides/slide9.xml><?xml version="1.0" encoding="utf-8"?>
-<p:sld xmlns:a="http://schemas.openxmlformats.org/drawingml/2006/main" xmlns:r="http://schemas.openxmlformats.org/officeDocument/2006/relationships" xmlns:mc="http://schemas.openxmlformats.org/markup-compatibility/2006" xmlns:mv="urn:schemas-microsoft-com:mac:vml" xmlns:p="http://schemas.openxmlformats.org/presentationml/2006/main" xmlns:c="http://schemas.openxmlformats.org/drawingml/2006/chart" xmlns:dgm="http://schemas.openxmlformats.org/drawingml/2006/diagram" xmlns:o="urn:schemas-microsoft-com:office:office" xmlns:v="urn:schemas-microsoft-com:vml" xmlns:pvml="urn:schemas-microsoft-com:office:powerpoint" xmlns:com="http://schemas.openxmlformats.org/drawingml/2006/compatibility" xmlns:p14="http://schemas.microsoft.com/office/powerpoint/2010/main" xmlns:p15="http://schemas.microsoft.com/office/powerpoint/2012/main" xmlns:ahyp="http://schemas.microsoft.com/office/drawing/2018/hyperlinkcolor">
-  <p:cSld>
-    <p:spTree>
-      <p:nvGrpSpPr>
-        <p:cNvPr id="104" name="Shape 104"/>
-        <p:cNvGrpSpPr/>
-        <p:nvPr/>
-      </p:nvGrpSpPr>
-      <p:grpSpPr>
-        <a:xfrm>
-          <a:off x="0" y="0"/>
-          <a:ext cx="0" cy="0"/>
-          <a:chOff x="0" y="0"/>
-          <a:chExt cx="0" cy="0"/>
-        </a:xfrm>
-      </p:grpSpPr>
-      <p:sp>
-        <p:nvSpPr>
-          <p:cNvPr id="105" name="Google Shape;105;p21"/>
-          <p:cNvSpPr txBox="1"/>
-          <p:nvPr>
-            <p:ph type="title"/>
-          </p:nvPr>
-        </p:nvSpPr>
-        <p:spPr>
-          <a:xfrm>
-            <a:off x="311700" y="445025"/>
-            <a:ext cx="8520600" cy="572700"/>
-          </a:xfrm>
-          <a:prstGeom prst="rect">
-            <a:avLst/>
-          </a:prstGeom>
-        </p:spPr>
-        <p:txBody>
-          <a:bodyPr anchorCtr="0" anchor="t" bIns="91425" lIns="91425" spcFirstLastPara="1" rIns="91425" wrap="square" tIns="91425">
-            <a:normAutofit fontScale="90000"/>
-          </a:bodyPr>
-          <a:lstStyle/>
-          <a:p>
-            <a:pPr indent="0" lvl="0" marL="0" rtl="0" algn="l">
-              <a:spcBef>
-                <a:spcPts val="0"/>
-              </a:spcBef>
-              <a:spcAft>
-                <a:spcPts val="0"/>
-              </a:spcAft>
-              <a:buNone/>
-            </a:pPr>
-            <a:r>
-              <a:rPr lang="en"/>
-              <a:t>Occurrence data map (Pleistocene </a:t>
-            </a:r>
-            <a:r>
-              <a:rPr lang="en"/>
-              <a:t>through</a:t>
-            </a:r>
-            <a:r>
-              <a:rPr lang="en"/>
-              <a:t> modern)</a:t>
-            </a:r>
-            <a:endParaRPr/>
-          </a:p>
-        </p:txBody>
-      </p:sp>
-      <p:sp>
-        <p:nvSpPr>
-          <p:cNvPr id="106" name="Google Shape;106;p21"/>
-          <p:cNvSpPr txBox="1"/>
-          <p:nvPr>
-            <p:ph idx="1" type="body"/>
-          </p:nvPr>
-        </p:nvSpPr>
-        <p:spPr>
-          <a:xfrm>
-            <a:off x="5840400" y="1152525"/>
-            <a:ext cx="2991900" cy="3416400"/>
-          </a:xfrm>
-          <a:prstGeom prst="rect">
-            <a:avLst/>
-          </a:prstGeom>
-        </p:spPr>
-        <p:txBody>
-          <a:bodyPr anchorCtr="0" anchor="t" bIns="91425" lIns="91425" spcFirstLastPara="1" rIns="91425" wrap="square" tIns="91425">
-            <a:normAutofit/>
-          </a:bodyPr>
-          <a:lstStyle/>
-          <a:p>
-            <a:pPr indent="0" lvl="0" marL="0" rtl="0" algn="l">
-              <a:spcBef>
-                <a:spcPts val="0"/>
-              </a:spcBef>
-              <a:spcAft>
-                <a:spcPts val="0"/>
-              </a:spcAft>
-              <a:buNone/>
-            </a:pPr>
-            <a:r>
-              <a:rPr lang="en"/>
-              <a:t>How has your species’ observed range changed from the last ice age to the present?</a:t>
-            </a:r>
-            <a:endParaRPr/>
-          </a:p>
-          <a:p>
-            <a:pPr indent="0" lvl="0" marL="0" rtl="0" algn="l">
-              <a:spcBef>
-                <a:spcPts val="1200"/>
-              </a:spcBef>
-              <a:spcAft>
-                <a:spcPts val="1200"/>
-              </a:spcAft>
-              <a:buClr>
-                <a:schemeClr val="dk1"/>
-              </a:buClr>
-              <a:buSzPts val="1100"/>
-              <a:buFont typeface="Arial"/>
-              <a:buNone/>
-            </a:pPr>
-            <a:r>
-              <a:rPr lang="en"/>
-              <a:t>(this image is from the tutorial with </a:t>
-            </a:r>
-            <a:r>
-              <a:rPr i="1" lang="en"/>
-              <a:t>Microtus pennsylvanicus</a:t>
-            </a:r>
-            <a:r>
-              <a:rPr lang="en"/>
-              <a:t>; delete it and use your own)</a:t>
-            </a:r>
-            <a:endParaRPr/>
-          </a:p>
-        </p:txBody>
-      </p:sp>
-      <p:pic>
-        <p:nvPicPr>
-          <p:cNvPr id="107" name="Google Shape;107;p21"/>
-          <p:cNvPicPr preferRelativeResize="0"/>
-          <p:nvPr/>
-        </p:nvPicPr>
-        <p:blipFill>
-          <a:blip r:embed="rId3">
-            <a:alphaModFix/>
-          </a:blip>
-          <a:stretch>
-            <a:fillRect/>
-          </a:stretch>
-        </p:blipFill>
-        <p:spPr>
-          <a:xfrm>
-            <a:off x="311692" y="1152475"/>
-            <a:ext cx="5528711" cy="3416400"/>
-          </a:xfrm>
-          <a:prstGeom prst="rect">
-            <a:avLst/>
-          </a:prstGeom>
-          <a:noFill/>
-          <a:ln>
-            <a:noFill/>
-          </a:ln>
-        </p:spPr>
-      </p:pic>
-    </p:spTree>
-  </p:cSld>
-  <p:clrMapOvr>
-    <a:masterClrMapping/>
-  </p:clrMapOvr>
-</p:sld>
+<file path=ppt/theme/theme1.xml><?xml version="1.0" encoding="utf-8"?>
+<a:theme xmlns:a="http://schemas.openxmlformats.org/drawingml/2006/main" name="Simple Light">
+  <a:themeElements>
+    <a:clrScheme name="Simple Light">
+      <a:dk1>
+        <a:srgbClr val="000000"/>
+      </a:dk1>
+      <a:lt1>
+        <a:srgbClr val="FFFFFF"/>
+      </a:lt1>
+      <a:dk2>
+        <a:srgbClr val="595959"/>
+      </a:dk2>
+      <a:lt2>
+        <a:srgbClr val="EEEEEE"/>
+      </a:lt2>
+      <a:accent1>
+        <a:srgbClr val="4285F4"/>
+      </a:accent1>
+      <a:accent2>
+        <a:srgbClr val="212121"/>
+      </a:accent2>
+      <a:accent3>
+        <a:srgbClr val="78909C"/>
+      </a:accent3>
+      <a:accent4>
+        <a:srgbClr val="FFAB40"/>
+      </a:accent4>
+      <a:accent5>
+        <a:srgbClr val="0097A7"/>
+      </a:accent5>
+      <a:accent6>
+        <a:srgbClr val="EEFF41"/>
+      </a:accent6>
+      <a:hlink>
+        <a:srgbClr val="EFEFEF"/>
+      </a:hlink>
+      <a:folHlink>
+        <a:srgbClr val="0097A7"/>
+      </a:folHlink>
+    </a:clrScheme>
+    <a:fontScheme name="Office">
+      <a:majorFont>
+        <a:latin typeface="Arial"/>
+        <a:ea typeface=""/>
+        <a:cs typeface=""/>
+        <a:font script="Jpan" typeface="ＭＳ Ｐゴシック"/>
+        <a:font script="Hang" typeface="맑은 고딕"/>
+        <a:font script="Hans" typeface="宋体"/>
+        <a:font script="Hant" typeface="新細明體"/>
+        <a:font script="Arab" typeface="Times New Roman"/>
+        <a:font script="Hebr" typeface="Times New Roman"/>
+        <a:font script="Thai" typeface="Angsana New"/>
+        <a:font script="Ethi" typeface="Nyala"/>
+        <a:font script="Beng" typeface="Vrinda"/>
+        <a:font script="Gujr" typeface="Shruti"/>
+        <a:font script="Khmr" typeface="MoolBoran"/>
+        <a:font script="Knda" typeface="Tunga"/>
+        <a:font script="Guru" typeface="Raavi"/>
+        <a:font script="Cans" typeface="Euphemia"/>
+        <a:font script="Cher" typeface="Plantagenet Cherokee"/>
+        <a:font script="Yiii" typeface="Microsoft Yi Baiti"/>
+        <a:font script="Tibt" typeface="Microsoft Himalaya"/>
+        <a:font script="Thaa" typeface="MV Boli"/>
+        <a:font script="Deva" typeface="Mangal"/>
+        <a:font script="Telu" typeface="Gautami"/>
+        <a:font script="Taml" typeface="Latha"/>
+        <a:font script="Syrc" typeface="Estrangelo Edessa"/>
+        <a:font script="Orya" typeface="Kalinga"/>
+        <a:font script="Mlym" typeface="Kartika"/>
+        <a:font script="Laoo" typeface="DokChampa"/>
+        <a:font script="Sinh" typeface="Iskoola Pota"/>
+        <a:font script="Mong" typeface="Mongolian Baiti"/>
+        <a:font script="Viet" typeface="Times New Roman"/>
+        <a:font script="Uigh" typeface="Microsoft Uighur"/>
+        <a:font script="Geor" typeface="Sylfaen"/>
+      </a:majorFont>
+      <a:minorFont>
+        <a:latin typeface="Arial"/>
+        <a:ea typeface=""/>
+        <a:cs typeface=""/>
+        <a:font script="Jpan" typeface="ＭＳ Ｐゴシック"/>
+        <a:font script="Hang" typeface="맑은 고딕"/>
+        <a:font script="Hans" typeface="宋体"/>
+        <a:font script="Hant" typeface="新細明體"/>
+        <a:font script="Arab" typeface="Arial"/>
+        <a:font script="Hebr" typeface="Arial"/>
+        <a:font script="Thai" typeface="Cordia New"/>
+        <a:font script="Ethi" typeface="Nyala"/>
+        <a:font script="Beng" typeface="Vrinda"/>
+        <a:font script="Gujr" typeface="Shruti"/>
+        <a:font script="Khmr" typeface="DaunPenh"/>
+        <a:font script="Knda" typeface="Tunga"/>
+        <a:font script="Guru" typeface="Raavi"/>
+        <a:font script="Cans" typeface="Euphemia"/>
+        <a:font script="Cher" typeface="Plantagenet Cherokee"/>
+        <a:font script="Yiii" typeface="Microsoft Yi Baiti"/>
+        <a:font script="Tibt" typeface="Microsoft Himalaya"/>
+        <a:font script="Thaa" typeface="MV Boli"/>
+        <a:font script="Deva" typeface="Mangal"/>
+        <a:font script="Telu" typeface="Gautami"/>
+        <a:font script="Taml" typeface="Latha"/>
+        <a:font script="Syrc" typeface="Estrangelo Edessa"/>
+        <a:font script="Orya" typeface="Kalinga"/>
+        <a:font script="Mlym" typeface="Kartika"/>
+        <a:font script="Laoo" typeface="DokChampa"/>
+        <a:font script="Sinh" typeface="Iskoola Pota"/>
+        <a:font script="Mong" typeface="Mongolian Baiti"/>
+        <a:font script="Viet" typeface="Arial"/>
+        <a:font script="Uigh" typeface="Microsoft Uighur"/>
+        <a:font script="Geor" typeface="Sylfaen"/>
+      </a:minorFont>
+    </a:fontScheme>
+    <a:fmtScheme name="Office">
+      <a:fillStyleLst>
+        <a:solidFill>
+          <a:schemeClr val="phClr"/>
+        </a:solidFill>
+        <a:gradFill rotWithShape="1">
+          <a:gsLst>
+            <a:gs pos="0">
+              <a:schemeClr val="phClr">
+                <a:tint val="50000"/>
+                <a:satMod val="300000"/>
+              </a:schemeClr>
+            </a:gs>
+            <a:gs pos="35000">
+              <a:schemeClr val="phClr">
+                <a:tint val="37000"/>
+                <a:satMod val="300000"/>
+              </a:schemeClr>
+            </a:gs>
+            <a:gs pos="100000">
+              <a:schemeClr val="phClr">
+                <a:tint val="15000"/>
+                <a:satMod val="350000"/>
+              </a:schemeClr>
+            </a:gs>
+          </a:gsLst>
+          <a:lin ang="16200000" scaled="1"/>
+        </a:gradFill>
+        <a:gradFill rotWithShape="1">
+          <a:gsLst>
+            <a:gs pos="0">
+              <a:schemeClr val="phClr">
+                <a:tint val="100000"/>
+                <a:shade val="100000"/>
+                <a:satMod val="130000"/>
+              </a:schemeClr>
+            </a:gs>
+            <a:gs pos="100000">
+              <a:schemeClr val="phClr">
+                <a:tint val="50000"/>
+                <a:shade val="100000"/>
+                <a:satMod val="350000"/>
+              </a:schemeClr>
+            </a:gs>
+          </a:gsLst>
+          <a:lin ang="16200000" scaled="0"/>
+        </a:gradFill>
+      </a:fillStyleLst>
+      <a:lnStyleLst>
+        <a:ln w="9525" cap="flat" cmpd="sng" algn="ctr">
+          <a:solidFill>
+            <a:schemeClr val="phClr">
+              <a:shade val="95000"/>
+              <a:satMod val="105000"/>
+            </a:schemeClr>
+          </a:solidFill>
+          <a:prstDash val="solid"/>
+        </a:ln>
+        <a:ln w="25400" cap="flat" cmpd="sng" algn="ctr">
+          <a:solidFill>
+            <a:schemeClr val="phClr"/>
+          </a:solidFill>
+          <a:prstDash val="solid"/>
+        </a:ln>
+        <a:ln w="38100" cap="flat" cmpd="sng" algn="ctr">
+          <a:solidFill>
+            <a:schemeClr val="phClr"/>
+          </a:solidFill>
+          <a:prstDash val="solid"/>
+        </a:ln>
+      </a:lnStyleLst>
+      <a:effectStyleLst>
+        <a:effectStyle>
+          <a:effectLst>
+            <a:outerShdw blurRad="40000" dist="20000" dir="5400000" rotWithShape="0">
+              <a:srgbClr val="000000">
+                <a:alpha val="38000"/>
+              </a:srgbClr>
+            </a:outerShdw>
+          </a:effectLst>
+        </a:effectStyle>
+        <a:effectStyle>
+          <a:effectLst>
+            <a:outerShdw blurRad="40000" dist="23000" dir="5400000" rotWithShape="0">
+              <a:srgbClr val="000000">
+                <a:alpha val="35000"/>
+              </a:srgbClr>
+            </a:outerShdw>
+          </a:effectLst>
+        </a:effectStyle>
+        <a:effectStyle>
+          <a:effectLst>
+            <a:outerShdw blurRad="40000" dist="23000" dir="5400000" rotWithShape="0">
+              <a:srgbClr val="000000">
+                <a:alpha val="35000"/>
+              </a:srgbClr>
+            </a:outerShdw>
+          </a:effectLst>
+          <a:scene3d>
+            <a:camera prst="orthographicFront">
+              <a:rot lat="0" lon="0" rev="0"/>
+            </a:camera>
+            <a:lightRig rig="threePt" dir="t">
+              <a:rot lat="0" lon="0" rev="1200000"/>
+            </a:lightRig>
+          </a:scene3d>
+          <a:sp3d>
+            <a:bevelT w="63500" h="25400"/>
+          </a:sp3d>
+        </a:effectStyle>
+      </a:effectStyleLst>
+      <a:bgFillStyleLst>
+        <a:solidFill>
+          <a:schemeClr val="phClr"/>
+        </a:solidFill>
+        <a:gradFill rotWithShape="1">
+          <a:gsLst>
+            <a:gs pos="0">
+              <a:schemeClr val="phClr">
+                <a:tint val="40000"/>
+                <a:satMod val="350000"/>
+              </a:schemeClr>
+            </a:gs>
+            <a:gs pos="40000">
+              <a:schemeClr val="phClr">
+                <a:tint val="45000"/>
+                <a:shade val="99000"/>
+                <a:satMod val="350000"/>
+              </a:schemeClr>
+            </a:gs>
+            <a:gs pos="100000">
+              <a:schemeClr val="phClr">
+                <a:shade val="20000"/>
+                <a:satMod val="255000"/>
+              </a:schemeClr>
+            </a:gs>
+          </a:gsLst>
+          <a:path path="circle">
+            <a:fillToRect l="50000" t="-80000" r="50000" b="180000"/>
+          </a:path>
+        </a:gradFill>
+        <a:gradFill rotWithShape="1">
+          <a:gsLst>
+            <a:gs pos="0">
+              <a:schemeClr val="phClr">
+                <a:tint val="80000"/>
+                <a:satMod val="300000"/>
+              </a:schemeClr>
+            </a:gs>
+            <a:gs pos="100000">
+              <a:schemeClr val="phClr">
+                <a:shade val="30000"/>
+                <a:satMod val="200000"/>
+              </a:schemeClr>
+            </a:gs>
+          </a:gsLst>
+          <a:path path="circle">
+            <a:fillToRect l="50000" t="50000" r="50000" b="50000"/>
+          </a:path>
+        </a:gradFill>
+      </a:bgFillStyleLst>
+    </a:fmtScheme>
+  </a:themeElements>
+  <a:objectDefaults/>
+  <a:extraClrSchemeLst/>
+</a:theme>
 </file>
 
-<file path=ppt/theme/theme1.xml><?xml version="1.0" encoding="utf-8"?>
-<a:theme xmlns:a="http://schemas.openxmlformats.org/drawingml/2006/main" xmlns:r="http://schemas.openxmlformats.org/officeDocument/2006/relationships">
+<file path=ppt/theme/theme2.xml><?xml version="1.0" encoding="utf-8"?>
+<a:theme xmlns:a="http://schemas.openxmlformats.org/drawingml/2006/main">
   <a:themeElements>
     <a:clrScheme name="Default">
       <a:dk1>
@@ -10230,284 +11162,7 @@
       </a:bgFillStyleLst>
     </a:fmtScheme>
   </a:themeElements>
-</a:theme>
-</file>
-
-<file path=ppt/theme/theme2.xml><?xml version="1.0" encoding="utf-8"?>
-<a:theme xmlns:a="http://schemas.openxmlformats.org/drawingml/2006/main" xmlns:r="http://schemas.openxmlformats.org/officeDocument/2006/relationships" name="Simple Light">
-  <a:themeElements>
-    <a:clrScheme name="Simple Light">
-      <a:dk1>
-        <a:srgbClr val="000000"/>
-      </a:dk1>
-      <a:lt1>
-        <a:srgbClr val="FFFFFF"/>
-      </a:lt1>
-      <a:dk2>
-        <a:srgbClr val="595959"/>
-      </a:dk2>
-      <a:lt2>
-        <a:srgbClr val="EEEEEE"/>
-      </a:lt2>
-      <a:accent1>
-        <a:srgbClr val="4285F4"/>
-      </a:accent1>
-      <a:accent2>
-        <a:srgbClr val="212121"/>
-      </a:accent2>
-      <a:accent3>
-        <a:srgbClr val="78909C"/>
-      </a:accent3>
-      <a:accent4>
-        <a:srgbClr val="FFAB40"/>
-      </a:accent4>
-      <a:accent5>
-        <a:srgbClr val="0097A7"/>
-      </a:accent5>
-      <a:accent6>
-        <a:srgbClr val="EEFF41"/>
-      </a:accent6>
-      <a:hlink>
-        <a:srgbClr val="EFEFEF"/>
-      </a:hlink>
-      <a:folHlink>
-        <a:srgbClr val="0097A7"/>
-      </a:folHlink>
-    </a:clrScheme>
-    <a:fontScheme name="Office">
-      <a:majorFont>
-        <a:latin typeface="Arial"/>
-        <a:ea typeface=""/>
-        <a:cs typeface=""/>
-        <a:font script="Jpan" typeface="ＭＳ Ｐゴシック"/>
-        <a:font script="Hang" typeface="맑은 고딕"/>
-        <a:font script="Hans" typeface="宋体"/>
-        <a:font script="Hant" typeface="新細明體"/>
-        <a:font script="Arab" typeface="Times New Roman"/>
-        <a:font script="Hebr" typeface="Times New Roman"/>
-        <a:font script="Thai" typeface="Angsana New"/>
-        <a:font script="Ethi" typeface="Nyala"/>
-        <a:font script="Beng" typeface="Vrinda"/>
-        <a:font script="Gujr" typeface="Shruti"/>
-        <a:font script="Khmr" typeface="MoolBoran"/>
-        <a:font script="Knda" typeface="Tunga"/>
-        <a:font script="Guru" typeface="Raavi"/>
-        <a:font script="Cans" typeface="Euphemia"/>
-        <a:font script="Cher" typeface="Plantagenet Cherokee"/>
-        <a:font script="Yiii" typeface="Microsoft Yi Baiti"/>
-        <a:font script="Tibt" typeface="Microsoft Himalaya"/>
-        <a:font script="Thaa" typeface="MV Boli"/>
-        <a:font script="Deva" typeface="Mangal"/>
-        <a:font script="Telu" typeface="Gautami"/>
-        <a:font script="Taml" typeface="Latha"/>
-        <a:font script="Syrc" typeface="Estrangelo Edessa"/>
-        <a:font script="Orya" typeface="Kalinga"/>
-        <a:font script="Mlym" typeface="Kartika"/>
-        <a:font script="Laoo" typeface="DokChampa"/>
-        <a:font script="Sinh" typeface="Iskoola Pota"/>
-        <a:font script="Mong" typeface="Mongolian Baiti"/>
-        <a:font script="Viet" typeface="Times New Roman"/>
-        <a:font script="Uigh" typeface="Microsoft Uighur"/>
-        <a:font script="Geor" typeface="Sylfaen"/>
-      </a:majorFont>
-      <a:minorFont>
-        <a:latin typeface="Arial"/>
-        <a:ea typeface=""/>
-        <a:cs typeface=""/>
-        <a:font script="Jpan" typeface="ＭＳ Ｐゴシック"/>
-        <a:font script="Hang" typeface="맑은 고딕"/>
-        <a:font script="Hans" typeface="宋体"/>
-        <a:font script="Hant" typeface="新細明體"/>
-        <a:font script="Arab" typeface="Arial"/>
-        <a:font script="Hebr" typeface="Arial"/>
-        <a:font script="Thai" typeface="Cordia New"/>
-        <a:font script="Ethi" typeface="Nyala"/>
-        <a:font script="Beng" typeface="Vrinda"/>
-        <a:font script="Gujr" typeface="Shruti"/>
-        <a:font script="Khmr" typeface="DaunPenh"/>
-        <a:font script="Knda" typeface="Tunga"/>
-        <a:font script="Guru" typeface="Raavi"/>
-        <a:font script="Cans" typeface="Euphemia"/>
-        <a:font script="Cher" typeface="Plantagenet Cherokee"/>
-        <a:font script="Yiii" typeface="Microsoft Yi Baiti"/>
-        <a:font script="Tibt" typeface="Microsoft Himalaya"/>
-        <a:font script="Thaa" typeface="MV Boli"/>
-        <a:font script="Deva" typeface="Mangal"/>
-        <a:font script="Telu" typeface="Gautami"/>
-        <a:font script="Taml" typeface="Latha"/>
-        <a:font script="Syrc" typeface="Estrangelo Edessa"/>
-        <a:font script="Orya" typeface="Kalinga"/>
-        <a:font script="Mlym" typeface="Kartika"/>
-        <a:font script="Laoo" typeface="DokChampa"/>
-        <a:font script="Sinh" typeface="Iskoola Pota"/>
-        <a:font script="Mong" typeface="Mongolian Baiti"/>
-        <a:font script="Viet" typeface="Arial"/>
-        <a:font script="Uigh" typeface="Microsoft Uighur"/>
-        <a:font script="Geor" typeface="Sylfaen"/>
-      </a:minorFont>
-    </a:fontScheme>
-    <a:fmtScheme name="Office">
-      <a:fillStyleLst>
-        <a:solidFill>
-          <a:schemeClr val="phClr"/>
-        </a:solidFill>
-        <a:gradFill rotWithShape="1">
-          <a:gsLst>
-            <a:gs pos="0">
-              <a:schemeClr val="phClr">
-                <a:tint val="50000"/>
-                <a:satMod val="300000"/>
-              </a:schemeClr>
-            </a:gs>
-            <a:gs pos="35000">
-              <a:schemeClr val="phClr">
-                <a:tint val="37000"/>
-                <a:satMod val="300000"/>
-              </a:schemeClr>
-            </a:gs>
-            <a:gs pos="100000">
-              <a:schemeClr val="phClr">
-                <a:tint val="15000"/>
-                <a:satMod val="350000"/>
-              </a:schemeClr>
-            </a:gs>
-          </a:gsLst>
-          <a:lin ang="16200000" scaled="1"/>
-        </a:gradFill>
-        <a:gradFill rotWithShape="1">
-          <a:gsLst>
-            <a:gs pos="0">
-              <a:schemeClr val="phClr">
-                <a:tint val="100000"/>
-                <a:shade val="100000"/>
-                <a:satMod val="130000"/>
-              </a:schemeClr>
-            </a:gs>
-            <a:gs pos="100000">
-              <a:schemeClr val="phClr">
-                <a:tint val="50000"/>
-                <a:shade val="100000"/>
-                <a:satMod val="350000"/>
-              </a:schemeClr>
-            </a:gs>
-          </a:gsLst>
-          <a:lin ang="16200000" scaled="0"/>
-        </a:gradFill>
-      </a:fillStyleLst>
-      <a:lnStyleLst>
-        <a:ln w="9525" cap="flat" cmpd="sng" algn="ctr">
-          <a:solidFill>
-            <a:schemeClr val="phClr">
-              <a:shade val="95000"/>
-              <a:satMod val="105000"/>
-            </a:schemeClr>
-          </a:solidFill>
-          <a:prstDash val="solid"/>
-        </a:ln>
-        <a:ln w="25400" cap="flat" cmpd="sng" algn="ctr">
-          <a:solidFill>
-            <a:schemeClr val="phClr"/>
-          </a:solidFill>
-          <a:prstDash val="solid"/>
-        </a:ln>
-        <a:ln w="38100" cap="flat" cmpd="sng" algn="ctr">
-          <a:solidFill>
-            <a:schemeClr val="phClr"/>
-          </a:solidFill>
-          <a:prstDash val="solid"/>
-        </a:ln>
-      </a:lnStyleLst>
-      <a:effectStyleLst>
-        <a:effectStyle>
-          <a:effectLst>
-            <a:outerShdw blurRad="40000" dist="20000" dir="5400000" rotWithShape="0">
-              <a:srgbClr val="000000">
-                <a:alpha val="38000"/>
-              </a:srgbClr>
-            </a:outerShdw>
-          </a:effectLst>
-        </a:effectStyle>
-        <a:effectStyle>
-          <a:effectLst>
-            <a:outerShdw blurRad="40000" dist="23000" dir="5400000" rotWithShape="0">
-              <a:srgbClr val="000000">
-                <a:alpha val="35000"/>
-              </a:srgbClr>
-            </a:outerShdw>
-          </a:effectLst>
-        </a:effectStyle>
-        <a:effectStyle>
-          <a:effectLst>
-            <a:outerShdw blurRad="40000" dist="23000" dir="5400000" rotWithShape="0">
-              <a:srgbClr val="000000">
-                <a:alpha val="35000"/>
-              </a:srgbClr>
-            </a:outerShdw>
-          </a:effectLst>
-          <a:scene3d>
-            <a:camera prst="orthographicFront">
-              <a:rot lat="0" lon="0" rev="0"/>
-            </a:camera>
-            <a:lightRig rig="threePt" dir="t">
-              <a:rot lat="0" lon="0" rev="1200000"/>
-            </a:lightRig>
-          </a:scene3d>
-          <a:sp3d>
-            <a:bevelT w="63500" h="25400"/>
-          </a:sp3d>
-        </a:effectStyle>
-      </a:effectStyleLst>
-      <a:bgFillStyleLst>
-        <a:solidFill>
-          <a:schemeClr val="phClr"/>
-        </a:solidFill>
-        <a:gradFill rotWithShape="1">
-          <a:gsLst>
-            <a:gs pos="0">
-              <a:schemeClr val="phClr">
-                <a:tint val="40000"/>
-                <a:satMod val="350000"/>
-              </a:schemeClr>
-            </a:gs>
-            <a:gs pos="40000">
-              <a:schemeClr val="phClr">
-                <a:tint val="45000"/>
-                <a:shade val="99000"/>
-                <a:satMod val="350000"/>
-              </a:schemeClr>
-            </a:gs>
-            <a:gs pos="100000">
-              <a:schemeClr val="phClr">
-                <a:shade val="20000"/>
-                <a:satMod val="255000"/>
-              </a:schemeClr>
-            </a:gs>
-          </a:gsLst>
-          <a:path path="circle">
-            <a:fillToRect l="50000" t="-80000" r="50000" b="180000"/>
-          </a:path>
-        </a:gradFill>
-        <a:gradFill rotWithShape="1">
-          <a:gsLst>
-            <a:gs pos="0">
-              <a:schemeClr val="phClr">
-                <a:tint val="80000"/>
-                <a:satMod val="300000"/>
-              </a:schemeClr>
-            </a:gs>
-            <a:gs pos="100000">
-              <a:schemeClr val="phClr">
-                <a:shade val="30000"/>
-                <a:satMod val="200000"/>
-              </a:schemeClr>
-            </a:gs>
-          </a:gsLst>
-          <a:path path="circle">
-            <a:fillToRect l="50000" t="50000" r="50000" b="50000"/>
-          </a:path>
-        </a:gradFill>
-      </a:bgFillStyleLst>
-    </a:fmtScheme>
-  </a:themeElements>
+  <a:objectDefaults/>
+  <a:extraClrSchemeLst/>
 </a:theme>
 </file>
--- a/student presentation template.pptx
+++ b/student presentation template.pptx
@@ -9380,16 +9380,7 @@
                 </a:solidFill>
                 <a:hlinkClick r:id="rId5"/>
               </a:rPr>
-              <a:t>Using c</a:t>
-            </a:r>
-            <a:r>
-              <a:rPr lang="en" u="sng" dirty="0">
-                <a:solidFill>
-                  <a:schemeClr val="hlink"/>
-                </a:solidFill>
-                <a:hlinkClick r:id="rId5"/>
-              </a:rPr>
-              <a:t>omputer vision with camera traps to ID wildlife</a:t>
+              <a:t>Using computer vision with camera traps to ID wildlife</a:t>
             </a:r>
             <a:endParaRPr dirty="0">
               <a:solidFill>
